--- a/Basic_python/7 Text files.pptx
+++ b/Basic_python/7 Text files.pptx
@@ -5,7 +5,7 @@
     <p:sldMasterId id="2147483648" r:id="rId1"/>
   </p:sldMasterIdLst>
   <p:notesMasterIdLst>
-    <p:notesMasterId r:id="rId32"/>
+    <p:notesMasterId r:id="rId33"/>
   </p:notesMasterIdLst>
   <p:sldIdLst>
     <p:sldId id="256" r:id="rId2"/>
@@ -14,35 +14,36 @@
     <p:sldId id="322" r:id="rId5"/>
     <p:sldId id="352" r:id="rId6"/>
     <p:sldId id="353" r:id="rId7"/>
-    <p:sldId id="350" r:id="rId8"/>
-    <p:sldId id="349" r:id="rId9"/>
-    <p:sldId id="355" r:id="rId10"/>
-    <p:sldId id="356" r:id="rId11"/>
-    <p:sldId id="357" r:id="rId12"/>
-    <p:sldId id="359" r:id="rId13"/>
-    <p:sldId id="378" r:id="rId14"/>
-    <p:sldId id="375" r:id="rId15"/>
-    <p:sldId id="376" r:id="rId16"/>
-    <p:sldId id="360" r:id="rId17"/>
-    <p:sldId id="362" r:id="rId18"/>
-    <p:sldId id="361" r:id="rId19"/>
-    <p:sldId id="363" r:id="rId20"/>
-    <p:sldId id="364" r:id="rId21"/>
-    <p:sldId id="365" r:id="rId22"/>
-    <p:sldId id="366" r:id="rId23"/>
-    <p:sldId id="367" r:id="rId24"/>
-    <p:sldId id="368" r:id="rId25"/>
-    <p:sldId id="377" r:id="rId26"/>
-    <p:sldId id="369" r:id="rId27"/>
-    <p:sldId id="370" r:id="rId28"/>
-    <p:sldId id="372" r:id="rId29"/>
-    <p:sldId id="374" r:id="rId30"/>
-    <p:sldId id="373" r:id="rId31"/>
+    <p:sldId id="379" r:id="rId8"/>
+    <p:sldId id="350" r:id="rId9"/>
+    <p:sldId id="349" r:id="rId10"/>
+    <p:sldId id="355" r:id="rId11"/>
+    <p:sldId id="356" r:id="rId12"/>
+    <p:sldId id="357" r:id="rId13"/>
+    <p:sldId id="359" r:id="rId14"/>
+    <p:sldId id="378" r:id="rId15"/>
+    <p:sldId id="375" r:id="rId16"/>
+    <p:sldId id="376" r:id="rId17"/>
+    <p:sldId id="360" r:id="rId18"/>
+    <p:sldId id="362" r:id="rId19"/>
+    <p:sldId id="361" r:id="rId20"/>
+    <p:sldId id="363" r:id="rId21"/>
+    <p:sldId id="364" r:id="rId22"/>
+    <p:sldId id="365" r:id="rId23"/>
+    <p:sldId id="366" r:id="rId24"/>
+    <p:sldId id="367" r:id="rId25"/>
+    <p:sldId id="368" r:id="rId26"/>
+    <p:sldId id="377" r:id="rId27"/>
+    <p:sldId id="369" r:id="rId28"/>
+    <p:sldId id="370" r:id="rId29"/>
+    <p:sldId id="372" r:id="rId30"/>
+    <p:sldId id="374" r:id="rId31"/>
+    <p:sldId id="373" r:id="rId32"/>
   </p:sldIdLst>
   <p:sldSz cx="12192000" cy="6858000"/>
   <p:notesSz cx="6797675" cy="9926638"/>
   <p:custDataLst>
-    <p:tags r:id="rId33"/>
+    <p:tags r:id="rId34"/>
   </p:custDataLst>
   <p:defaultTextStyle>
     <a:defPPr>
@@ -158,563 +159,71 @@
 <file path=ppt/changesInfos/changesInfo1.xml><?xml version="1.0" encoding="utf-8"?>
 <pc:chgInfo xmlns:a="http://schemas.openxmlformats.org/drawingml/2006/main" xmlns:r="http://schemas.openxmlformats.org/officeDocument/2006/relationships" xmlns:ac="http://schemas.microsoft.com/office/drawing/2013/main/command" xmlns:pc="http://schemas.microsoft.com/office/powerpoint/2013/main/command">
   <pc:docChgLst>
-    <pc:chgData name="Jochen Mariën" userId="a4f8d9ed-3895-4365-b2d5-9432cb8a20d4" providerId="ADAL" clId="{0AF1EEC9-EE93-4511-BF0A-03850D8D6A87}"/>
-    <pc:docChg chg="modSld">
-      <pc:chgData name="Jochen Mariën" userId="a4f8d9ed-3895-4365-b2d5-9432cb8a20d4" providerId="ADAL" clId="{0AF1EEC9-EE93-4511-BF0A-03850D8D6A87}" dt="2020-11-16T11:34:52.637" v="3" actId="20577"/>
+    <pc:chgData name="Dirk Mervis" userId="197c8981-22eb-4dca-b603-0aa0f7d3451e" providerId="ADAL" clId="{B7D45EDD-5A4F-49E4-AC96-3D6355630763}"/>
+    <pc:docChg chg="undo custSel modSld">
+      <pc:chgData name="Dirk Mervis" userId="197c8981-22eb-4dca-b603-0aa0f7d3451e" providerId="ADAL" clId="{B7D45EDD-5A4F-49E4-AC96-3D6355630763}" dt="2020-12-18T10:11:19.888" v="20" actId="20577"/>
       <pc:docMkLst>
         <pc:docMk/>
       </pc:docMkLst>
-      <pc:sldChg chg="modSp mod">
-        <pc:chgData name="Jochen Mariën" userId="a4f8d9ed-3895-4365-b2d5-9432cb8a20d4" providerId="ADAL" clId="{0AF1EEC9-EE93-4511-BF0A-03850D8D6A87}" dt="2020-11-16T11:34:52.637" v="3" actId="20577"/>
+      <pc:sldChg chg="modSp">
+        <pc:chgData name="Dirk Mervis" userId="197c8981-22eb-4dca-b603-0aa0f7d3451e" providerId="ADAL" clId="{B7D45EDD-5A4F-49E4-AC96-3D6355630763}" dt="2020-12-18T09:44:30.427" v="1" actId="1076"/>
         <pc:sldMkLst>
           <pc:docMk/>
-          <pc:sldMk cId="1020751144" sldId="322"/>
+          <pc:sldMk cId="1341913783" sldId="350"/>
         </pc:sldMkLst>
         <pc:spChg chg="mod">
-          <ac:chgData name="Jochen Mariën" userId="a4f8d9ed-3895-4365-b2d5-9432cb8a20d4" providerId="ADAL" clId="{0AF1EEC9-EE93-4511-BF0A-03850D8D6A87}" dt="2020-11-16T11:34:52.637" v="3" actId="20577"/>
+          <ac:chgData name="Dirk Mervis" userId="197c8981-22eb-4dca-b603-0aa0f7d3451e" providerId="ADAL" clId="{B7D45EDD-5A4F-49E4-AC96-3D6355630763}" dt="2020-12-18T09:44:30.427" v="1" actId="1076"/>
           <ac:spMkLst>
             <pc:docMk/>
-            <pc:sldMk cId="1020751144" sldId="322"/>
-            <ac:spMk id="3" creationId="{0A965233-77D1-4EA6-96A3-BB14281D64E4}"/>
+            <pc:sldMk cId="1341913783" sldId="350"/>
+            <ac:spMk id="8" creationId="{BF570EBB-A13C-4264-810D-CAAF9AACAF2D}"/>
           </ac:spMkLst>
         </pc:spChg>
       </pc:sldChg>
-    </pc:docChg>
-  </pc:docChgLst>
-  <pc:docChgLst>
-    <pc:chgData name="Hans" userId="fdad893c-ea0f-4e18-a760-ac9a83339ccd" providerId="ADAL" clId="{6849084E-BD08-43B9-9CEA-2D8CA9B7DE6C}"/>
-    <pc:docChg chg="modSld">
-      <pc:chgData name="Hans" userId="fdad893c-ea0f-4e18-a760-ac9a83339ccd" providerId="ADAL" clId="{6849084E-BD08-43B9-9CEA-2D8CA9B7DE6C}" dt="2020-11-17T07:59:57.780" v="6" actId="20577"/>
-      <pc:docMkLst>
-        <pc:docMk/>
-      </pc:docMkLst>
-      <pc:sldChg chg="modSp mod">
-        <pc:chgData name="Hans" userId="fdad893c-ea0f-4e18-a760-ac9a83339ccd" providerId="ADAL" clId="{6849084E-BD08-43B9-9CEA-2D8CA9B7DE6C}" dt="2020-11-16T12:35:41.715" v="2" actId="1076"/>
+      <pc:sldChg chg="modSp">
+        <pc:chgData name="Dirk Mervis" userId="197c8981-22eb-4dca-b603-0aa0f7d3451e" providerId="ADAL" clId="{B7D45EDD-5A4F-49E4-AC96-3D6355630763}" dt="2020-12-18T09:45:04.021" v="3" actId="1076"/>
         <pc:sldMkLst>
           <pc:docMk/>
-          <pc:sldMk cId="2078986262" sldId="360"/>
+          <pc:sldMk cId="3214660597" sldId="357"/>
         </pc:sldMkLst>
         <pc:spChg chg="mod">
-          <ac:chgData name="Hans" userId="fdad893c-ea0f-4e18-a760-ac9a83339ccd" providerId="ADAL" clId="{6849084E-BD08-43B9-9CEA-2D8CA9B7DE6C}" dt="2020-11-16T12:35:41.715" v="2" actId="1076"/>
+          <ac:chgData name="Dirk Mervis" userId="197c8981-22eb-4dca-b603-0aa0f7d3451e" providerId="ADAL" clId="{B7D45EDD-5A4F-49E4-AC96-3D6355630763}" dt="2020-12-18T09:45:04.021" v="3" actId="1076"/>
           <ac:spMkLst>
             <pc:docMk/>
-            <pc:sldMk cId="2078986262" sldId="360"/>
-            <ac:spMk id="3" creationId="{FCD7BF24-F199-4C47-B0A4-AE59F0EF4C05}"/>
+            <pc:sldMk cId="3214660597" sldId="357"/>
+            <ac:spMk id="5" creationId="{62BD315B-1427-487A-9FBA-F0219E634FBB}"/>
           </ac:spMkLst>
         </pc:spChg>
       </pc:sldChg>
       <pc:sldChg chg="modSp mod">
-        <pc:chgData name="Hans" userId="fdad893c-ea0f-4e18-a760-ac9a83339ccd" providerId="ADAL" clId="{6849084E-BD08-43B9-9CEA-2D8CA9B7DE6C}" dt="2020-11-17T07:59:57.780" v="6" actId="20577"/>
+        <pc:chgData name="Dirk Mervis" userId="197c8981-22eb-4dca-b603-0aa0f7d3451e" providerId="ADAL" clId="{B7D45EDD-5A4F-49E4-AC96-3D6355630763}" dt="2020-12-18T09:50:18.352" v="5" actId="6549"/>
         <pc:sldMkLst>
           <pc:docMk/>
-          <pc:sldMk cId="4087172891" sldId="364"/>
+          <pc:sldMk cId="1758195666" sldId="359"/>
         </pc:sldMkLst>
         <pc:spChg chg="mod">
-          <ac:chgData name="Hans" userId="fdad893c-ea0f-4e18-a760-ac9a83339ccd" providerId="ADAL" clId="{6849084E-BD08-43B9-9CEA-2D8CA9B7DE6C}" dt="2020-11-17T07:59:57.780" v="6" actId="20577"/>
+          <ac:chgData name="Dirk Mervis" userId="197c8981-22eb-4dca-b603-0aa0f7d3451e" providerId="ADAL" clId="{B7D45EDD-5A4F-49E4-AC96-3D6355630763}" dt="2020-12-18T09:50:18.352" v="5" actId="6549"/>
           <ac:spMkLst>
             <pc:docMk/>
-            <pc:sldMk cId="4087172891" sldId="364"/>
-            <ac:spMk id="8" creationId="{D7AE89B1-03DE-4C67-9369-1D57C1B47962}"/>
+            <pc:sldMk cId="1758195666" sldId="359"/>
+            <ac:spMk id="11" creationId="{B6178E6C-68B1-476D-A7ED-3936C31333C0}"/>
           </ac:spMkLst>
         </pc:spChg>
       </pc:sldChg>
       <pc:sldChg chg="modSp mod">
-        <pc:chgData name="Hans" userId="fdad893c-ea0f-4e18-a760-ac9a83339ccd" providerId="ADAL" clId="{6849084E-BD08-43B9-9CEA-2D8CA9B7DE6C}" dt="2020-11-16T12:22:21.103" v="1" actId="1076"/>
-        <pc:sldMkLst>
-          <pc:docMk/>
-          <pc:sldMk cId="804300739" sldId="378"/>
-        </pc:sldMkLst>
-        <pc:picChg chg="mod">
-          <ac:chgData name="Hans" userId="fdad893c-ea0f-4e18-a760-ac9a83339ccd" providerId="ADAL" clId="{6849084E-BD08-43B9-9CEA-2D8CA9B7DE6C}" dt="2020-11-16T12:22:21.103" v="1" actId="1076"/>
-          <ac:picMkLst>
-            <pc:docMk/>
-            <pc:sldMk cId="804300739" sldId="378"/>
-            <ac:picMk id="5" creationId="{4B617962-3938-4846-BCBD-C49F6F56A495}"/>
-          </ac:picMkLst>
-        </pc:picChg>
-      </pc:sldChg>
-    </pc:docChg>
-  </pc:docChgLst>
-  <pc:docChgLst>
-    <pc:chgData name="Christel Maes" userId="7e61469a-7c21-464c-bace-a1bda262211a" providerId="ADAL" clId="{C0046CF2-79BA-4147-BC50-D10D8B2F6690}"/>
-    <pc:docChg chg="modSld">
-      <pc:chgData name="Christel Maes" userId="7e61469a-7c21-464c-bace-a1bda262211a" providerId="ADAL" clId="{C0046CF2-79BA-4147-BC50-D10D8B2F6690}" dt="2020-09-10T15:24:41.738" v="0"/>
-      <pc:docMkLst>
-        <pc:docMk/>
-      </pc:docMkLst>
-      <pc:sldChg chg="delSp modAnim">
-        <pc:chgData name="Christel Maes" userId="7e61469a-7c21-464c-bace-a1bda262211a" providerId="ADAL" clId="{C0046CF2-79BA-4147-BC50-D10D8B2F6690}" dt="2020-09-10T15:24:41.738" v="0"/>
-        <pc:sldMkLst>
-          <pc:docMk/>
-          <pc:sldMk cId="54334544" sldId="256"/>
-        </pc:sldMkLst>
-        <pc:picChg chg="del">
-          <ac:chgData name="Christel Maes" userId="7e61469a-7c21-464c-bace-a1bda262211a" providerId="ADAL" clId="{C0046CF2-79BA-4147-BC50-D10D8B2F6690}" dt="2020-09-10T15:24:41.738" v="0"/>
-          <ac:picMkLst>
-            <pc:docMk/>
-            <pc:sldMk cId="54334544" sldId="256"/>
-            <ac:picMk id="4" creationId="{A73ED720-EDAE-4A70-A76D-73300BFF4F95}"/>
-          </ac:picMkLst>
-        </pc:picChg>
-      </pc:sldChg>
-      <pc:sldChg chg="delSp modAnim">
-        <pc:chgData name="Christel Maes" userId="7e61469a-7c21-464c-bace-a1bda262211a" providerId="ADAL" clId="{C0046CF2-79BA-4147-BC50-D10D8B2F6690}" dt="2020-09-10T15:24:41.738" v="0"/>
-        <pc:sldMkLst>
-          <pc:docMk/>
-          <pc:sldMk cId="2718411288" sldId="257"/>
-        </pc:sldMkLst>
-        <pc:picChg chg="del">
-          <ac:chgData name="Christel Maes" userId="7e61469a-7c21-464c-bace-a1bda262211a" providerId="ADAL" clId="{C0046CF2-79BA-4147-BC50-D10D8B2F6690}" dt="2020-09-10T15:24:41.738" v="0"/>
-          <ac:picMkLst>
-            <pc:docMk/>
-            <pc:sldMk cId="2718411288" sldId="257"/>
-            <ac:picMk id="6" creationId="{C99762C5-9DD7-42D3-B2E2-2EE5836C7013}"/>
-          </ac:picMkLst>
-        </pc:picChg>
-      </pc:sldChg>
-      <pc:sldChg chg="delSp modAnim">
-        <pc:chgData name="Christel Maes" userId="7e61469a-7c21-464c-bace-a1bda262211a" providerId="ADAL" clId="{C0046CF2-79BA-4147-BC50-D10D8B2F6690}" dt="2020-09-10T15:24:41.738" v="0"/>
-        <pc:sldMkLst>
-          <pc:docMk/>
-          <pc:sldMk cId="1020751144" sldId="322"/>
-        </pc:sldMkLst>
-        <pc:picChg chg="del">
-          <ac:chgData name="Christel Maes" userId="7e61469a-7c21-464c-bace-a1bda262211a" providerId="ADAL" clId="{C0046CF2-79BA-4147-BC50-D10D8B2F6690}" dt="2020-09-10T15:24:41.738" v="0"/>
-          <ac:picMkLst>
-            <pc:docMk/>
-            <pc:sldMk cId="1020751144" sldId="322"/>
-            <ac:picMk id="6" creationId="{72FEECE3-0C51-4CCE-A152-6B49B7CCA751}"/>
-          </ac:picMkLst>
-        </pc:picChg>
-      </pc:sldChg>
-      <pc:sldChg chg="delSp modAnim">
-        <pc:chgData name="Christel Maes" userId="7e61469a-7c21-464c-bace-a1bda262211a" providerId="ADAL" clId="{C0046CF2-79BA-4147-BC50-D10D8B2F6690}" dt="2020-09-10T15:24:41.738" v="0"/>
-        <pc:sldMkLst>
-          <pc:docMk/>
-          <pc:sldMk cId="2942096100" sldId="349"/>
-        </pc:sldMkLst>
-        <pc:picChg chg="del">
-          <ac:chgData name="Christel Maes" userId="7e61469a-7c21-464c-bace-a1bda262211a" providerId="ADAL" clId="{C0046CF2-79BA-4147-BC50-D10D8B2F6690}" dt="2020-09-10T15:24:41.738" v="0"/>
-          <ac:picMkLst>
-            <pc:docMk/>
-            <pc:sldMk cId="2942096100" sldId="349"/>
-            <ac:picMk id="6" creationId="{CF1A849D-D567-4F2B-B2E3-3CF079A163FF}"/>
-          </ac:picMkLst>
-        </pc:picChg>
-      </pc:sldChg>
-      <pc:sldChg chg="delSp modAnim">
-        <pc:chgData name="Christel Maes" userId="7e61469a-7c21-464c-bace-a1bda262211a" providerId="ADAL" clId="{C0046CF2-79BA-4147-BC50-D10D8B2F6690}" dt="2020-09-10T15:24:41.738" v="0"/>
-        <pc:sldMkLst>
-          <pc:docMk/>
-          <pc:sldMk cId="1341913783" sldId="350"/>
-        </pc:sldMkLst>
-        <pc:picChg chg="del">
-          <ac:chgData name="Christel Maes" userId="7e61469a-7c21-464c-bace-a1bda262211a" providerId="ADAL" clId="{C0046CF2-79BA-4147-BC50-D10D8B2F6690}" dt="2020-09-10T15:24:41.738" v="0"/>
-          <ac:picMkLst>
-            <pc:docMk/>
-            <pc:sldMk cId="1341913783" sldId="350"/>
-            <ac:picMk id="6" creationId="{A00C8F09-03F0-4077-8305-19D7E95B096D}"/>
-          </ac:picMkLst>
-        </pc:picChg>
-      </pc:sldChg>
-      <pc:sldChg chg="delSp modAnim">
-        <pc:chgData name="Christel Maes" userId="7e61469a-7c21-464c-bace-a1bda262211a" providerId="ADAL" clId="{C0046CF2-79BA-4147-BC50-D10D8B2F6690}" dt="2020-09-10T15:24:41.738" v="0"/>
-        <pc:sldMkLst>
-          <pc:docMk/>
-          <pc:sldMk cId="572675441" sldId="351"/>
-        </pc:sldMkLst>
-        <pc:picChg chg="del">
-          <ac:chgData name="Christel Maes" userId="7e61469a-7c21-464c-bace-a1bda262211a" providerId="ADAL" clId="{C0046CF2-79BA-4147-BC50-D10D8B2F6690}" dt="2020-09-10T15:24:41.738" v="0"/>
-          <ac:picMkLst>
-            <pc:docMk/>
-            <pc:sldMk cId="572675441" sldId="351"/>
-            <ac:picMk id="15" creationId="{541B7790-F934-429E-8D2F-E1AED4961FC8}"/>
-          </ac:picMkLst>
-        </pc:picChg>
-      </pc:sldChg>
-      <pc:sldChg chg="delSp modAnim">
-        <pc:chgData name="Christel Maes" userId="7e61469a-7c21-464c-bace-a1bda262211a" providerId="ADAL" clId="{C0046CF2-79BA-4147-BC50-D10D8B2F6690}" dt="2020-09-10T15:24:41.738" v="0"/>
-        <pc:sldMkLst>
-          <pc:docMk/>
-          <pc:sldMk cId="1460965616" sldId="352"/>
-        </pc:sldMkLst>
-        <pc:picChg chg="del">
-          <ac:chgData name="Christel Maes" userId="7e61469a-7c21-464c-bace-a1bda262211a" providerId="ADAL" clId="{C0046CF2-79BA-4147-BC50-D10D8B2F6690}" dt="2020-09-10T15:24:41.738" v="0"/>
-          <ac:picMkLst>
-            <pc:docMk/>
-            <pc:sldMk cId="1460965616" sldId="352"/>
-            <ac:picMk id="16" creationId="{FE10D4C9-1753-49CB-B61C-52D45A59E91B}"/>
-          </ac:picMkLst>
-        </pc:picChg>
-      </pc:sldChg>
-      <pc:sldChg chg="delSp modAnim">
-        <pc:chgData name="Christel Maes" userId="7e61469a-7c21-464c-bace-a1bda262211a" providerId="ADAL" clId="{C0046CF2-79BA-4147-BC50-D10D8B2F6690}" dt="2020-09-10T15:24:41.738" v="0"/>
-        <pc:sldMkLst>
-          <pc:docMk/>
-          <pc:sldMk cId="3741566498" sldId="353"/>
-        </pc:sldMkLst>
-        <pc:picChg chg="del">
-          <ac:chgData name="Christel Maes" userId="7e61469a-7c21-464c-bace-a1bda262211a" providerId="ADAL" clId="{C0046CF2-79BA-4147-BC50-D10D8B2F6690}" dt="2020-09-10T15:24:41.738" v="0"/>
-          <ac:picMkLst>
-            <pc:docMk/>
-            <pc:sldMk cId="3741566498" sldId="353"/>
-            <ac:picMk id="5" creationId="{FDD7C110-BD9C-4661-8ED2-C98706F38786}"/>
-          </ac:picMkLst>
-        </pc:picChg>
-      </pc:sldChg>
-      <pc:sldChg chg="delSp modAnim">
-        <pc:chgData name="Christel Maes" userId="7e61469a-7c21-464c-bace-a1bda262211a" providerId="ADAL" clId="{C0046CF2-79BA-4147-BC50-D10D8B2F6690}" dt="2020-09-10T15:24:41.738" v="0"/>
-        <pc:sldMkLst>
-          <pc:docMk/>
-          <pc:sldMk cId="654147409" sldId="355"/>
-        </pc:sldMkLst>
-        <pc:picChg chg="del">
-          <ac:chgData name="Christel Maes" userId="7e61469a-7c21-464c-bace-a1bda262211a" providerId="ADAL" clId="{C0046CF2-79BA-4147-BC50-D10D8B2F6690}" dt="2020-09-10T15:24:41.738" v="0"/>
-          <ac:picMkLst>
-            <pc:docMk/>
-            <pc:sldMk cId="654147409" sldId="355"/>
-            <ac:picMk id="7" creationId="{D839A89E-39E4-44FC-A64C-3551382A466D}"/>
-          </ac:picMkLst>
-        </pc:picChg>
-      </pc:sldChg>
-      <pc:sldChg chg="delSp modAnim">
-        <pc:chgData name="Christel Maes" userId="7e61469a-7c21-464c-bace-a1bda262211a" providerId="ADAL" clId="{C0046CF2-79BA-4147-BC50-D10D8B2F6690}" dt="2020-09-10T15:24:41.738" v="0"/>
-        <pc:sldMkLst>
-          <pc:docMk/>
-          <pc:sldMk cId="2119489521" sldId="356"/>
-        </pc:sldMkLst>
-        <pc:picChg chg="del">
-          <ac:chgData name="Christel Maes" userId="7e61469a-7c21-464c-bace-a1bda262211a" providerId="ADAL" clId="{C0046CF2-79BA-4147-BC50-D10D8B2F6690}" dt="2020-09-10T15:24:41.738" v="0"/>
-          <ac:picMkLst>
-            <pc:docMk/>
-            <pc:sldMk cId="2119489521" sldId="356"/>
-            <ac:picMk id="7" creationId="{EEA177B1-4915-4993-9764-FBE4E0B29BBA}"/>
-          </ac:picMkLst>
-        </pc:picChg>
-      </pc:sldChg>
-      <pc:sldChg chg="delSp modAnim">
-        <pc:chgData name="Christel Maes" userId="7e61469a-7c21-464c-bace-a1bda262211a" providerId="ADAL" clId="{C0046CF2-79BA-4147-BC50-D10D8B2F6690}" dt="2020-09-10T15:24:41.738" v="0"/>
-        <pc:sldMkLst>
-          <pc:docMk/>
-          <pc:sldMk cId="3214660597" sldId="357"/>
-        </pc:sldMkLst>
-        <pc:picChg chg="del">
-          <ac:chgData name="Christel Maes" userId="7e61469a-7c21-464c-bace-a1bda262211a" providerId="ADAL" clId="{C0046CF2-79BA-4147-BC50-D10D8B2F6690}" dt="2020-09-10T15:24:41.738" v="0"/>
-          <ac:picMkLst>
-            <pc:docMk/>
-            <pc:sldMk cId="3214660597" sldId="357"/>
-            <ac:picMk id="11" creationId="{11041255-7662-4619-991F-C661CB6F8E20}"/>
-          </ac:picMkLst>
-        </pc:picChg>
-      </pc:sldChg>
-      <pc:sldChg chg="delSp modAnim">
-        <pc:chgData name="Christel Maes" userId="7e61469a-7c21-464c-bace-a1bda262211a" providerId="ADAL" clId="{C0046CF2-79BA-4147-BC50-D10D8B2F6690}" dt="2020-09-10T15:24:41.738" v="0"/>
-        <pc:sldMkLst>
-          <pc:docMk/>
-          <pc:sldMk cId="1758195666" sldId="359"/>
-        </pc:sldMkLst>
-        <pc:picChg chg="del">
-          <ac:chgData name="Christel Maes" userId="7e61469a-7c21-464c-bace-a1bda262211a" providerId="ADAL" clId="{C0046CF2-79BA-4147-BC50-D10D8B2F6690}" dt="2020-09-10T15:24:41.738" v="0"/>
-          <ac:picMkLst>
-            <pc:docMk/>
-            <pc:sldMk cId="1758195666" sldId="359"/>
-            <ac:picMk id="14" creationId="{0CC17CD7-1F06-4406-ADDE-FFAFC6CB4545}"/>
-          </ac:picMkLst>
-        </pc:picChg>
-      </pc:sldChg>
-      <pc:sldChg chg="delSp modAnim">
-        <pc:chgData name="Christel Maes" userId="7e61469a-7c21-464c-bace-a1bda262211a" providerId="ADAL" clId="{C0046CF2-79BA-4147-BC50-D10D8B2F6690}" dt="2020-09-10T15:24:41.738" v="0"/>
-        <pc:sldMkLst>
-          <pc:docMk/>
-          <pc:sldMk cId="2078986262" sldId="360"/>
-        </pc:sldMkLst>
-        <pc:picChg chg="del">
-          <ac:chgData name="Christel Maes" userId="7e61469a-7c21-464c-bace-a1bda262211a" providerId="ADAL" clId="{C0046CF2-79BA-4147-BC50-D10D8B2F6690}" dt="2020-09-10T15:24:41.738" v="0"/>
-          <ac:picMkLst>
-            <pc:docMk/>
-            <pc:sldMk cId="2078986262" sldId="360"/>
-            <ac:picMk id="5" creationId="{BABE6058-0B8B-4711-836D-61384144BCEF}"/>
-          </ac:picMkLst>
-        </pc:picChg>
-      </pc:sldChg>
-      <pc:sldChg chg="delSp modAnim">
-        <pc:chgData name="Christel Maes" userId="7e61469a-7c21-464c-bace-a1bda262211a" providerId="ADAL" clId="{C0046CF2-79BA-4147-BC50-D10D8B2F6690}" dt="2020-09-10T15:24:41.738" v="0"/>
-        <pc:sldMkLst>
-          <pc:docMk/>
-          <pc:sldMk cId="2869836509" sldId="361"/>
-        </pc:sldMkLst>
-        <pc:picChg chg="del">
-          <ac:chgData name="Christel Maes" userId="7e61469a-7c21-464c-bace-a1bda262211a" providerId="ADAL" clId="{C0046CF2-79BA-4147-BC50-D10D8B2F6690}" dt="2020-09-10T15:24:41.738" v="0"/>
-          <ac:picMkLst>
-            <pc:docMk/>
-            <pc:sldMk cId="2869836509" sldId="361"/>
-            <ac:picMk id="5" creationId="{3EFBB453-DE0D-400C-9841-354B4A2787FB}"/>
-          </ac:picMkLst>
-        </pc:picChg>
-      </pc:sldChg>
-      <pc:sldChg chg="delSp modAnim">
-        <pc:chgData name="Christel Maes" userId="7e61469a-7c21-464c-bace-a1bda262211a" providerId="ADAL" clId="{C0046CF2-79BA-4147-BC50-D10D8B2F6690}" dt="2020-09-10T15:24:41.738" v="0"/>
-        <pc:sldMkLst>
-          <pc:docMk/>
-          <pc:sldMk cId="3577162747" sldId="362"/>
-        </pc:sldMkLst>
-        <pc:picChg chg="del">
-          <ac:chgData name="Christel Maes" userId="7e61469a-7c21-464c-bace-a1bda262211a" providerId="ADAL" clId="{C0046CF2-79BA-4147-BC50-D10D8B2F6690}" dt="2020-09-10T15:24:41.738" v="0"/>
-          <ac:picMkLst>
-            <pc:docMk/>
-            <pc:sldMk cId="3577162747" sldId="362"/>
-            <ac:picMk id="5" creationId="{3861AF60-5BD8-4754-BB62-44CAEFD3BBC5}"/>
-          </ac:picMkLst>
-        </pc:picChg>
-      </pc:sldChg>
-      <pc:sldChg chg="delSp modAnim">
-        <pc:chgData name="Christel Maes" userId="7e61469a-7c21-464c-bace-a1bda262211a" providerId="ADAL" clId="{C0046CF2-79BA-4147-BC50-D10D8B2F6690}" dt="2020-09-10T15:24:41.738" v="0"/>
-        <pc:sldMkLst>
-          <pc:docMk/>
-          <pc:sldMk cId="3147974396" sldId="363"/>
-        </pc:sldMkLst>
-        <pc:picChg chg="del">
-          <ac:chgData name="Christel Maes" userId="7e61469a-7c21-464c-bace-a1bda262211a" providerId="ADAL" clId="{C0046CF2-79BA-4147-BC50-D10D8B2F6690}" dt="2020-09-10T15:24:41.738" v="0"/>
-          <ac:picMkLst>
-            <pc:docMk/>
-            <pc:sldMk cId="3147974396" sldId="363"/>
-            <ac:picMk id="6" creationId="{8EEC1240-AF1F-489A-BDCC-DEA4CA368FF6}"/>
-          </ac:picMkLst>
-        </pc:picChg>
-      </pc:sldChg>
-      <pc:sldChg chg="delSp modAnim">
-        <pc:chgData name="Christel Maes" userId="7e61469a-7c21-464c-bace-a1bda262211a" providerId="ADAL" clId="{C0046CF2-79BA-4147-BC50-D10D8B2F6690}" dt="2020-09-10T15:24:41.738" v="0"/>
-        <pc:sldMkLst>
-          <pc:docMk/>
-          <pc:sldMk cId="4087172891" sldId="364"/>
-        </pc:sldMkLst>
-        <pc:picChg chg="del">
-          <ac:chgData name="Christel Maes" userId="7e61469a-7c21-464c-bace-a1bda262211a" providerId="ADAL" clId="{C0046CF2-79BA-4147-BC50-D10D8B2F6690}" dt="2020-09-10T15:24:41.738" v="0"/>
-          <ac:picMkLst>
-            <pc:docMk/>
-            <pc:sldMk cId="4087172891" sldId="364"/>
-            <ac:picMk id="3" creationId="{747C1EFB-5A5A-4EE5-8DA7-05CBECFA2DB4}"/>
-          </ac:picMkLst>
-        </pc:picChg>
-      </pc:sldChg>
-      <pc:sldChg chg="delSp modAnim">
-        <pc:chgData name="Christel Maes" userId="7e61469a-7c21-464c-bace-a1bda262211a" providerId="ADAL" clId="{C0046CF2-79BA-4147-BC50-D10D8B2F6690}" dt="2020-09-10T15:24:41.738" v="0"/>
-        <pc:sldMkLst>
-          <pc:docMk/>
-          <pc:sldMk cId="1858038199" sldId="365"/>
-        </pc:sldMkLst>
-        <pc:picChg chg="del">
-          <ac:chgData name="Christel Maes" userId="7e61469a-7c21-464c-bace-a1bda262211a" providerId="ADAL" clId="{C0046CF2-79BA-4147-BC50-D10D8B2F6690}" dt="2020-09-10T15:24:41.738" v="0"/>
-          <ac:picMkLst>
-            <pc:docMk/>
-            <pc:sldMk cId="1858038199" sldId="365"/>
-            <ac:picMk id="8" creationId="{549E2F49-1623-4122-B62C-7C19AC9D6F18}"/>
-          </ac:picMkLst>
-        </pc:picChg>
-      </pc:sldChg>
-      <pc:sldChg chg="delSp modAnim">
-        <pc:chgData name="Christel Maes" userId="7e61469a-7c21-464c-bace-a1bda262211a" providerId="ADAL" clId="{C0046CF2-79BA-4147-BC50-D10D8B2F6690}" dt="2020-09-10T15:24:41.738" v="0"/>
-        <pc:sldMkLst>
-          <pc:docMk/>
-          <pc:sldMk cId="856782047" sldId="366"/>
-        </pc:sldMkLst>
-        <pc:picChg chg="del">
-          <ac:chgData name="Christel Maes" userId="7e61469a-7c21-464c-bace-a1bda262211a" providerId="ADAL" clId="{C0046CF2-79BA-4147-BC50-D10D8B2F6690}" dt="2020-09-10T15:24:41.738" v="0"/>
-          <ac:picMkLst>
-            <pc:docMk/>
-            <pc:sldMk cId="856782047" sldId="366"/>
-            <ac:picMk id="12" creationId="{3EB2E8F6-1392-49D1-8169-AB7D2713A4F1}"/>
-          </ac:picMkLst>
-        </pc:picChg>
-      </pc:sldChg>
-      <pc:sldChg chg="delSp modAnim">
-        <pc:chgData name="Christel Maes" userId="7e61469a-7c21-464c-bace-a1bda262211a" providerId="ADAL" clId="{C0046CF2-79BA-4147-BC50-D10D8B2F6690}" dt="2020-09-10T15:24:41.738" v="0"/>
-        <pc:sldMkLst>
-          <pc:docMk/>
-          <pc:sldMk cId="3797966021" sldId="367"/>
-        </pc:sldMkLst>
-        <pc:picChg chg="del">
-          <ac:chgData name="Christel Maes" userId="7e61469a-7c21-464c-bace-a1bda262211a" providerId="ADAL" clId="{C0046CF2-79BA-4147-BC50-D10D8B2F6690}" dt="2020-09-10T15:24:41.738" v="0"/>
-          <ac:picMkLst>
-            <pc:docMk/>
-            <pc:sldMk cId="3797966021" sldId="367"/>
-            <ac:picMk id="7" creationId="{6B70B709-0302-4064-96AC-D36FE9E634E5}"/>
-          </ac:picMkLst>
-        </pc:picChg>
-      </pc:sldChg>
-      <pc:sldChg chg="delSp modAnim">
-        <pc:chgData name="Christel Maes" userId="7e61469a-7c21-464c-bace-a1bda262211a" providerId="ADAL" clId="{C0046CF2-79BA-4147-BC50-D10D8B2F6690}" dt="2020-09-10T15:24:41.738" v="0"/>
-        <pc:sldMkLst>
-          <pc:docMk/>
-          <pc:sldMk cId="659764143" sldId="368"/>
-        </pc:sldMkLst>
-        <pc:picChg chg="del">
-          <ac:chgData name="Christel Maes" userId="7e61469a-7c21-464c-bace-a1bda262211a" providerId="ADAL" clId="{C0046CF2-79BA-4147-BC50-D10D8B2F6690}" dt="2020-09-10T15:24:41.738" v="0"/>
-          <ac:picMkLst>
-            <pc:docMk/>
-            <pc:sldMk cId="659764143" sldId="368"/>
-            <ac:picMk id="5" creationId="{A501D6FF-4CF0-4E3B-9B94-29736EF42A1C}"/>
-          </ac:picMkLst>
-        </pc:picChg>
-      </pc:sldChg>
-      <pc:sldChg chg="delSp modAnim">
-        <pc:chgData name="Christel Maes" userId="7e61469a-7c21-464c-bace-a1bda262211a" providerId="ADAL" clId="{C0046CF2-79BA-4147-BC50-D10D8B2F6690}" dt="2020-09-10T15:24:41.738" v="0"/>
-        <pc:sldMkLst>
-          <pc:docMk/>
-          <pc:sldMk cId="436424704" sldId="369"/>
-        </pc:sldMkLst>
-        <pc:picChg chg="del">
-          <ac:chgData name="Christel Maes" userId="7e61469a-7c21-464c-bace-a1bda262211a" providerId="ADAL" clId="{C0046CF2-79BA-4147-BC50-D10D8B2F6690}" dt="2020-09-10T15:24:41.738" v="0"/>
-          <ac:picMkLst>
-            <pc:docMk/>
-            <pc:sldMk cId="436424704" sldId="369"/>
-            <ac:picMk id="9" creationId="{2C16F3FF-F70F-4F26-AE13-06BEE0389DD8}"/>
-          </ac:picMkLst>
-        </pc:picChg>
-      </pc:sldChg>
-      <pc:sldChg chg="delSp modAnim">
-        <pc:chgData name="Christel Maes" userId="7e61469a-7c21-464c-bace-a1bda262211a" providerId="ADAL" clId="{C0046CF2-79BA-4147-BC50-D10D8B2F6690}" dt="2020-09-10T15:24:41.738" v="0"/>
-        <pc:sldMkLst>
-          <pc:docMk/>
-          <pc:sldMk cId="552227640" sldId="370"/>
-        </pc:sldMkLst>
-        <pc:picChg chg="del">
-          <ac:chgData name="Christel Maes" userId="7e61469a-7c21-464c-bace-a1bda262211a" providerId="ADAL" clId="{C0046CF2-79BA-4147-BC50-D10D8B2F6690}" dt="2020-09-10T15:24:41.738" v="0"/>
-          <ac:picMkLst>
-            <pc:docMk/>
-            <pc:sldMk cId="552227640" sldId="370"/>
-            <ac:picMk id="9" creationId="{9DF9D00D-DF82-417B-9802-2ED2BD8CC7B1}"/>
-          </ac:picMkLst>
-        </pc:picChg>
-      </pc:sldChg>
-      <pc:sldChg chg="delSp modAnim">
-        <pc:chgData name="Christel Maes" userId="7e61469a-7c21-464c-bace-a1bda262211a" providerId="ADAL" clId="{C0046CF2-79BA-4147-BC50-D10D8B2F6690}" dt="2020-09-10T15:24:41.738" v="0"/>
-        <pc:sldMkLst>
-          <pc:docMk/>
-          <pc:sldMk cId="2809965672" sldId="372"/>
-        </pc:sldMkLst>
-        <pc:picChg chg="del">
-          <ac:chgData name="Christel Maes" userId="7e61469a-7c21-464c-bace-a1bda262211a" providerId="ADAL" clId="{C0046CF2-79BA-4147-BC50-D10D8B2F6690}" dt="2020-09-10T15:24:41.738" v="0"/>
-          <ac:picMkLst>
-            <pc:docMk/>
-            <pc:sldMk cId="2809965672" sldId="372"/>
-            <ac:picMk id="5" creationId="{CC0C8E89-6C7E-49E6-A3AF-8421AC97C108}"/>
-          </ac:picMkLst>
-        </pc:picChg>
-      </pc:sldChg>
-      <pc:sldChg chg="delSp modAnim">
-        <pc:chgData name="Christel Maes" userId="7e61469a-7c21-464c-bace-a1bda262211a" providerId="ADAL" clId="{C0046CF2-79BA-4147-BC50-D10D8B2F6690}" dt="2020-09-10T15:24:41.738" v="0"/>
-        <pc:sldMkLst>
-          <pc:docMk/>
-          <pc:sldMk cId="815731102" sldId="373"/>
-        </pc:sldMkLst>
-        <pc:picChg chg="del">
-          <ac:chgData name="Christel Maes" userId="7e61469a-7c21-464c-bace-a1bda262211a" providerId="ADAL" clId="{C0046CF2-79BA-4147-BC50-D10D8B2F6690}" dt="2020-09-10T15:24:41.738" v="0"/>
-          <ac:picMkLst>
-            <pc:docMk/>
-            <pc:sldMk cId="815731102" sldId="373"/>
-            <ac:picMk id="9" creationId="{2032C8C8-02A7-4A55-9F3F-4BA269473871}"/>
-          </ac:picMkLst>
-        </pc:picChg>
-      </pc:sldChg>
-      <pc:sldChg chg="delSp modAnim">
-        <pc:chgData name="Christel Maes" userId="7e61469a-7c21-464c-bace-a1bda262211a" providerId="ADAL" clId="{C0046CF2-79BA-4147-BC50-D10D8B2F6690}" dt="2020-09-10T15:24:41.738" v="0"/>
-        <pc:sldMkLst>
-          <pc:docMk/>
-          <pc:sldMk cId="2024552683" sldId="374"/>
-        </pc:sldMkLst>
-        <pc:picChg chg="del">
-          <ac:chgData name="Christel Maes" userId="7e61469a-7c21-464c-bace-a1bda262211a" providerId="ADAL" clId="{C0046CF2-79BA-4147-BC50-D10D8B2F6690}" dt="2020-09-10T15:24:41.738" v="0"/>
-          <ac:picMkLst>
-            <pc:docMk/>
-            <pc:sldMk cId="2024552683" sldId="374"/>
-            <ac:picMk id="9" creationId="{021A1A1E-60FE-4091-98EA-0986AC28B02D}"/>
-          </ac:picMkLst>
-        </pc:picChg>
-      </pc:sldChg>
-      <pc:sldChg chg="delSp modAnim">
-        <pc:chgData name="Christel Maes" userId="7e61469a-7c21-464c-bace-a1bda262211a" providerId="ADAL" clId="{C0046CF2-79BA-4147-BC50-D10D8B2F6690}" dt="2020-09-10T15:24:41.738" v="0"/>
-        <pc:sldMkLst>
-          <pc:docMk/>
-          <pc:sldMk cId="1354684527" sldId="375"/>
-        </pc:sldMkLst>
-        <pc:picChg chg="del">
-          <ac:chgData name="Christel Maes" userId="7e61469a-7c21-464c-bace-a1bda262211a" providerId="ADAL" clId="{C0046CF2-79BA-4147-BC50-D10D8B2F6690}" dt="2020-09-10T15:24:41.738" v="0"/>
-          <ac:picMkLst>
-            <pc:docMk/>
-            <pc:sldMk cId="1354684527" sldId="375"/>
-            <ac:picMk id="7" creationId="{36E532EB-3415-478E-8E2D-66862A82A648}"/>
-          </ac:picMkLst>
-        </pc:picChg>
-      </pc:sldChg>
-      <pc:sldChg chg="delSp modAnim">
-        <pc:chgData name="Christel Maes" userId="7e61469a-7c21-464c-bace-a1bda262211a" providerId="ADAL" clId="{C0046CF2-79BA-4147-BC50-D10D8B2F6690}" dt="2020-09-10T15:24:41.738" v="0"/>
+        <pc:chgData name="Dirk Mervis" userId="197c8981-22eb-4dca-b603-0aa0f7d3451e" providerId="ADAL" clId="{B7D45EDD-5A4F-49E4-AC96-3D6355630763}" dt="2020-12-18T10:11:19.888" v="20" actId="20577"/>
         <pc:sldMkLst>
           <pc:docMk/>
           <pc:sldMk cId="340781194" sldId="376"/>
         </pc:sldMkLst>
-        <pc:picChg chg="del">
-          <ac:chgData name="Christel Maes" userId="7e61469a-7c21-464c-bace-a1bda262211a" providerId="ADAL" clId="{C0046CF2-79BA-4147-BC50-D10D8B2F6690}" dt="2020-09-10T15:24:41.738" v="0"/>
-          <ac:picMkLst>
+        <pc:spChg chg="mod">
+          <ac:chgData name="Dirk Mervis" userId="197c8981-22eb-4dca-b603-0aa0f7d3451e" providerId="ADAL" clId="{B7D45EDD-5A4F-49E4-AC96-3D6355630763}" dt="2020-12-18T10:11:19.888" v="20" actId="20577"/>
+          <ac:spMkLst>
             <pc:docMk/>
             <pc:sldMk cId="340781194" sldId="376"/>
-            <ac:picMk id="5" creationId="{6AA395EF-A7D4-482F-BB0D-4D4C5A180FEA}"/>
-          </ac:picMkLst>
-        </pc:picChg>
-      </pc:sldChg>
-      <pc:sldChg chg="delSp modAnim">
-        <pc:chgData name="Christel Maes" userId="7e61469a-7c21-464c-bace-a1bda262211a" providerId="ADAL" clId="{C0046CF2-79BA-4147-BC50-D10D8B2F6690}" dt="2020-09-10T15:24:41.738" v="0"/>
-        <pc:sldMkLst>
-          <pc:docMk/>
-          <pc:sldMk cId="2150926861" sldId="377"/>
-        </pc:sldMkLst>
-        <pc:picChg chg="del">
-          <ac:chgData name="Christel Maes" userId="7e61469a-7c21-464c-bace-a1bda262211a" providerId="ADAL" clId="{C0046CF2-79BA-4147-BC50-D10D8B2F6690}" dt="2020-09-10T15:24:41.738" v="0"/>
-          <ac:picMkLst>
-            <pc:docMk/>
-            <pc:sldMk cId="2150926861" sldId="377"/>
-            <ac:picMk id="7" creationId="{7AC5FCD8-9BF0-4399-93CC-A6C97BADDF29}"/>
-          </ac:picMkLst>
-        </pc:picChg>
-      </pc:sldChg>
-      <pc:sldChg chg="delSp modAnim">
-        <pc:chgData name="Christel Maes" userId="7e61469a-7c21-464c-bace-a1bda262211a" providerId="ADAL" clId="{C0046CF2-79BA-4147-BC50-D10D8B2F6690}" dt="2020-09-10T15:24:41.738" v="0"/>
-        <pc:sldMkLst>
-          <pc:docMk/>
-          <pc:sldMk cId="804300739" sldId="378"/>
-        </pc:sldMkLst>
-        <pc:picChg chg="del">
-          <ac:chgData name="Christel Maes" userId="7e61469a-7c21-464c-bace-a1bda262211a" providerId="ADAL" clId="{C0046CF2-79BA-4147-BC50-D10D8B2F6690}" dt="2020-09-10T15:24:41.738" v="0"/>
-          <ac:picMkLst>
-            <pc:docMk/>
-            <pc:sldMk cId="804300739" sldId="378"/>
-            <ac:picMk id="8" creationId="{A0355866-F2A2-4604-B70B-C19287026EC0}"/>
-          </ac:picMkLst>
-        </pc:picChg>
-      </pc:sldChg>
-    </pc:docChg>
-  </pc:docChgLst>
-  <pc:docChgLst>
-    <pc:chgData name="Jochen Mariën" userId="a4f8d9ed-3895-4365-b2d5-9432cb8a20d4" providerId="ADAL" clId="{FE02E69C-50D7-4546-9F8C-C8D60E669645}"/>
-    <pc:docChg chg="modSld">
-      <pc:chgData name="Jochen Mariën" userId="a4f8d9ed-3895-4365-b2d5-9432cb8a20d4" providerId="ADAL" clId="{FE02E69C-50D7-4546-9F8C-C8D60E669645}" dt="2022-06-08T14:03:51.660" v="0"/>
-      <pc:docMkLst>
-        <pc:docMk/>
-      </pc:docMkLst>
-      <pc:sldChg chg="addSp modSp">
-        <pc:chgData name="Jochen Mariën" userId="a4f8d9ed-3895-4365-b2d5-9432cb8a20d4" providerId="ADAL" clId="{FE02E69C-50D7-4546-9F8C-C8D60E669645}" dt="2022-06-08T14:03:51.660" v="0"/>
-        <pc:sldMkLst>
-          <pc:docMk/>
-          <pc:sldMk cId="54334544" sldId="256"/>
-        </pc:sldMkLst>
-        <pc:picChg chg="add mod">
-          <ac:chgData name="Jochen Mariën" userId="a4f8d9ed-3895-4365-b2d5-9432cb8a20d4" providerId="ADAL" clId="{FE02E69C-50D7-4546-9F8C-C8D60E669645}" dt="2022-06-08T14:03:51.660" v="0"/>
-          <ac:picMkLst>
-            <pc:docMk/>
-            <pc:sldMk cId="54334544" sldId="256"/>
-            <ac:picMk id="4" creationId="{D885D343-BBB2-E94F-6256-B601AA0FF998}"/>
-          </ac:picMkLst>
-        </pc:picChg>
+            <ac:spMk id="3" creationId="{839BF41D-2073-4B47-B4C0-F16E68CB62D3}"/>
+          </ac:spMkLst>
+        </pc:spChg>
       </pc:sldChg>
     </pc:docChg>
   </pc:docChgLst>
@@ -1671,12 +1180,357 @@
     </pc:docChg>
   </pc:docChgLst>
   <pc:docChgLst>
-    <pc:chgData name="Hans Bartholomeus" userId="fdad893c-ea0f-4e18-a760-ac9a83339ccd" providerId="ADAL" clId="{70E48BE2-152C-41CD-A700-8B263F592463}"/>
-    <pc:docChg chg="modShowInfo">
-      <pc:chgData name="Hans Bartholomeus" userId="fdad893c-ea0f-4e18-a760-ac9a83339ccd" providerId="ADAL" clId="{70E48BE2-152C-41CD-A700-8B263F592463}" dt="2021-11-15T11:54:01.941" v="1" actId="2744"/>
+    <pc:chgData name="Tinne Van Echelpoel" userId="46798032-b7e2-4f2e-95a1-1606ec8c5d9a" providerId="ADAL" clId="{85638B25-DFBB-4D8B-B581-8046C837F546}"/>
+    <pc:docChg chg="custSel modSld">
+      <pc:chgData name="Tinne Van Echelpoel" userId="46798032-b7e2-4f2e-95a1-1606ec8c5d9a" providerId="ADAL" clId="{85638B25-DFBB-4D8B-B581-8046C837F546}" dt="2020-06-29T09:07:41.848" v="46" actId="313"/>
       <pc:docMkLst>
         <pc:docMk/>
       </pc:docMkLst>
+      <pc:sldChg chg="modSp mod">
+        <pc:chgData name="Tinne Van Echelpoel" userId="46798032-b7e2-4f2e-95a1-1606ec8c5d9a" providerId="ADAL" clId="{85638B25-DFBB-4D8B-B581-8046C837F546}" dt="2020-06-29T08:44:08.272" v="13" actId="20577"/>
+        <pc:sldMkLst>
+          <pc:docMk/>
+          <pc:sldMk cId="2718411288" sldId="257"/>
+        </pc:sldMkLst>
+        <pc:spChg chg="mod">
+          <ac:chgData name="Tinne Van Echelpoel" userId="46798032-b7e2-4f2e-95a1-1606ec8c5d9a" providerId="ADAL" clId="{85638B25-DFBB-4D8B-B581-8046C837F546}" dt="2020-06-29T08:44:08.272" v="13" actId="20577"/>
+          <ac:spMkLst>
+            <pc:docMk/>
+            <pc:sldMk cId="2718411288" sldId="257"/>
+            <ac:spMk id="3" creationId="{00000000-0000-0000-0000-000000000000}"/>
+          </ac:spMkLst>
+        </pc:spChg>
+      </pc:sldChg>
+      <pc:sldChg chg="modSp mod">
+        <pc:chgData name="Tinne Van Echelpoel" userId="46798032-b7e2-4f2e-95a1-1606ec8c5d9a" providerId="ADAL" clId="{85638B25-DFBB-4D8B-B581-8046C837F546}" dt="2020-06-29T08:45:46.982" v="14" actId="790"/>
+        <pc:sldMkLst>
+          <pc:docMk/>
+          <pc:sldMk cId="1020751144" sldId="322"/>
+        </pc:sldMkLst>
+        <pc:spChg chg="mod">
+          <ac:chgData name="Tinne Van Echelpoel" userId="46798032-b7e2-4f2e-95a1-1606ec8c5d9a" providerId="ADAL" clId="{85638B25-DFBB-4D8B-B581-8046C837F546}" dt="2020-06-29T08:45:46.982" v="14" actId="790"/>
+          <ac:spMkLst>
+            <pc:docMk/>
+            <pc:sldMk cId="1020751144" sldId="322"/>
+            <ac:spMk id="3" creationId="{0A965233-77D1-4EA6-96A3-BB14281D64E4}"/>
+          </ac:spMkLst>
+        </pc:spChg>
+      </pc:sldChg>
+      <pc:sldChg chg="modSp mod">
+        <pc:chgData name="Tinne Van Echelpoel" userId="46798032-b7e2-4f2e-95a1-1606ec8c5d9a" providerId="ADAL" clId="{85638B25-DFBB-4D8B-B581-8046C837F546}" dt="2020-06-29T08:50:29.904" v="20" actId="2"/>
+        <pc:sldMkLst>
+          <pc:docMk/>
+          <pc:sldMk cId="2942096100" sldId="349"/>
+        </pc:sldMkLst>
+        <pc:spChg chg="mod">
+          <ac:chgData name="Tinne Van Echelpoel" userId="46798032-b7e2-4f2e-95a1-1606ec8c5d9a" providerId="ADAL" clId="{85638B25-DFBB-4D8B-B581-8046C837F546}" dt="2020-06-29T08:50:25.387" v="19" actId="790"/>
+          <ac:spMkLst>
+            <pc:docMk/>
+            <pc:sldMk cId="2942096100" sldId="349"/>
+            <ac:spMk id="3" creationId="{F22FE559-43D9-43EB-AED3-695767A9A4F0}"/>
+          </ac:spMkLst>
+        </pc:spChg>
+        <pc:spChg chg="mod">
+          <ac:chgData name="Tinne Van Echelpoel" userId="46798032-b7e2-4f2e-95a1-1606ec8c5d9a" providerId="ADAL" clId="{85638B25-DFBB-4D8B-B581-8046C837F546}" dt="2020-06-29T08:50:29.904" v="20" actId="2"/>
+          <ac:spMkLst>
+            <pc:docMk/>
+            <pc:sldMk cId="2942096100" sldId="349"/>
+            <ac:spMk id="5" creationId="{2AFBCDEC-9FAD-47D5-8AF1-81FE6CAAF281}"/>
+          </ac:spMkLst>
+        </pc:spChg>
+      </pc:sldChg>
+      <pc:sldChg chg="modSp mod">
+        <pc:chgData name="Tinne Van Echelpoel" userId="46798032-b7e2-4f2e-95a1-1606ec8c5d9a" providerId="ADAL" clId="{85638B25-DFBB-4D8B-B581-8046C837F546}" dt="2020-06-29T08:47:33.890" v="18" actId="2"/>
+        <pc:sldMkLst>
+          <pc:docMk/>
+          <pc:sldMk cId="1341913783" sldId="350"/>
+        </pc:sldMkLst>
+        <pc:spChg chg="mod">
+          <ac:chgData name="Tinne Van Echelpoel" userId="46798032-b7e2-4f2e-95a1-1606ec8c5d9a" providerId="ADAL" clId="{85638B25-DFBB-4D8B-B581-8046C837F546}" dt="2020-06-29T08:47:33.890" v="18" actId="2"/>
+          <ac:spMkLst>
+            <pc:docMk/>
+            <pc:sldMk cId="1341913783" sldId="350"/>
+            <ac:spMk id="8" creationId="{BF570EBB-A13C-4264-810D-CAAF9AACAF2D}"/>
+          </ac:spMkLst>
+        </pc:spChg>
+      </pc:sldChg>
+      <pc:sldChg chg="modSp mod">
+        <pc:chgData name="Tinne Van Echelpoel" userId="46798032-b7e2-4f2e-95a1-1606ec8c5d9a" providerId="ADAL" clId="{85638B25-DFBB-4D8B-B581-8046C837F546}" dt="2020-06-29T08:46:16.443" v="16" actId="790"/>
+        <pc:sldMkLst>
+          <pc:docMk/>
+          <pc:sldMk cId="1460965616" sldId="352"/>
+        </pc:sldMkLst>
+        <pc:spChg chg="mod">
+          <ac:chgData name="Tinne Van Echelpoel" userId="46798032-b7e2-4f2e-95a1-1606ec8c5d9a" providerId="ADAL" clId="{85638B25-DFBB-4D8B-B581-8046C837F546}" dt="2020-06-29T08:46:03.662" v="15" actId="790"/>
+          <ac:spMkLst>
+            <pc:docMk/>
+            <pc:sldMk cId="1460965616" sldId="352"/>
+            <ac:spMk id="7" creationId="{00000000-0000-0000-0000-000000000000}"/>
+          </ac:spMkLst>
+        </pc:spChg>
+        <pc:spChg chg="mod">
+          <ac:chgData name="Tinne Van Echelpoel" userId="46798032-b7e2-4f2e-95a1-1606ec8c5d9a" providerId="ADAL" clId="{85638B25-DFBB-4D8B-B581-8046C837F546}" dt="2020-06-29T08:46:16.443" v="16" actId="790"/>
+          <ac:spMkLst>
+            <pc:docMk/>
+            <pc:sldMk cId="1460965616" sldId="352"/>
+            <ac:spMk id="8" creationId="{00000000-0000-0000-0000-000000000000}"/>
+          </ac:spMkLst>
+        </pc:spChg>
+      </pc:sldChg>
+      <pc:sldChg chg="modSp mod">
+        <pc:chgData name="Tinne Van Echelpoel" userId="46798032-b7e2-4f2e-95a1-1606ec8c5d9a" providerId="ADAL" clId="{85638B25-DFBB-4D8B-B581-8046C837F546}" dt="2020-06-29T08:46:45.200" v="17" actId="790"/>
+        <pc:sldMkLst>
+          <pc:docMk/>
+          <pc:sldMk cId="3741566498" sldId="353"/>
+        </pc:sldMkLst>
+        <pc:spChg chg="mod">
+          <ac:chgData name="Tinne Van Echelpoel" userId="46798032-b7e2-4f2e-95a1-1606ec8c5d9a" providerId="ADAL" clId="{85638B25-DFBB-4D8B-B581-8046C837F546}" dt="2020-06-29T08:46:45.200" v="17" actId="790"/>
+          <ac:spMkLst>
+            <pc:docMk/>
+            <pc:sldMk cId="3741566498" sldId="353"/>
+            <ac:spMk id="3" creationId="{FAE2592B-87C9-40A3-A119-C1E68C024237}"/>
+          </ac:spMkLst>
+        </pc:spChg>
+      </pc:sldChg>
+      <pc:sldChg chg="modSp mod">
+        <pc:chgData name="Tinne Van Echelpoel" userId="46798032-b7e2-4f2e-95a1-1606ec8c5d9a" providerId="ADAL" clId="{85638B25-DFBB-4D8B-B581-8046C837F546}" dt="2020-06-29T08:51:17.641" v="22" actId="790"/>
+        <pc:sldMkLst>
+          <pc:docMk/>
+          <pc:sldMk cId="654147409" sldId="355"/>
+        </pc:sldMkLst>
+        <pc:spChg chg="mod">
+          <ac:chgData name="Tinne Van Echelpoel" userId="46798032-b7e2-4f2e-95a1-1606ec8c5d9a" providerId="ADAL" clId="{85638B25-DFBB-4D8B-B581-8046C837F546}" dt="2020-06-29T08:51:12.254" v="21" actId="790"/>
+          <ac:spMkLst>
+            <pc:docMk/>
+            <pc:sldMk cId="654147409" sldId="355"/>
+            <ac:spMk id="2" creationId="{1BE23161-B269-48C0-A7A4-6FBF20B252AB}"/>
+          </ac:spMkLst>
+        </pc:spChg>
+        <pc:spChg chg="mod">
+          <ac:chgData name="Tinne Van Echelpoel" userId="46798032-b7e2-4f2e-95a1-1606ec8c5d9a" providerId="ADAL" clId="{85638B25-DFBB-4D8B-B581-8046C837F546}" dt="2020-06-29T08:51:17.641" v="22" actId="790"/>
+          <ac:spMkLst>
+            <pc:docMk/>
+            <pc:sldMk cId="654147409" sldId="355"/>
+            <ac:spMk id="3" creationId="{DA1A3571-81DB-4ABF-AB51-1046AD15B7E0}"/>
+          </ac:spMkLst>
+        </pc:spChg>
+      </pc:sldChg>
+      <pc:sldChg chg="modSp mod">
+        <pc:chgData name="Tinne Van Echelpoel" userId="46798032-b7e2-4f2e-95a1-1606ec8c5d9a" providerId="ADAL" clId="{85638B25-DFBB-4D8B-B581-8046C837F546}" dt="2020-06-29T08:52:27.189" v="27" actId="313"/>
+        <pc:sldMkLst>
+          <pc:docMk/>
+          <pc:sldMk cId="2119489521" sldId="356"/>
+        </pc:sldMkLst>
+        <pc:spChg chg="mod">
+          <ac:chgData name="Tinne Van Echelpoel" userId="46798032-b7e2-4f2e-95a1-1606ec8c5d9a" providerId="ADAL" clId="{85638B25-DFBB-4D8B-B581-8046C837F546}" dt="2020-06-29T08:52:27.189" v="27" actId="313"/>
+          <ac:spMkLst>
+            <pc:docMk/>
+            <pc:sldMk cId="2119489521" sldId="356"/>
+            <ac:spMk id="3" creationId="{539C8B79-71E8-47E6-8D58-2078DDC8C402}"/>
+          </ac:spMkLst>
+        </pc:spChg>
+      </pc:sldChg>
+      <pc:sldChg chg="modSp mod">
+        <pc:chgData name="Tinne Van Echelpoel" userId="46798032-b7e2-4f2e-95a1-1606ec8c5d9a" providerId="ADAL" clId="{85638B25-DFBB-4D8B-B581-8046C837F546}" dt="2020-06-29T08:52:46.411" v="29" actId="790"/>
+        <pc:sldMkLst>
+          <pc:docMk/>
+          <pc:sldMk cId="3214660597" sldId="357"/>
+        </pc:sldMkLst>
+        <pc:spChg chg="mod">
+          <ac:chgData name="Tinne Van Echelpoel" userId="46798032-b7e2-4f2e-95a1-1606ec8c5d9a" providerId="ADAL" clId="{85638B25-DFBB-4D8B-B581-8046C837F546}" dt="2020-06-29T08:52:40.820" v="28" actId="790"/>
+          <ac:spMkLst>
+            <pc:docMk/>
+            <pc:sldMk cId="3214660597" sldId="357"/>
+            <ac:spMk id="2" creationId="{8EF09593-93BF-4530-AA96-4310B2A275BE}"/>
+          </ac:spMkLst>
+        </pc:spChg>
+        <pc:spChg chg="mod">
+          <ac:chgData name="Tinne Van Echelpoel" userId="46798032-b7e2-4f2e-95a1-1606ec8c5d9a" providerId="ADAL" clId="{85638B25-DFBB-4D8B-B581-8046C837F546}" dt="2020-06-29T08:52:46.411" v="29" actId="790"/>
+          <ac:spMkLst>
+            <pc:docMk/>
+            <pc:sldMk cId="3214660597" sldId="357"/>
+            <ac:spMk id="3" creationId="{45438ECC-9FA8-4971-A93B-E3C32B977389}"/>
+          </ac:spMkLst>
+        </pc:spChg>
+      </pc:sldChg>
+      <pc:sldChg chg="modSp mod">
+        <pc:chgData name="Tinne Van Echelpoel" userId="46798032-b7e2-4f2e-95a1-1606ec8c5d9a" providerId="ADAL" clId="{85638B25-DFBB-4D8B-B581-8046C837F546}" dt="2020-06-29T09:00:06.822" v="32" actId="790"/>
+        <pc:sldMkLst>
+          <pc:docMk/>
+          <pc:sldMk cId="1758195666" sldId="359"/>
+        </pc:sldMkLst>
+        <pc:spChg chg="mod">
+          <ac:chgData name="Tinne Van Echelpoel" userId="46798032-b7e2-4f2e-95a1-1606ec8c5d9a" providerId="ADAL" clId="{85638B25-DFBB-4D8B-B581-8046C837F546}" dt="2020-06-29T08:59:45.247" v="30" actId="790"/>
+          <ac:spMkLst>
+            <pc:docMk/>
+            <pc:sldMk cId="1758195666" sldId="359"/>
+            <ac:spMk id="2" creationId="{85DFD45C-3204-4261-B26D-ED93B0B17218}"/>
+          </ac:spMkLst>
+        </pc:spChg>
+        <pc:spChg chg="mod">
+          <ac:chgData name="Tinne Van Echelpoel" userId="46798032-b7e2-4f2e-95a1-1606ec8c5d9a" providerId="ADAL" clId="{85638B25-DFBB-4D8B-B581-8046C837F546}" dt="2020-06-29T08:59:56.161" v="31" actId="790"/>
+          <ac:spMkLst>
+            <pc:docMk/>
+            <pc:sldMk cId="1758195666" sldId="359"/>
+            <ac:spMk id="3" creationId="{36412212-AAA0-41C4-9782-32CA6383744F}"/>
+          </ac:spMkLst>
+        </pc:spChg>
+        <pc:spChg chg="mod">
+          <ac:chgData name="Tinne Van Echelpoel" userId="46798032-b7e2-4f2e-95a1-1606ec8c5d9a" providerId="ADAL" clId="{85638B25-DFBB-4D8B-B581-8046C837F546}" dt="2020-06-29T09:00:06.822" v="32" actId="790"/>
+          <ac:spMkLst>
+            <pc:docMk/>
+            <pc:sldMk cId="1758195666" sldId="359"/>
+            <ac:spMk id="11" creationId="{B6178E6C-68B1-476D-A7ED-3936C31333C0}"/>
+          </ac:spMkLst>
+        </pc:spChg>
+      </pc:sldChg>
+      <pc:sldChg chg="delSp mod delAnim">
+        <pc:chgData name="Tinne Van Echelpoel" userId="46798032-b7e2-4f2e-95a1-1606ec8c5d9a" providerId="ADAL" clId="{85638B25-DFBB-4D8B-B581-8046C837F546}" dt="2020-06-29T09:05:47.372" v="40" actId="478"/>
+        <pc:sldMkLst>
+          <pc:docMk/>
+          <pc:sldMk cId="2869836509" sldId="361"/>
+        </pc:sldMkLst>
+        <pc:spChg chg="del">
+          <ac:chgData name="Tinne Van Echelpoel" userId="46798032-b7e2-4f2e-95a1-1606ec8c5d9a" providerId="ADAL" clId="{85638B25-DFBB-4D8B-B581-8046C837F546}" dt="2020-06-29T09:05:47.372" v="40" actId="478"/>
+          <ac:spMkLst>
+            <pc:docMk/>
+            <pc:sldMk cId="2869836509" sldId="361"/>
+            <ac:spMk id="13" creationId="{2BAC04CE-33DC-45A0-B0CE-2DEC0932C55D}"/>
+          </ac:spMkLst>
+        </pc:spChg>
+      </pc:sldChg>
+      <pc:sldChg chg="modSp mod">
+        <pc:chgData name="Tinne Van Echelpoel" userId="46798032-b7e2-4f2e-95a1-1606ec8c5d9a" providerId="ADAL" clId="{85638B25-DFBB-4D8B-B581-8046C837F546}" dt="2020-06-29T09:06:20.410" v="42" actId="6549"/>
+        <pc:sldMkLst>
+          <pc:docMk/>
+          <pc:sldMk cId="3147974396" sldId="363"/>
+        </pc:sldMkLst>
+        <pc:spChg chg="mod">
+          <ac:chgData name="Tinne Van Echelpoel" userId="46798032-b7e2-4f2e-95a1-1606ec8c5d9a" providerId="ADAL" clId="{85638B25-DFBB-4D8B-B581-8046C837F546}" dt="2020-06-29T09:06:20.410" v="42" actId="6549"/>
+          <ac:spMkLst>
+            <pc:docMk/>
+            <pc:sldMk cId="3147974396" sldId="363"/>
+            <ac:spMk id="3" creationId="{A334AD86-E6A1-4533-BE34-97BF04024E7C}"/>
+          </ac:spMkLst>
+        </pc:spChg>
+      </pc:sldChg>
+      <pc:sldChg chg="modSp mod">
+        <pc:chgData name="Tinne Van Echelpoel" userId="46798032-b7e2-4f2e-95a1-1606ec8c5d9a" providerId="ADAL" clId="{85638B25-DFBB-4D8B-B581-8046C837F546}" dt="2020-06-29T09:07:41.848" v="46" actId="313"/>
+        <pc:sldMkLst>
+          <pc:docMk/>
+          <pc:sldMk cId="856782047" sldId="366"/>
+        </pc:sldMkLst>
+        <pc:spChg chg="mod">
+          <ac:chgData name="Tinne Van Echelpoel" userId="46798032-b7e2-4f2e-95a1-1606ec8c5d9a" providerId="ADAL" clId="{85638B25-DFBB-4D8B-B581-8046C837F546}" dt="2020-06-29T09:07:41.848" v="46" actId="313"/>
+          <ac:spMkLst>
+            <pc:docMk/>
+            <pc:sldMk cId="856782047" sldId="366"/>
+            <ac:spMk id="11" creationId="{7FD46D23-C663-40A1-93D4-6807B16A3FB2}"/>
+          </ac:spMkLst>
+        </pc:spChg>
+      </pc:sldChg>
+      <pc:sldChg chg="modSp mod">
+        <pc:chgData name="Tinne Van Echelpoel" userId="46798032-b7e2-4f2e-95a1-1606ec8c5d9a" providerId="ADAL" clId="{85638B25-DFBB-4D8B-B581-8046C837F546}" dt="2020-06-29T09:02:24.322" v="37" actId="790"/>
+        <pc:sldMkLst>
+          <pc:docMk/>
+          <pc:sldMk cId="1354684527" sldId="375"/>
+        </pc:sldMkLst>
+        <pc:spChg chg="mod">
+          <ac:chgData name="Tinne Van Echelpoel" userId="46798032-b7e2-4f2e-95a1-1606ec8c5d9a" providerId="ADAL" clId="{85638B25-DFBB-4D8B-B581-8046C837F546}" dt="2020-06-29T09:02:18.647" v="36" actId="790"/>
+          <ac:spMkLst>
+            <pc:docMk/>
+            <pc:sldMk cId="1354684527" sldId="375"/>
+            <ac:spMk id="2" creationId="{85DFD45C-3204-4261-B26D-ED93B0B17218}"/>
+          </ac:spMkLst>
+        </pc:spChg>
+        <pc:spChg chg="mod">
+          <ac:chgData name="Tinne Van Echelpoel" userId="46798032-b7e2-4f2e-95a1-1606ec8c5d9a" providerId="ADAL" clId="{85638B25-DFBB-4D8B-B581-8046C837F546}" dt="2020-06-29T09:02:24.322" v="37" actId="790"/>
+          <ac:spMkLst>
+            <pc:docMk/>
+            <pc:sldMk cId="1354684527" sldId="375"/>
+            <ac:spMk id="3" creationId="{36412212-AAA0-41C4-9782-32CA6383744F}"/>
+          </ac:spMkLst>
+        </pc:spChg>
+      </pc:sldChg>
+      <pc:sldChg chg="modSp mod">
+        <pc:chgData name="Tinne Van Echelpoel" userId="46798032-b7e2-4f2e-95a1-1606ec8c5d9a" providerId="ADAL" clId="{85638B25-DFBB-4D8B-B581-8046C837F546}" dt="2020-06-29T09:04:34.679" v="39"/>
+        <pc:sldMkLst>
+          <pc:docMk/>
+          <pc:sldMk cId="340781194" sldId="376"/>
+        </pc:sldMkLst>
+        <pc:spChg chg="mod">
+          <ac:chgData name="Tinne Van Echelpoel" userId="46798032-b7e2-4f2e-95a1-1606ec8c5d9a" providerId="ADAL" clId="{85638B25-DFBB-4D8B-B581-8046C837F546}" dt="2020-06-29T09:04:34.679" v="39"/>
+          <ac:spMkLst>
+            <pc:docMk/>
+            <pc:sldMk cId="340781194" sldId="376"/>
+            <ac:spMk id="3" creationId="{839BF41D-2073-4B47-B4C0-F16E68CB62D3}"/>
+          </ac:spMkLst>
+        </pc:spChg>
+      </pc:sldChg>
+      <pc:sldChg chg="modSp mod">
+        <pc:chgData name="Tinne Van Echelpoel" userId="46798032-b7e2-4f2e-95a1-1606ec8c5d9a" providerId="ADAL" clId="{85638B25-DFBB-4D8B-B581-8046C837F546}" dt="2020-06-29T09:01:25.560" v="35" actId="2"/>
+        <pc:sldMkLst>
+          <pc:docMk/>
+          <pc:sldMk cId="804300739" sldId="378"/>
+        </pc:sldMkLst>
+        <pc:spChg chg="mod">
+          <ac:chgData name="Tinne Van Echelpoel" userId="46798032-b7e2-4f2e-95a1-1606ec8c5d9a" providerId="ADAL" clId="{85638B25-DFBB-4D8B-B581-8046C837F546}" dt="2020-06-29T09:01:08.778" v="33" actId="790"/>
+          <ac:spMkLst>
+            <pc:docMk/>
+            <pc:sldMk cId="804300739" sldId="378"/>
+            <ac:spMk id="2" creationId="{85DFD45C-3204-4261-B26D-ED93B0B17218}"/>
+          </ac:spMkLst>
+        </pc:spChg>
+        <pc:spChg chg="mod">
+          <ac:chgData name="Tinne Van Echelpoel" userId="46798032-b7e2-4f2e-95a1-1606ec8c5d9a" providerId="ADAL" clId="{85638B25-DFBB-4D8B-B581-8046C837F546}" dt="2020-06-29T09:01:14.964" v="34" actId="790"/>
+          <ac:spMkLst>
+            <pc:docMk/>
+            <pc:sldMk cId="804300739" sldId="378"/>
+            <ac:spMk id="3" creationId="{36412212-AAA0-41C4-9782-32CA6383744F}"/>
+          </ac:spMkLst>
+        </pc:spChg>
+        <pc:spChg chg="mod">
+          <ac:chgData name="Tinne Van Echelpoel" userId="46798032-b7e2-4f2e-95a1-1606ec8c5d9a" providerId="ADAL" clId="{85638B25-DFBB-4D8B-B581-8046C837F546}" dt="2020-06-29T09:01:25.560" v="35" actId="2"/>
+          <ac:spMkLst>
+            <pc:docMk/>
+            <pc:sldMk cId="804300739" sldId="378"/>
+            <ac:spMk id="6" creationId="{0BA62AE8-3198-4627-BFA8-61D210562A65}"/>
+          </ac:spMkLst>
+        </pc:spChg>
+      </pc:sldChg>
+    </pc:docChg>
+  </pc:docChgLst>
+  <pc:docChgLst>
+    <pc:chgData name="Tinne Van Echelpoel" userId="46798032-b7e2-4f2e-95a1-1606ec8c5d9a" providerId="ADAL" clId="{7B898532-1660-49C3-AF51-B963163B0C77}"/>
+    <pc:docChg chg="modNotesMaster">
+      <pc:chgData name="Tinne Van Echelpoel" userId="46798032-b7e2-4f2e-95a1-1606ec8c5d9a" providerId="ADAL" clId="{7B898532-1660-49C3-AF51-B963163B0C77}" dt="2020-10-21T08:47:58.730" v="0"/>
+      <pc:docMkLst>
+        <pc:docMk/>
+      </pc:docMkLst>
+    </pc:docChg>
+  </pc:docChgLst>
+  <pc:docChgLst>
+    <pc:chgData name="Jochen Mariën" userId="a4f8d9ed-3895-4365-b2d5-9432cb8a20d4" providerId="ADAL" clId="{0AF1EEC9-EE93-4511-BF0A-03850D8D6A87}"/>
+    <pc:docChg chg="modSld">
+      <pc:chgData name="Jochen Mariën" userId="a4f8d9ed-3895-4365-b2d5-9432cb8a20d4" providerId="ADAL" clId="{0AF1EEC9-EE93-4511-BF0A-03850D8D6A87}" dt="2020-11-16T11:34:52.637" v="3" actId="20577"/>
+      <pc:docMkLst>
+        <pc:docMk/>
+      </pc:docMkLst>
+      <pc:sldChg chg="modSp mod">
+        <pc:chgData name="Jochen Mariën" userId="a4f8d9ed-3895-4365-b2d5-9432cb8a20d4" providerId="ADAL" clId="{0AF1EEC9-EE93-4511-BF0A-03850D8D6A87}" dt="2020-11-16T11:34:52.637" v="3" actId="20577"/>
+        <pc:sldMkLst>
+          <pc:docMk/>
+          <pc:sldMk cId="1020751144" sldId="322"/>
+        </pc:sldMkLst>
+        <pc:spChg chg="mod">
+          <ac:chgData name="Jochen Mariën" userId="a4f8d9ed-3895-4365-b2d5-9432cb8a20d4" providerId="ADAL" clId="{0AF1EEC9-EE93-4511-BF0A-03850D8D6A87}" dt="2020-11-16T11:34:52.637" v="3" actId="20577"/>
+          <ac:spMkLst>
+            <pc:docMk/>
+            <pc:sldMk cId="1020751144" sldId="322"/>
+            <ac:spMk id="3" creationId="{0A965233-77D1-4EA6-96A3-BB14281D64E4}"/>
+          </ac:spMkLst>
+        </pc:spChg>
+      </pc:sldChg>
     </pc:docChg>
   </pc:docChgLst>
   <pc:docChgLst>
@@ -1698,6 +1552,698 @@
             <pc:docMk/>
             <pc:sldMk cId="1758195666" sldId="359"/>
             <ac:spMk id="11" creationId="{B6178E6C-68B1-476D-A7ED-3936C31333C0}"/>
+          </ac:spMkLst>
+        </pc:spChg>
+      </pc:sldChg>
+    </pc:docChg>
+  </pc:docChgLst>
+  <pc:docChgLst>
+    <pc:chgData name="Hans Bartholomeus" userId="fdad893c-ea0f-4e18-a760-ac9a83339ccd" providerId="ADAL" clId="{70E48BE2-152C-41CD-A700-8B263F592463}"/>
+    <pc:docChg chg="modShowInfo">
+      <pc:chgData name="Hans Bartholomeus" userId="fdad893c-ea0f-4e18-a760-ac9a83339ccd" providerId="ADAL" clId="{70E48BE2-152C-41CD-A700-8B263F592463}" dt="2021-11-15T11:54:01.941" v="1" actId="2744"/>
+      <pc:docMkLst>
+        <pc:docMk/>
+      </pc:docMkLst>
+    </pc:docChg>
+  </pc:docChgLst>
+  <pc:docChgLst>
+    <pc:chgData name="Jochen Mariën" userId="a4f8d9ed-3895-4365-b2d5-9432cb8a20d4" providerId="ADAL" clId="{FE02E69C-50D7-4546-9F8C-C8D60E669645}"/>
+    <pc:docChg chg="modSld">
+      <pc:chgData name="Jochen Mariën" userId="a4f8d9ed-3895-4365-b2d5-9432cb8a20d4" providerId="ADAL" clId="{FE02E69C-50D7-4546-9F8C-C8D60E669645}" dt="2022-06-08T14:03:51.660" v="0"/>
+      <pc:docMkLst>
+        <pc:docMk/>
+      </pc:docMkLst>
+      <pc:sldChg chg="addSp modSp">
+        <pc:chgData name="Jochen Mariën" userId="a4f8d9ed-3895-4365-b2d5-9432cb8a20d4" providerId="ADAL" clId="{FE02E69C-50D7-4546-9F8C-C8D60E669645}" dt="2022-06-08T14:03:51.660" v="0"/>
+        <pc:sldMkLst>
+          <pc:docMk/>
+          <pc:sldMk cId="54334544" sldId="256"/>
+        </pc:sldMkLst>
+        <pc:picChg chg="add mod">
+          <ac:chgData name="Jochen Mariën" userId="a4f8d9ed-3895-4365-b2d5-9432cb8a20d4" providerId="ADAL" clId="{FE02E69C-50D7-4546-9F8C-C8D60E669645}" dt="2022-06-08T14:03:51.660" v="0"/>
+          <ac:picMkLst>
+            <pc:docMk/>
+            <pc:sldMk cId="54334544" sldId="256"/>
+            <ac:picMk id="4" creationId="{D885D343-BBB2-E94F-6256-B601AA0FF998}"/>
+          </ac:picMkLst>
+        </pc:picChg>
+      </pc:sldChg>
+    </pc:docChg>
+  </pc:docChgLst>
+  <pc:docChgLst>
+    <pc:chgData name="Christel Maes" userId="7e61469a-7c21-464c-bace-a1bda262211a" providerId="ADAL" clId="{C0046CF2-79BA-4147-BC50-D10D8B2F6690}"/>
+    <pc:docChg chg="modSld">
+      <pc:chgData name="Christel Maes" userId="7e61469a-7c21-464c-bace-a1bda262211a" providerId="ADAL" clId="{C0046CF2-79BA-4147-BC50-D10D8B2F6690}" dt="2020-09-10T15:24:41.738" v="0"/>
+      <pc:docMkLst>
+        <pc:docMk/>
+      </pc:docMkLst>
+      <pc:sldChg chg="delSp modAnim">
+        <pc:chgData name="Christel Maes" userId="7e61469a-7c21-464c-bace-a1bda262211a" providerId="ADAL" clId="{C0046CF2-79BA-4147-BC50-D10D8B2F6690}" dt="2020-09-10T15:24:41.738" v="0"/>
+        <pc:sldMkLst>
+          <pc:docMk/>
+          <pc:sldMk cId="54334544" sldId="256"/>
+        </pc:sldMkLst>
+        <pc:picChg chg="del">
+          <ac:chgData name="Christel Maes" userId="7e61469a-7c21-464c-bace-a1bda262211a" providerId="ADAL" clId="{C0046CF2-79BA-4147-BC50-D10D8B2F6690}" dt="2020-09-10T15:24:41.738" v="0"/>
+          <ac:picMkLst>
+            <pc:docMk/>
+            <pc:sldMk cId="54334544" sldId="256"/>
+            <ac:picMk id="4" creationId="{A73ED720-EDAE-4A70-A76D-73300BFF4F95}"/>
+          </ac:picMkLst>
+        </pc:picChg>
+      </pc:sldChg>
+      <pc:sldChg chg="delSp modAnim">
+        <pc:chgData name="Christel Maes" userId="7e61469a-7c21-464c-bace-a1bda262211a" providerId="ADAL" clId="{C0046CF2-79BA-4147-BC50-D10D8B2F6690}" dt="2020-09-10T15:24:41.738" v="0"/>
+        <pc:sldMkLst>
+          <pc:docMk/>
+          <pc:sldMk cId="2718411288" sldId="257"/>
+        </pc:sldMkLst>
+        <pc:picChg chg="del">
+          <ac:chgData name="Christel Maes" userId="7e61469a-7c21-464c-bace-a1bda262211a" providerId="ADAL" clId="{C0046CF2-79BA-4147-BC50-D10D8B2F6690}" dt="2020-09-10T15:24:41.738" v="0"/>
+          <ac:picMkLst>
+            <pc:docMk/>
+            <pc:sldMk cId="2718411288" sldId="257"/>
+            <ac:picMk id="6" creationId="{C99762C5-9DD7-42D3-B2E2-2EE5836C7013}"/>
+          </ac:picMkLst>
+        </pc:picChg>
+      </pc:sldChg>
+      <pc:sldChg chg="delSp modAnim">
+        <pc:chgData name="Christel Maes" userId="7e61469a-7c21-464c-bace-a1bda262211a" providerId="ADAL" clId="{C0046CF2-79BA-4147-BC50-D10D8B2F6690}" dt="2020-09-10T15:24:41.738" v="0"/>
+        <pc:sldMkLst>
+          <pc:docMk/>
+          <pc:sldMk cId="1020751144" sldId="322"/>
+        </pc:sldMkLst>
+        <pc:picChg chg="del">
+          <ac:chgData name="Christel Maes" userId="7e61469a-7c21-464c-bace-a1bda262211a" providerId="ADAL" clId="{C0046CF2-79BA-4147-BC50-D10D8B2F6690}" dt="2020-09-10T15:24:41.738" v="0"/>
+          <ac:picMkLst>
+            <pc:docMk/>
+            <pc:sldMk cId="1020751144" sldId="322"/>
+            <ac:picMk id="6" creationId="{72FEECE3-0C51-4CCE-A152-6B49B7CCA751}"/>
+          </ac:picMkLst>
+        </pc:picChg>
+      </pc:sldChg>
+      <pc:sldChg chg="delSp modAnim">
+        <pc:chgData name="Christel Maes" userId="7e61469a-7c21-464c-bace-a1bda262211a" providerId="ADAL" clId="{C0046CF2-79BA-4147-BC50-D10D8B2F6690}" dt="2020-09-10T15:24:41.738" v="0"/>
+        <pc:sldMkLst>
+          <pc:docMk/>
+          <pc:sldMk cId="2942096100" sldId="349"/>
+        </pc:sldMkLst>
+        <pc:picChg chg="del">
+          <ac:chgData name="Christel Maes" userId="7e61469a-7c21-464c-bace-a1bda262211a" providerId="ADAL" clId="{C0046CF2-79BA-4147-BC50-D10D8B2F6690}" dt="2020-09-10T15:24:41.738" v="0"/>
+          <ac:picMkLst>
+            <pc:docMk/>
+            <pc:sldMk cId="2942096100" sldId="349"/>
+            <ac:picMk id="6" creationId="{CF1A849D-D567-4F2B-B2E3-3CF079A163FF}"/>
+          </ac:picMkLst>
+        </pc:picChg>
+      </pc:sldChg>
+      <pc:sldChg chg="delSp modAnim">
+        <pc:chgData name="Christel Maes" userId="7e61469a-7c21-464c-bace-a1bda262211a" providerId="ADAL" clId="{C0046CF2-79BA-4147-BC50-D10D8B2F6690}" dt="2020-09-10T15:24:41.738" v="0"/>
+        <pc:sldMkLst>
+          <pc:docMk/>
+          <pc:sldMk cId="1341913783" sldId="350"/>
+        </pc:sldMkLst>
+        <pc:picChg chg="del">
+          <ac:chgData name="Christel Maes" userId="7e61469a-7c21-464c-bace-a1bda262211a" providerId="ADAL" clId="{C0046CF2-79BA-4147-BC50-D10D8B2F6690}" dt="2020-09-10T15:24:41.738" v="0"/>
+          <ac:picMkLst>
+            <pc:docMk/>
+            <pc:sldMk cId="1341913783" sldId="350"/>
+            <ac:picMk id="6" creationId="{A00C8F09-03F0-4077-8305-19D7E95B096D}"/>
+          </ac:picMkLst>
+        </pc:picChg>
+      </pc:sldChg>
+      <pc:sldChg chg="delSp modAnim">
+        <pc:chgData name="Christel Maes" userId="7e61469a-7c21-464c-bace-a1bda262211a" providerId="ADAL" clId="{C0046CF2-79BA-4147-BC50-D10D8B2F6690}" dt="2020-09-10T15:24:41.738" v="0"/>
+        <pc:sldMkLst>
+          <pc:docMk/>
+          <pc:sldMk cId="572675441" sldId="351"/>
+        </pc:sldMkLst>
+        <pc:picChg chg="del">
+          <ac:chgData name="Christel Maes" userId="7e61469a-7c21-464c-bace-a1bda262211a" providerId="ADAL" clId="{C0046CF2-79BA-4147-BC50-D10D8B2F6690}" dt="2020-09-10T15:24:41.738" v="0"/>
+          <ac:picMkLst>
+            <pc:docMk/>
+            <pc:sldMk cId="572675441" sldId="351"/>
+            <ac:picMk id="15" creationId="{541B7790-F934-429E-8D2F-E1AED4961FC8}"/>
+          </ac:picMkLst>
+        </pc:picChg>
+      </pc:sldChg>
+      <pc:sldChg chg="delSp modAnim">
+        <pc:chgData name="Christel Maes" userId="7e61469a-7c21-464c-bace-a1bda262211a" providerId="ADAL" clId="{C0046CF2-79BA-4147-BC50-D10D8B2F6690}" dt="2020-09-10T15:24:41.738" v="0"/>
+        <pc:sldMkLst>
+          <pc:docMk/>
+          <pc:sldMk cId="1460965616" sldId="352"/>
+        </pc:sldMkLst>
+        <pc:picChg chg="del">
+          <ac:chgData name="Christel Maes" userId="7e61469a-7c21-464c-bace-a1bda262211a" providerId="ADAL" clId="{C0046CF2-79BA-4147-BC50-D10D8B2F6690}" dt="2020-09-10T15:24:41.738" v="0"/>
+          <ac:picMkLst>
+            <pc:docMk/>
+            <pc:sldMk cId="1460965616" sldId="352"/>
+            <ac:picMk id="16" creationId="{FE10D4C9-1753-49CB-B61C-52D45A59E91B}"/>
+          </ac:picMkLst>
+        </pc:picChg>
+      </pc:sldChg>
+      <pc:sldChg chg="delSp modAnim">
+        <pc:chgData name="Christel Maes" userId="7e61469a-7c21-464c-bace-a1bda262211a" providerId="ADAL" clId="{C0046CF2-79BA-4147-BC50-D10D8B2F6690}" dt="2020-09-10T15:24:41.738" v="0"/>
+        <pc:sldMkLst>
+          <pc:docMk/>
+          <pc:sldMk cId="3741566498" sldId="353"/>
+        </pc:sldMkLst>
+        <pc:picChg chg="del">
+          <ac:chgData name="Christel Maes" userId="7e61469a-7c21-464c-bace-a1bda262211a" providerId="ADAL" clId="{C0046CF2-79BA-4147-BC50-D10D8B2F6690}" dt="2020-09-10T15:24:41.738" v="0"/>
+          <ac:picMkLst>
+            <pc:docMk/>
+            <pc:sldMk cId="3741566498" sldId="353"/>
+            <ac:picMk id="5" creationId="{FDD7C110-BD9C-4661-8ED2-C98706F38786}"/>
+          </ac:picMkLst>
+        </pc:picChg>
+      </pc:sldChg>
+      <pc:sldChg chg="delSp modAnim">
+        <pc:chgData name="Christel Maes" userId="7e61469a-7c21-464c-bace-a1bda262211a" providerId="ADAL" clId="{C0046CF2-79BA-4147-BC50-D10D8B2F6690}" dt="2020-09-10T15:24:41.738" v="0"/>
+        <pc:sldMkLst>
+          <pc:docMk/>
+          <pc:sldMk cId="654147409" sldId="355"/>
+        </pc:sldMkLst>
+        <pc:picChg chg="del">
+          <ac:chgData name="Christel Maes" userId="7e61469a-7c21-464c-bace-a1bda262211a" providerId="ADAL" clId="{C0046CF2-79BA-4147-BC50-D10D8B2F6690}" dt="2020-09-10T15:24:41.738" v="0"/>
+          <ac:picMkLst>
+            <pc:docMk/>
+            <pc:sldMk cId="654147409" sldId="355"/>
+            <ac:picMk id="7" creationId="{D839A89E-39E4-44FC-A64C-3551382A466D}"/>
+          </ac:picMkLst>
+        </pc:picChg>
+      </pc:sldChg>
+      <pc:sldChg chg="delSp modAnim">
+        <pc:chgData name="Christel Maes" userId="7e61469a-7c21-464c-bace-a1bda262211a" providerId="ADAL" clId="{C0046CF2-79BA-4147-BC50-D10D8B2F6690}" dt="2020-09-10T15:24:41.738" v="0"/>
+        <pc:sldMkLst>
+          <pc:docMk/>
+          <pc:sldMk cId="2119489521" sldId="356"/>
+        </pc:sldMkLst>
+        <pc:picChg chg="del">
+          <ac:chgData name="Christel Maes" userId="7e61469a-7c21-464c-bace-a1bda262211a" providerId="ADAL" clId="{C0046CF2-79BA-4147-BC50-D10D8B2F6690}" dt="2020-09-10T15:24:41.738" v="0"/>
+          <ac:picMkLst>
+            <pc:docMk/>
+            <pc:sldMk cId="2119489521" sldId="356"/>
+            <ac:picMk id="7" creationId="{EEA177B1-4915-4993-9764-FBE4E0B29BBA}"/>
+          </ac:picMkLst>
+        </pc:picChg>
+      </pc:sldChg>
+      <pc:sldChg chg="delSp modAnim">
+        <pc:chgData name="Christel Maes" userId="7e61469a-7c21-464c-bace-a1bda262211a" providerId="ADAL" clId="{C0046CF2-79BA-4147-BC50-D10D8B2F6690}" dt="2020-09-10T15:24:41.738" v="0"/>
+        <pc:sldMkLst>
+          <pc:docMk/>
+          <pc:sldMk cId="3214660597" sldId="357"/>
+        </pc:sldMkLst>
+        <pc:picChg chg="del">
+          <ac:chgData name="Christel Maes" userId="7e61469a-7c21-464c-bace-a1bda262211a" providerId="ADAL" clId="{C0046CF2-79BA-4147-BC50-D10D8B2F6690}" dt="2020-09-10T15:24:41.738" v="0"/>
+          <ac:picMkLst>
+            <pc:docMk/>
+            <pc:sldMk cId="3214660597" sldId="357"/>
+            <ac:picMk id="11" creationId="{11041255-7662-4619-991F-C661CB6F8E20}"/>
+          </ac:picMkLst>
+        </pc:picChg>
+      </pc:sldChg>
+      <pc:sldChg chg="delSp modAnim">
+        <pc:chgData name="Christel Maes" userId="7e61469a-7c21-464c-bace-a1bda262211a" providerId="ADAL" clId="{C0046CF2-79BA-4147-BC50-D10D8B2F6690}" dt="2020-09-10T15:24:41.738" v="0"/>
+        <pc:sldMkLst>
+          <pc:docMk/>
+          <pc:sldMk cId="1758195666" sldId="359"/>
+        </pc:sldMkLst>
+        <pc:picChg chg="del">
+          <ac:chgData name="Christel Maes" userId="7e61469a-7c21-464c-bace-a1bda262211a" providerId="ADAL" clId="{C0046CF2-79BA-4147-BC50-D10D8B2F6690}" dt="2020-09-10T15:24:41.738" v="0"/>
+          <ac:picMkLst>
+            <pc:docMk/>
+            <pc:sldMk cId="1758195666" sldId="359"/>
+            <ac:picMk id="14" creationId="{0CC17CD7-1F06-4406-ADDE-FFAFC6CB4545}"/>
+          </ac:picMkLst>
+        </pc:picChg>
+      </pc:sldChg>
+      <pc:sldChg chg="delSp modAnim">
+        <pc:chgData name="Christel Maes" userId="7e61469a-7c21-464c-bace-a1bda262211a" providerId="ADAL" clId="{C0046CF2-79BA-4147-BC50-D10D8B2F6690}" dt="2020-09-10T15:24:41.738" v="0"/>
+        <pc:sldMkLst>
+          <pc:docMk/>
+          <pc:sldMk cId="2078986262" sldId="360"/>
+        </pc:sldMkLst>
+        <pc:picChg chg="del">
+          <ac:chgData name="Christel Maes" userId="7e61469a-7c21-464c-bace-a1bda262211a" providerId="ADAL" clId="{C0046CF2-79BA-4147-BC50-D10D8B2F6690}" dt="2020-09-10T15:24:41.738" v="0"/>
+          <ac:picMkLst>
+            <pc:docMk/>
+            <pc:sldMk cId="2078986262" sldId="360"/>
+            <ac:picMk id="5" creationId="{BABE6058-0B8B-4711-836D-61384144BCEF}"/>
+          </ac:picMkLst>
+        </pc:picChg>
+      </pc:sldChg>
+      <pc:sldChg chg="delSp modAnim">
+        <pc:chgData name="Christel Maes" userId="7e61469a-7c21-464c-bace-a1bda262211a" providerId="ADAL" clId="{C0046CF2-79BA-4147-BC50-D10D8B2F6690}" dt="2020-09-10T15:24:41.738" v="0"/>
+        <pc:sldMkLst>
+          <pc:docMk/>
+          <pc:sldMk cId="2869836509" sldId="361"/>
+        </pc:sldMkLst>
+        <pc:picChg chg="del">
+          <ac:chgData name="Christel Maes" userId="7e61469a-7c21-464c-bace-a1bda262211a" providerId="ADAL" clId="{C0046CF2-79BA-4147-BC50-D10D8B2F6690}" dt="2020-09-10T15:24:41.738" v="0"/>
+          <ac:picMkLst>
+            <pc:docMk/>
+            <pc:sldMk cId="2869836509" sldId="361"/>
+            <ac:picMk id="5" creationId="{3EFBB453-DE0D-400C-9841-354B4A2787FB}"/>
+          </ac:picMkLst>
+        </pc:picChg>
+      </pc:sldChg>
+      <pc:sldChg chg="delSp modAnim">
+        <pc:chgData name="Christel Maes" userId="7e61469a-7c21-464c-bace-a1bda262211a" providerId="ADAL" clId="{C0046CF2-79BA-4147-BC50-D10D8B2F6690}" dt="2020-09-10T15:24:41.738" v="0"/>
+        <pc:sldMkLst>
+          <pc:docMk/>
+          <pc:sldMk cId="3577162747" sldId="362"/>
+        </pc:sldMkLst>
+        <pc:picChg chg="del">
+          <ac:chgData name="Christel Maes" userId="7e61469a-7c21-464c-bace-a1bda262211a" providerId="ADAL" clId="{C0046CF2-79BA-4147-BC50-D10D8B2F6690}" dt="2020-09-10T15:24:41.738" v="0"/>
+          <ac:picMkLst>
+            <pc:docMk/>
+            <pc:sldMk cId="3577162747" sldId="362"/>
+            <ac:picMk id="5" creationId="{3861AF60-5BD8-4754-BB62-44CAEFD3BBC5}"/>
+          </ac:picMkLst>
+        </pc:picChg>
+      </pc:sldChg>
+      <pc:sldChg chg="delSp modAnim">
+        <pc:chgData name="Christel Maes" userId="7e61469a-7c21-464c-bace-a1bda262211a" providerId="ADAL" clId="{C0046CF2-79BA-4147-BC50-D10D8B2F6690}" dt="2020-09-10T15:24:41.738" v="0"/>
+        <pc:sldMkLst>
+          <pc:docMk/>
+          <pc:sldMk cId="3147974396" sldId="363"/>
+        </pc:sldMkLst>
+        <pc:picChg chg="del">
+          <ac:chgData name="Christel Maes" userId="7e61469a-7c21-464c-bace-a1bda262211a" providerId="ADAL" clId="{C0046CF2-79BA-4147-BC50-D10D8B2F6690}" dt="2020-09-10T15:24:41.738" v="0"/>
+          <ac:picMkLst>
+            <pc:docMk/>
+            <pc:sldMk cId="3147974396" sldId="363"/>
+            <ac:picMk id="6" creationId="{8EEC1240-AF1F-489A-BDCC-DEA4CA368FF6}"/>
+          </ac:picMkLst>
+        </pc:picChg>
+      </pc:sldChg>
+      <pc:sldChg chg="delSp modAnim">
+        <pc:chgData name="Christel Maes" userId="7e61469a-7c21-464c-bace-a1bda262211a" providerId="ADAL" clId="{C0046CF2-79BA-4147-BC50-D10D8B2F6690}" dt="2020-09-10T15:24:41.738" v="0"/>
+        <pc:sldMkLst>
+          <pc:docMk/>
+          <pc:sldMk cId="4087172891" sldId="364"/>
+        </pc:sldMkLst>
+        <pc:picChg chg="del">
+          <ac:chgData name="Christel Maes" userId="7e61469a-7c21-464c-bace-a1bda262211a" providerId="ADAL" clId="{C0046CF2-79BA-4147-BC50-D10D8B2F6690}" dt="2020-09-10T15:24:41.738" v="0"/>
+          <ac:picMkLst>
+            <pc:docMk/>
+            <pc:sldMk cId="4087172891" sldId="364"/>
+            <ac:picMk id="3" creationId="{747C1EFB-5A5A-4EE5-8DA7-05CBECFA2DB4}"/>
+          </ac:picMkLst>
+        </pc:picChg>
+      </pc:sldChg>
+      <pc:sldChg chg="delSp modAnim">
+        <pc:chgData name="Christel Maes" userId="7e61469a-7c21-464c-bace-a1bda262211a" providerId="ADAL" clId="{C0046CF2-79BA-4147-BC50-D10D8B2F6690}" dt="2020-09-10T15:24:41.738" v="0"/>
+        <pc:sldMkLst>
+          <pc:docMk/>
+          <pc:sldMk cId="1858038199" sldId="365"/>
+        </pc:sldMkLst>
+        <pc:picChg chg="del">
+          <ac:chgData name="Christel Maes" userId="7e61469a-7c21-464c-bace-a1bda262211a" providerId="ADAL" clId="{C0046CF2-79BA-4147-BC50-D10D8B2F6690}" dt="2020-09-10T15:24:41.738" v="0"/>
+          <ac:picMkLst>
+            <pc:docMk/>
+            <pc:sldMk cId="1858038199" sldId="365"/>
+            <ac:picMk id="8" creationId="{549E2F49-1623-4122-B62C-7C19AC9D6F18}"/>
+          </ac:picMkLst>
+        </pc:picChg>
+      </pc:sldChg>
+      <pc:sldChg chg="delSp modAnim">
+        <pc:chgData name="Christel Maes" userId="7e61469a-7c21-464c-bace-a1bda262211a" providerId="ADAL" clId="{C0046CF2-79BA-4147-BC50-D10D8B2F6690}" dt="2020-09-10T15:24:41.738" v="0"/>
+        <pc:sldMkLst>
+          <pc:docMk/>
+          <pc:sldMk cId="856782047" sldId="366"/>
+        </pc:sldMkLst>
+        <pc:picChg chg="del">
+          <ac:chgData name="Christel Maes" userId="7e61469a-7c21-464c-bace-a1bda262211a" providerId="ADAL" clId="{C0046CF2-79BA-4147-BC50-D10D8B2F6690}" dt="2020-09-10T15:24:41.738" v="0"/>
+          <ac:picMkLst>
+            <pc:docMk/>
+            <pc:sldMk cId="856782047" sldId="366"/>
+            <ac:picMk id="12" creationId="{3EB2E8F6-1392-49D1-8169-AB7D2713A4F1}"/>
+          </ac:picMkLst>
+        </pc:picChg>
+      </pc:sldChg>
+      <pc:sldChg chg="delSp modAnim">
+        <pc:chgData name="Christel Maes" userId="7e61469a-7c21-464c-bace-a1bda262211a" providerId="ADAL" clId="{C0046CF2-79BA-4147-BC50-D10D8B2F6690}" dt="2020-09-10T15:24:41.738" v="0"/>
+        <pc:sldMkLst>
+          <pc:docMk/>
+          <pc:sldMk cId="3797966021" sldId="367"/>
+        </pc:sldMkLst>
+        <pc:picChg chg="del">
+          <ac:chgData name="Christel Maes" userId="7e61469a-7c21-464c-bace-a1bda262211a" providerId="ADAL" clId="{C0046CF2-79BA-4147-BC50-D10D8B2F6690}" dt="2020-09-10T15:24:41.738" v="0"/>
+          <ac:picMkLst>
+            <pc:docMk/>
+            <pc:sldMk cId="3797966021" sldId="367"/>
+            <ac:picMk id="7" creationId="{6B70B709-0302-4064-96AC-D36FE9E634E5}"/>
+          </ac:picMkLst>
+        </pc:picChg>
+      </pc:sldChg>
+      <pc:sldChg chg="delSp modAnim">
+        <pc:chgData name="Christel Maes" userId="7e61469a-7c21-464c-bace-a1bda262211a" providerId="ADAL" clId="{C0046CF2-79BA-4147-BC50-D10D8B2F6690}" dt="2020-09-10T15:24:41.738" v="0"/>
+        <pc:sldMkLst>
+          <pc:docMk/>
+          <pc:sldMk cId="659764143" sldId="368"/>
+        </pc:sldMkLst>
+        <pc:picChg chg="del">
+          <ac:chgData name="Christel Maes" userId="7e61469a-7c21-464c-bace-a1bda262211a" providerId="ADAL" clId="{C0046CF2-79BA-4147-BC50-D10D8B2F6690}" dt="2020-09-10T15:24:41.738" v="0"/>
+          <ac:picMkLst>
+            <pc:docMk/>
+            <pc:sldMk cId="659764143" sldId="368"/>
+            <ac:picMk id="5" creationId="{A501D6FF-4CF0-4E3B-9B94-29736EF42A1C}"/>
+          </ac:picMkLst>
+        </pc:picChg>
+      </pc:sldChg>
+      <pc:sldChg chg="delSp modAnim">
+        <pc:chgData name="Christel Maes" userId="7e61469a-7c21-464c-bace-a1bda262211a" providerId="ADAL" clId="{C0046CF2-79BA-4147-BC50-D10D8B2F6690}" dt="2020-09-10T15:24:41.738" v="0"/>
+        <pc:sldMkLst>
+          <pc:docMk/>
+          <pc:sldMk cId="436424704" sldId="369"/>
+        </pc:sldMkLst>
+        <pc:picChg chg="del">
+          <ac:chgData name="Christel Maes" userId="7e61469a-7c21-464c-bace-a1bda262211a" providerId="ADAL" clId="{C0046CF2-79BA-4147-BC50-D10D8B2F6690}" dt="2020-09-10T15:24:41.738" v="0"/>
+          <ac:picMkLst>
+            <pc:docMk/>
+            <pc:sldMk cId="436424704" sldId="369"/>
+            <ac:picMk id="9" creationId="{2C16F3FF-F70F-4F26-AE13-06BEE0389DD8}"/>
+          </ac:picMkLst>
+        </pc:picChg>
+      </pc:sldChg>
+      <pc:sldChg chg="delSp modAnim">
+        <pc:chgData name="Christel Maes" userId="7e61469a-7c21-464c-bace-a1bda262211a" providerId="ADAL" clId="{C0046CF2-79BA-4147-BC50-D10D8B2F6690}" dt="2020-09-10T15:24:41.738" v="0"/>
+        <pc:sldMkLst>
+          <pc:docMk/>
+          <pc:sldMk cId="552227640" sldId="370"/>
+        </pc:sldMkLst>
+        <pc:picChg chg="del">
+          <ac:chgData name="Christel Maes" userId="7e61469a-7c21-464c-bace-a1bda262211a" providerId="ADAL" clId="{C0046CF2-79BA-4147-BC50-D10D8B2F6690}" dt="2020-09-10T15:24:41.738" v="0"/>
+          <ac:picMkLst>
+            <pc:docMk/>
+            <pc:sldMk cId="552227640" sldId="370"/>
+            <ac:picMk id="9" creationId="{9DF9D00D-DF82-417B-9802-2ED2BD8CC7B1}"/>
+          </ac:picMkLst>
+        </pc:picChg>
+      </pc:sldChg>
+      <pc:sldChg chg="delSp modAnim">
+        <pc:chgData name="Christel Maes" userId="7e61469a-7c21-464c-bace-a1bda262211a" providerId="ADAL" clId="{C0046CF2-79BA-4147-BC50-D10D8B2F6690}" dt="2020-09-10T15:24:41.738" v="0"/>
+        <pc:sldMkLst>
+          <pc:docMk/>
+          <pc:sldMk cId="2809965672" sldId="372"/>
+        </pc:sldMkLst>
+        <pc:picChg chg="del">
+          <ac:chgData name="Christel Maes" userId="7e61469a-7c21-464c-bace-a1bda262211a" providerId="ADAL" clId="{C0046CF2-79BA-4147-BC50-D10D8B2F6690}" dt="2020-09-10T15:24:41.738" v="0"/>
+          <ac:picMkLst>
+            <pc:docMk/>
+            <pc:sldMk cId="2809965672" sldId="372"/>
+            <ac:picMk id="5" creationId="{CC0C8E89-6C7E-49E6-A3AF-8421AC97C108}"/>
+          </ac:picMkLst>
+        </pc:picChg>
+      </pc:sldChg>
+      <pc:sldChg chg="delSp modAnim">
+        <pc:chgData name="Christel Maes" userId="7e61469a-7c21-464c-bace-a1bda262211a" providerId="ADAL" clId="{C0046CF2-79BA-4147-BC50-D10D8B2F6690}" dt="2020-09-10T15:24:41.738" v="0"/>
+        <pc:sldMkLst>
+          <pc:docMk/>
+          <pc:sldMk cId="815731102" sldId="373"/>
+        </pc:sldMkLst>
+        <pc:picChg chg="del">
+          <ac:chgData name="Christel Maes" userId="7e61469a-7c21-464c-bace-a1bda262211a" providerId="ADAL" clId="{C0046CF2-79BA-4147-BC50-D10D8B2F6690}" dt="2020-09-10T15:24:41.738" v="0"/>
+          <ac:picMkLst>
+            <pc:docMk/>
+            <pc:sldMk cId="815731102" sldId="373"/>
+            <ac:picMk id="9" creationId="{2032C8C8-02A7-4A55-9F3F-4BA269473871}"/>
+          </ac:picMkLst>
+        </pc:picChg>
+      </pc:sldChg>
+      <pc:sldChg chg="delSp modAnim">
+        <pc:chgData name="Christel Maes" userId="7e61469a-7c21-464c-bace-a1bda262211a" providerId="ADAL" clId="{C0046CF2-79BA-4147-BC50-D10D8B2F6690}" dt="2020-09-10T15:24:41.738" v="0"/>
+        <pc:sldMkLst>
+          <pc:docMk/>
+          <pc:sldMk cId="2024552683" sldId="374"/>
+        </pc:sldMkLst>
+        <pc:picChg chg="del">
+          <ac:chgData name="Christel Maes" userId="7e61469a-7c21-464c-bace-a1bda262211a" providerId="ADAL" clId="{C0046CF2-79BA-4147-BC50-D10D8B2F6690}" dt="2020-09-10T15:24:41.738" v="0"/>
+          <ac:picMkLst>
+            <pc:docMk/>
+            <pc:sldMk cId="2024552683" sldId="374"/>
+            <ac:picMk id="9" creationId="{021A1A1E-60FE-4091-98EA-0986AC28B02D}"/>
+          </ac:picMkLst>
+        </pc:picChg>
+      </pc:sldChg>
+      <pc:sldChg chg="delSp modAnim">
+        <pc:chgData name="Christel Maes" userId="7e61469a-7c21-464c-bace-a1bda262211a" providerId="ADAL" clId="{C0046CF2-79BA-4147-BC50-D10D8B2F6690}" dt="2020-09-10T15:24:41.738" v="0"/>
+        <pc:sldMkLst>
+          <pc:docMk/>
+          <pc:sldMk cId="1354684527" sldId="375"/>
+        </pc:sldMkLst>
+        <pc:picChg chg="del">
+          <ac:chgData name="Christel Maes" userId="7e61469a-7c21-464c-bace-a1bda262211a" providerId="ADAL" clId="{C0046CF2-79BA-4147-BC50-D10D8B2F6690}" dt="2020-09-10T15:24:41.738" v="0"/>
+          <ac:picMkLst>
+            <pc:docMk/>
+            <pc:sldMk cId="1354684527" sldId="375"/>
+            <ac:picMk id="7" creationId="{36E532EB-3415-478E-8E2D-66862A82A648}"/>
+          </ac:picMkLst>
+        </pc:picChg>
+      </pc:sldChg>
+      <pc:sldChg chg="delSp modAnim">
+        <pc:chgData name="Christel Maes" userId="7e61469a-7c21-464c-bace-a1bda262211a" providerId="ADAL" clId="{C0046CF2-79BA-4147-BC50-D10D8B2F6690}" dt="2020-09-10T15:24:41.738" v="0"/>
+        <pc:sldMkLst>
+          <pc:docMk/>
+          <pc:sldMk cId="340781194" sldId="376"/>
+        </pc:sldMkLst>
+        <pc:picChg chg="del">
+          <ac:chgData name="Christel Maes" userId="7e61469a-7c21-464c-bace-a1bda262211a" providerId="ADAL" clId="{C0046CF2-79BA-4147-BC50-D10D8B2F6690}" dt="2020-09-10T15:24:41.738" v="0"/>
+          <ac:picMkLst>
+            <pc:docMk/>
+            <pc:sldMk cId="340781194" sldId="376"/>
+            <ac:picMk id="5" creationId="{6AA395EF-A7D4-482F-BB0D-4D4C5A180FEA}"/>
+          </ac:picMkLst>
+        </pc:picChg>
+      </pc:sldChg>
+      <pc:sldChg chg="delSp modAnim">
+        <pc:chgData name="Christel Maes" userId="7e61469a-7c21-464c-bace-a1bda262211a" providerId="ADAL" clId="{C0046CF2-79BA-4147-BC50-D10D8B2F6690}" dt="2020-09-10T15:24:41.738" v="0"/>
+        <pc:sldMkLst>
+          <pc:docMk/>
+          <pc:sldMk cId="2150926861" sldId="377"/>
+        </pc:sldMkLst>
+        <pc:picChg chg="del">
+          <ac:chgData name="Christel Maes" userId="7e61469a-7c21-464c-bace-a1bda262211a" providerId="ADAL" clId="{C0046CF2-79BA-4147-BC50-D10D8B2F6690}" dt="2020-09-10T15:24:41.738" v="0"/>
+          <ac:picMkLst>
+            <pc:docMk/>
+            <pc:sldMk cId="2150926861" sldId="377"/>
+            <ac:picMk id="7" creationId="{7AC5FCD8-9BF0-4399-93CC-A6C97BADDF29}"/>
+          </ac:picMkLst>
+        </pc:picChg>
+      </pc:sldChg>
+      <pc:sldChg chg="delSp modAnim">
+        <pc:chgData name="Christel Maes" userId="7e61469a-7c21-464c-bace-a1bda262211a" providerId="ADAL" clId="{C0046CF2-79BA-4147-BC50-D10D8B2F6690}" dt="2020-09-10T15:24:41.738" v="0"/>
+        <pc:sldMkLst>
+          <pc:docMk/>
+          <pc:sldMk cId="804300739" sldId="378"/>
+        </pc:sldMkLst>
+        <pc:picChg chg="del">
+          <ac:chgData name="Christel Maes" userId="7e61469a-7c21-464c-bace-a1bda262211a" providerId="ADAL" clId="{C0046CF2-79BA-4147-BC50-D10D8B2F6690}" dt="2020-09-10T15:24:41.738" v="0"/>
+          <ac:picMkLst>
+            <pc:docMk/>
+            <pc:sldMk cId="804300739" sldId="378"/>
+            <ac:picMk id="8" creationId="{A0355866-F2A2-4604-B70B-C19287026EC0}"/>
+          </ac:picMkLst>
+        </pc:picChg>
+      </pc:sldChg>
+    </pc:docChg>
+  </pc:docChgLst>
+  <pc:docChgLst>
+    <pc:chgData name="Hans" userId="fdad893c-ea0f-4e18-a760-ac9a83339ccd" providerId="ADAL" clId="{6849084E-BD08-43B9-9CEA-2D8CA9B7DE6C}"/>
+    <pc:docChg chg="modSld">
+      <pc:chgData name="Hans" userId="fdad893c-ea0f-4e18-a760-ac9a83339ccd" providerId="ADAL" clId="{6849084E-BD08-43B9-9CEA-2D8CA9B7DE6C}" dt="2020-11-17T07:59:57.780" v="6" actId="20577"/>
+      <pc:docMkLst>
+        <pc:docMk/>
+      </pc:docMkLst>
+      <pc:sldChg chg="modSp mod">
+        <pc:chgData name="Hans" userId="fdad893c-ea0f-4e18-a760-ac9a83339ccd" providerId="ADAL" clId="{6849084E-BD08-43B9-9CEA-2D8CA9B7DE6C}" dt="2020-11-16T12:35:41.715" v="2" actId="1076"/>
+        <pc:sldMkLst>
+          <pc:docMk/>
+          <pc:sldMk cId="2078986262" sldId="360"/>
+        </pc:sldMkLst>
+        <pc:spChg chg="mod">
+          <ac:chgData name="Hans" userId="fdad893c-ea0f-4e18-a760-ac9a83339ccd" providerId="ADAL" clId="{6849084E-BD08-43B9-9CEA-2D8CA9B7DE6C}" dt="2020-11-16T12:35:41.715" v="2" actId="1076"/>
+          <ac:spMkLst>
+            <pc:docMk/>
+            <pc:sldMk cId="2078986262" sldId="360"/>
+            <ac:spMk id="3" creationId="{FCD7BF24-F199-4C47-B0A4-AE59F0EF4C05}"/>
+          </ac:spMkLst>
+        </pc:spChg>
+      </pc:sldChg>
+      <pc:sldChg chg="modSp mod">
+        <pc:chgData name="Hans" userId="fdad893c-ea0f-4e18-a760-ac9a83339ccd" providerId="ADAL" clId="{6849084E-BD08-43B9-9CEA-2D8CA9B7DE6C}" dt="2020-11-17T07:59:57.780" v="6" actId="20577"/>
+        <pc:sldMkLst>
+          <pc:docMk/>
+          <pc:sldMk cId="4087172891" sldId="364"/>
+        </pc:sldMkLst>
+        <pc:spChg chg="mod">
+          <ac:chgData name="Hans" userId="fdad893c-ea0f-4e18-a760-ac9a83339ccd" providerId="ADAL" clId="{6849084E-BD08-43B9-9CEA-2D8CA9B7DE6C}" dt="2020-11-17T07:59:57.780" v="6" actId="20577"/>
+          <ac:spMkLst>
+            <pc:docMk/>
+            <pc:sldMk cId="4087172891" sldId="364"/>
+            <ac:spMk id="8" creationId="{D7AE89B1-03DE-4C67-9369-1D57C1B47962}"/>
+          </ac:spMkLst>
+        </pc:spChg>
+      </pc:sldChg>
+      <pc:sldChg chg="modSp mod">
+        <pc:chgData name="Hans" userId="fdad893c-ea0f-4e18-a760-ac9a83339ccd" providerId="ADAL" clId="{6849084E-BD08-43B9-9CEA-2D8CA9B7DE6C}" dt="2020-11-16T12:22:21.103" v="1" actId="1076"/>
+        <pc:sldMkLst>
+          <pc:docMk/>
+          <pc:sldMk cId="804300739" sldId="378"/>
+        </pc:sldMkLst>
+        <pc:picChg chg="mod">
+          <ac:chgData name="Hans" userId="fdad893c-ea0f-4e18-a760-ac9a83339ccd" providerId="ADAL" clId="{6849084E-BD08-43B9-9CEA-2D8CA9B7DE6C}" dt="2020-11-16T12:22:21.103" v="1" actId="1076"/>
+          <ac:picMkLst>
+            <pc:docMk/>
+            <pc:sldMk cId="804300739" sldId="378"/>
+            <ac:picMk id="5" creationId="{4B617962-3938-4846-BCBD-C49F6F56A495}"/>
+          </ac:picMkLst>
+        </pc:picChg>
+      </pc:sldChg>
+    </pc:docChg>
+  </pc:docChgLst>
+  <pc:docChgLst>
+    <pc:chgData name="Kristine Mangelschots" userId="f3152f8f-1017-4733-9e76-33dd9c43a1dc" providerId="ADAL" clId="{C8D10A7B-B5FF-4C4B-BD1B-55D1DCE33860}"/>
+    <pc:docChg chg="custSel modSld">
+      <pc:chgData name="Kristine Mangelschots" userId="f3152f8f-1017-4733-9e76-33dd9c43a1dc" providerId="ADAL" clId="{C8D10A7B-B5FF-4C4B-BD1B-55D1DCE33860}" dt="2021-11-09T12:04:23.263" v="123" actId="20577"/>
+      <pc:docMkLst>
+        <pc:docMk/>
+      </pc:docMkLst>
+      <pc:sldChg chg="addSp delSp modSp mod">
+        <pc:chgData name="Kristine Mangelschots" userId="f3152f8f-1017-4733-9e76-33dd9c43a1dc" providerId="ADAL" clId="{C8D10A7B-B5FF-4C4B-BD1B-55D1DCE33860}" dt="2021-11-09T12:04:23.263" v="123" actId="20577"/>
+        <pc:sldMkLst>
+          <pc:docMk/>
+          <pc:sldMk cId="4087172891" sldId="364"/>
+        </pc:sldMkLst>
+        <pc:spChg chg="mod">
+          <ac:chgData name="Kristine Mangelschots" userId="f3152f8f-1017-4733-9e76-33dd9c43a1dc" providerId="ADAL" clId="{C8D10A7B-B5FF-4C4B-BD1B-55D1DCE33860}" dt="2021-11-09T12:04:23.263" v="123" actId="20577"/>
+          <ac:spMkLst>
+            <pc:docMk/>
+            <pc:sldMk cId="4087172891" sldId="364"/>
+            <ac:spMk id="6" creationId="{8E539330-C71C-4116-8991-347BD28F9011}"/>
+          </ac:spMkLst>
+        </pc:spChg>
+        <pc:spChg chg="mod">
+          <ac:chgData name="Kristine Mangelschots" userId="f3152f8f-1017-4733-9e76-33dd9c43a1dc" providerId="ADAL" clId="{C8D10A7B-B5FF-4C4B-BD1B-55D1DCE33860}" dt="2021-11-09T11:56:42.404" v="1"/>
+          <ac:spMkLst>
+            <pc:docMk/>
+            <pc:sldMk cId="4087172891" sldId="364"/>
+            <ac:spMk id="8" creationId="{D7AE89B1-03DE-4C67-9369-1D57C1B47962}"/>
+          </ac:spMkLst>
+        </pc:spChg>
+        <pc:picChg chg="add mod">
+          <ac:chgData name="Kristine Mangelschots" userId="f3152f8f-1017-4733-9e76-33dd9c43a1dc" providerId="ADAL" clId="{C8D10A7B-B5FF-4C4B-BD1B-55D1DCE33860}" dt="2021-11-09T12:04:13.828" v="121"/>
+          <ac:picMkLst>
+            <pc:docMk/>
+            <pc:sldMk cId="4087172891" sldId="364"/>
+            <ac:picMk id="7" creationId="{8C65DCED-8D04-459F-8295-F5D61A9AABFD}"/>
+          </ac:picMkLst>
+        </pc:picChg>
+        <pc:picChg chg="del">
+          <ac:chgData name="Kristine Mangelschots" userId="f3152f8f-1017-4733-9e76-33dd9c43a1dc" providerId="ADAL" clId="{C8D10A7B-B5FF-4C4B-BD1B-55D1DCE33860}" dt="2021-11-09T10:32:33.892" v="0" actId="478"/>
+          <ac:picMkLst>
+            <pc:docMk/>
+            <pc:sldMk cId="4087172891" sldId="364"/>
+            <ac:picMk id="9" creationId="{F7F756E9-C44A-4559-B829-274F1FCCCE31}"/>
+          </ac:picMkLst>
+        </pc:picChg>
+      </pc:sldChg>
+      <pc:sldChg chg="modSp mod">
+        <pc:chgData name="Kristine Mangelschots" userId="f3152f8f-1017-4733-9e76-33dd9c43a1dc" providerId="ADAL" clId="{C8D10A7B-B5FF-4C4B-BD1B-55D1DCE33860}" dt="2021-11-09T11:57:19.397" v="21" actId="20577"/>
+        <pc:sldMkLst>
+          <pc:docMk/>
+          <pc:sldMk cId="659764143" sldId="368"/>
+        </pc:sldMkLst>
+        <pc:spChg chg="mod">
+          <ac:chgData name="Kristine Mangelschots" userId="f3152f8f-1017-4733-9e76-33dd9c43a1dc" providerId="ADAL" clId="{C8D10A7B-B5FF-4C4B-BD1B-55D1DCE33860}" dt="2021-11-09T11:57:19.397" v="21" actId="20577"/>
+          <ac:spMkLst>
+            <pc:docMk/>
+            <pc:sldMk cId="659764143" sldId="368"/>
+            <ac:spMk id="9" creationId="{D1C65548-A048-48B4-91C5-0A3E532BB5B6}"/>
+          </ac:spMkLst>
+        </pc:spChg>
+      </pc:sldChg>
+      <pc:sldChg chg="modSp mod">
+        <pc:chgData name="Kristine Mangelschots" userId="f3152f8f-1017-4733-9e76-33dd9c43a1dc" providerId="ADAL" clId="{C8D10A7B-B5FF-4C4B-BD1B-55D1DCE33860}" dt="2021-11-09T11:58:08.613" v="53"/>
+        <pc:sldMkLst>
+          <pc:docMk/>
+          <pc:sldMk cId="436424704" sldId="369"/>
+        </pc:sldMkLst>
+        <pc:spChg chg="mod">
+          <ac:chgData name="Kristine Mangelschots" userId="f3152f8f-1017-4733-9e76-33dd9c43a1dc" providerId="ADAL" clId="{C8D10A7B-B5FF-4C4B-BD1B-55D1DCE33860}" dt="2021-11-09T11:58:08.613" v="53"/>
+          <ac:spMkLst>
+            <pc:docMk/>
+            <pc:sldMk cId="436424704" sldId="369"/>
+            <ac:spMk id="8" creationId="{2A434023-F9D8-4F5D-9ACA-ACCC81DF4564}"/>
+          </ac:spMkLst>
+        </pc:spChg>
+      </pc:sldChg>
+      <pc:sldChg chg="modSp mod">
+        <pc:chgData name="Kristine Mangelschots" userId="f3152f8f-1017-4733-9e76-33dd9c43a1dc" providerId="ADAL" clId="{C8D10A7B-B5FF-4C4B-BD1B-55D1DCE33860}" dt="2021-11-09T11:58:24.022" v="71"/>
+        <pc:sldMkLst>
+          <pc:docMk/>
+          <pc:sldMk cId="552227640" sldId="370"/>
+        </pc:sldMkLst>
+        <pc:spChg chg="mod">
+          <ac:chgData name="Kristine Mangelschots" userId="f3152f8f-1017-4733-9e76-33dd9c43a1dc" providerId="ADAL" clId="{C8D10A7B-B5FF-4C4B-BD1B-55D1DCE33860}" dt="2021-11-09T11:58:24.022" v="71"/>
+          <ac:spMkLst>
+            <pc:docMk/>
+            <pc:sldMk cId="552227640" sldId="370"/>
+            <ac:spMk id="7" creationId="{F8598C5D-4E15-41DD-BC10-B7D0C5C4D2FA}"/>
+          </ac:spMkLst>
+        </pc:spChg>
+      </pc:sldChg>
+      <pc:sldChg chg="modSp mod">
+        <pc:chgData name="Kristine Mangelschots" userId="f3152f8f-1017-4733-9e76-33dd9c43a1dc" providerId="ADAL" clId="{C8D10A7B-B5FF-4C4B-BD1B-55D1DCE33860}" dt="2021-11-09T12:01:01.041" v="120" actId="20577"/>
+        <pc:sldMkLst>
+          <pc:docMk/>
+          <pc:sldMk cId="815731102" sldId="373"/>
+        </pc:sldMkLst>
+        <pc:spChg chg="mod">
+          <ac:chgData name="Kristine Mangelschots" userId="f3152f8f-1017-4733-9e76-33dd9c43a1dc" providerId="ADAL" clId="{C8D10A7B-B5FF-4C4B-BD1B-55D1DCE33860}" dt="2021-11-09T11:59:07.330" v="106"/>
+          <ac:spMkLst>
+            <pc:docMk/>
+            <pc:sldMk cId="815731102" sldId="373"/>
+            <ac:spMk id="3" creationId="{DB55AEE4-D171-4D15-8F3A-5B25D83ED117}"/>
+          </ac:spMkLst>
+        </pc:spChg>
+        <pc:spChg chg="mod">
+          <ac:chgData name="Kristine Mangelschots" userId="f3152f8f-1017-4733-9e76-33dd9c43a1dc" providerId="ADAL" clId="{C8D10A7B-B5FF-4C4B-BD1B-55D1DCE33860}" dt="2021-11-09T12:01:01.041" v="120" actId="20577"/>
+          <ac:spMkLst>
+            <pc:docMk/>
+            <pc:sldMk cId="815731102" sldId="373"/>
+            <ac:spMk id="6" creationId="{B41F18BB-74B1-43D5-BAFD-4E8225C301FF}"/>
+          </ac:spMkLst>
+        </pc:spChg>
+      </pc:sldChg>
+      <pc:sldChg chg="modSp mod">
+        <pc:chgData name="Kristine Mangelschots" userId="f3152f8f-1017-4733-9e76-33dd9c43a1dc" providerId="ADAL" clId="{C8D10A7B-B5FF-4C4B-BD1B-55D1DCE33860}" dt="2021-11-09T11:58:45.840" v="103"/>
+        <pc:sldMkLst>
+          <pc:docMk/>
+          <pc:sldMk cId="2024552683" sldId="374"/>
+        </pc:sldMkLst>
+        <pc:spChg chg="mod">
+          <ac:chgData name="Kristine Mangelschots" userId="f3152f8f-1017-4733-9e76-33dd9c43a1dc" providerId="ADAL" clId="{C8D10A7B-B5FF-4C4B-BD1B-55D1DCE33860}" dt="2021-11-09T11:58:45.840" v="103"/>
+          <ac:spMkLst>
+            <pc:docMk/>
+            <pc:sldMk cId="2024552683" sldId="374"/>
+            <ac:spMk id="3" creationId="{E80EF7A4-B871-4F43-B867-59A23FE00999}"/>
+          </ac:spMkLst>
+        </pc:spChg>
+      </pc:sldChg>
+      <pc:sldChg chg="modSp mod">
+        <pc:chgData name="Kristine Mangelschots" userId="f3152f8f-1017-4733-9e76-33dd9c43a1dc" providerId="ADAL" clId="{C8D10A7B-B5FF-4C4B-BD1B-55D1DCE33860}" dt="2021-11-09T11:57:50.939" v="41"/>
+        <pc:sldMkLst>
+          <pc:docMk/>
+          <pc:sldMk cId="2150926861" sldId="377"/>
+        </pc:sldMkLst>
+        <pc:spChg chg="mod">
+          <ac:chgData name="Kristine Mangelschots" userId="f3152f8f-1017-4733-9e76-33dd9c43a1dc" providerId="ADAL" clId="{C8D10A7B-B5FF-4C4B-BD1B-55D1DCE33860}" dt="2021-11-09T11:57:50.939" v="41"/>
+          <ac:spMkLst>
+            <pc:docMk/>
+            <pc:sldMk cId="2150926861" sldId="377"/>
+            <ac:spMk id="6" creationId="{4A6AEF0A-6D86-4F62-8F9F-75AEB4FD6FA8}"/>
           </ac:spMkLst>
         </pc:spChg>
       </pc:sldChg>
@@ -2377,551 +2923,6 @@
       </pc:sldChg>
     </pc:docChg>
   </pc:docChgLst>
-  <pc:docChgLst>
-    <pc:chgData name="Tinne Van Echelpoel" userId="46798032-b7e2-4f2e-95a1-1606ec8c5d9a" providerId="ADAL" clId="{85638B25-DFBB-4D8B-B581-8046C837F546}"/>
-    <pc:docChg chg="custSel modSld">
-      <pc:chgData name="Tinne Van Echelpoel" userId="46798032-b7e2-4f2e-95a1-1606ec8c5d9a" providerId="ADAL" clId="{85638B25-DFBB-4D8B-B581-8046C837F546}" dt="2020-06-29T09:07:41.848" v="46" actId="313"/>
-      <pc:docMkLst>
-        <pc:docMk/>
-      </pc:docMkLst>
-      <pc:sldChg chg="modSp mod">
-        <pc:chgData name="Tinne Van Echelpoel" userId="46798032-b7e2-4f2e-95a1-1606ec8c5d9a" providerId="ADAL" clId="{85638B25-DFBB-4D8B-B581-8046C837F546}" dt="2020-06-29T08:44:08.272" v="13" actId="20577"/>
-        <pc:sldMkLst>
-          <pc:docMk/>
-          <pc:sldMk cId="2718411288" sldId="257"/>
-        </pc:sldMkLst>
-        <pc:spChg chg="mod">
-          <ac:chgData name="Tinne Van Echelpoel" userId="46798032-b7e2-4f2e-95a1-1606ec8c5d9a" providerId="ADAL" clId="{85638B25-DFBB-4D8B-B581-8046C837F546}" dt="2020-06-29T08:44:08.272" v="13" actId="20577"/>
-          <ac:spMkLst>
-            <pc:docMk/>
-            <pc:sldMk cId="2718411288" sldId="257"/>
-            <ac:spMk id="3" creationId="{00000000-0000-0000-0000-000000000000}"/>
-          </ac:spMkLst>
-        </pc:spChg>
-      </pc:sldChg>
-      <pc:sldChg chg="modSp mod">
-        <pc:chgData name="Tinne Van Echelpoel" userId="46798032-b7e2-4f2e-95a1-1606ec8c5d9a" providerId="ADAL" clId="{85638B25-DFBB-4D8B-B581-8046C837F546}" dt="2020-06-29T08:45:46.982" v="14" actId="790"/>
-        <pc:sldMkLst>
-          <pc:docMk/>
-          <pc:sldMk cId="1020751144" sldId="322"/>
-        </pc:sldMkLst>
-        <pc:spChg chg="mod">
-          <ac:chgData name="Tinne Van Echelpoel" userId="46798032-b7e2-4f2e-95a1-1606ec8c5d9a" providerId="ADAL" clId="{85638B25-DFBB-4D8B-B581-8046C837F546}" dt="2020-06-29T08:45:46.982" v="14" actId="790"/>
-          <ac:spMkLst>
-            <pc:docMk/>
-            <pc:sldMk cId="1020751144" sldId="322"/>
-            <ac:spMk id="3" creationId="{0A965233-77D1-4EA6-96A3-BB14281D64E4}"/>
-          </ac:spMkLst>
-        </pc:spChg>
-      </pc:sldChg>
-      <pc:sldChg chg="modSp mod">
-        <pc:chgData name="Tinne Van Echelpoel" userId="46798032-b7e2-4f2e-95a1-1606ec8c5d9a" providerId="ADAL" clId="{85638B25-DFBB-4D8B-B581-8046C837F546}" dt="2020-06-29T08:50:29.904" v="20" actId="2"/>
-        <pc:sldMkLst>
-          <pc:docMk/>
-          <pc:sldMk cId="2942096100" sldId="349"/>
-        </pc:sldMkLst>
-        <pc:spChg chg="mod">
-          <ac:chgData name="Tinne Van Echelpoel" userId="46798032-b7e2-4f2e-95a1-1606ec8c5d9a" providerId="ADAL" clId="{85638B25-DFBB-4D8B-B581-8046C837F546}" dt="2020-06-29T08:50:25.387" v="19" actId="790"/>
-          <ac:spMkLst>
-            <pc:docMk/>
-            <pc:sldMk cId="2942096100" sldId="349"/>
-            <ac:spMk id="3" creationId="{F22FE559-43D9-43EB-AED3-695767A9A4F0}"/>
-          </ac:spMkLst>
-        </pc:spChg>
-        <pc:spChg chg="mod">
-          <ac:chgData name="Tinne Van Echelpoel" userId="46798032-b7e2-4f2e-95a1-1606ec8c5d9a" providerId="ADAL" clId="{85638B25-DFBB-4D8B-B581-8046C837F546}" dt="2020-06-29T08:50:29.904" v="20" actId="2"/>
-          <ac:spMkLst>
-            <pc:docMk/>
-            <pc:sldMk cId="2942096100" sldId="349"/>
-            <ac:spMk id="5" creationId="{2AFBCDEC-9FAD-47D5-8AF1-81FE6CAAF281}"/>
-          </ac:spMkLst>
-        </pc:spChg>
-      </pc:sldChg>
-      <pc:sldChg chg="modSp mod">
-        <pc:chgData name="Tinne Van Echelpoel" userId="46798032-b7e2-4f2e-95a1-1606ec8c5d9a" providerId="ADAL" clId="{85638B25-DFBB-4D8B-B581-8046C837F546}" dt="2020-06-29T08:47:33.890" v="18" actId="2"/>
-        <pc:sldMkLst>
-          <pc:docMk/>
-          <pc:sldMk cId="1341913783" sldId="350"/>
-        </pc:sldMkLst>
-        <pc:spChg chg="mod">
-          <ac:chgData name="Tinne Van Echelpoel" userId="46798032-b7e2-4f2e-95a1-1606ec8c5d9a" providerId="ADAL" clId="{85638B25-DFBB-4D8B-B581-8046C837F546}" dt="2020-06-29T08:47:33.890" v="18" actId="2"/>
-          <ac:spMkLst>
-            <pc:docMk/>
-            <pc:sldMk cId="1341913783" sldId="350"/>
-            <ac:spMk id="8" creationId="{BF570EBB-A13C-4264-810D-CAAF9AACAF2D}"/>
-          </ac:spMkLst>
-        </pc:spChg>
-      </pc:sldChg>
-      <pc:sldChg chg="modSp mod">
-        <pc:chgData name="Tinne Van Echelpoel" userId="46798032-b7e2-4f2e-95a1-1606ec8c5d9a" providerId="ADAL" clId="{85638B25-DFBB-4D8B-B581-8046C837F546}" dt="2020-06-29T08:46:16.443" v="16" actId="790"/>
-        <pc:sldMkLst>
-          <pc:docMk/>
-          <pc:sldMk cId="1460965616" sldId="352"/>
-        </pc:sldMkLst>
-        <pc:spChg chg="mod">
-          <ac:chgData name="Tinne Van Echelpoel" userId="46798032-b7e2-4f2e-95a1-1606ec8c5d9a" providerId="ADAL" clId="{85638B25-DFBB-4D8B-B581-8046C837F546}" dt="2020-06-29T08:46:03.662" v="15" actId="790"/>
-          <ac:spMkLst>
-            <pc:docMk/>
-            <pc:sldMk cId="1460965616" sldId="352"/>
-            <ac:spMk id="7" creationId="{00000000-0000-0000-0000-000000000000}"/>
-          </ac:spMkLst>
-        </pc:spChg>
-        <pc:spChg chg="mod">
-          <ac:chgData name="Tinne Van Echelpoel" userId="46798032-b7e2-4f2e-95a1-1606ec8c5d9a" providerId="ADAL" clId="{85638B25-DFBB-4D8B-B581-8046C837F546}" dt="2020-06-29T08:46:16.443" v="16" actId="790"/>
-          <ac:spMkLst>
-            <pc:docMk/>
-            <pc:sldMk cId="1460965616" sldId="352"/>
-            <ac:spMk id="8" creationId="{00000000-0000-0000-0000-000000000000}"/>
-          </ac:spMkLst>
-        </pc:spChg>
-      </pc:sldChg>
-      <pc:sldChg chg="modSp mod">
-        <pc:chgData name="Tinne Van Echelpoel" userId="46798032-b7e2-4f2e-95a1-1606ec8c5d9a" providerId="ADAL" clId="{85638B25-DFBB-4D8B-B581-8046C837F546}" dt="2020-06-29T08:46:45.200" v="17" actId="790"/>
-        <pc:sldMkLst>
-          <pc:docMk/>
-          <pc:sldMk cId="3741566498" sldId="353"/>
-        </pc:sldMkLst>
-        <pc:spChg chg="mod">
-          <ac:chgData name="Tinne Van Echelpoel" userId="46798032-b7e2-4f2e-95a1-1606ec8c5d9a" providerId="ADAL" clId="{85638B25-DFBB-4D8B-B581-8046C837F546}" dt="2020-06-29T08:46:45.200" v="17" actId="790"/>
-          <ac:spMkLst>
-            <pc:docMk/>
-            <pc:sldMk cId="3741566498" sldId="353"/>
-            <ac:spMk id="3" creationId="{FAE2592B-87C9-40A3-A119-C1E68C024237}"/>
-          </ac:spMkLst>
-        </pc:spChg>
-      </pc:sldChg>
-      <pc:sldChg chg="modSp mod">
-        <pc:chgData name="Tinne Van Echelpoel" userId="46798032-b7e2-4f2e-95a1-1606ec8c5d9a" providerId="ADAL" clId="{85638B25-DFBB-4D8B-B581-8046C837F546}" dt="2020-06-29T08:51:17.641" v="22" actId="790"/>
-        <pc:sldMkLst>
-          <pc:docMk/>
-          <pc:sldMk cId="654147409" sldId="355"/>
-        </pc:sldMkLst>
-        <pc:spChg chg="mod">
-          <ac:chgData name="Tinne Van Echelpoel" userId="46798032-b7e2-4f2e-95a1-1606ec8c5d9a" providerId="ADAL" clId="{85638B25-DFBB-4D8B-B581-8046C837F546}" dt="2020-06-29T08:51:12.254" v="21" actId="790"/>
-          <ac:spMkLst>
-            <pc:docMk/>
-            <pc:sldMk cId="654147409" sldId="355"/>
-            <ac:spMk id="2" creationId="{1BE23161-B269-48C0-A7A4-6FBF20B252AB}"/>
-          </ac:spMkLst>
-        </pc:spChg>
-        <pc:spChg chg="mod">
-          <ac:chgData name="Tinne Van Echelpoel" userId="46798032-b7e2-4f2e-95a1-1606ec8c5d9a" providerId="ADAL" clId="{85638B25-DFBB-4D8B-B581-8046C837F546}" dt="2020-06-29T08:51:17.641" v="22" actId="790"/>
-          <ac:spMkLst>
-            <pc:docMk/>
-            <pc:sldMk cId="654147409" sldId="355"/>
-            <ac:spMk id="3" creationId="{DA1A3571-81DB-4ABF-AB51-1046AD15B7E0}"/>
-          </ac:spMkLst>
-        </pc:spChg>
-      </pc:sldChg>
-      <pc:sldChg chg="modSp mod">
-        <pc:chgData name="Tinne Van Echelpoel" userId="46798032-b7e2-4f2e-95a1-1606ec8c5d9a" providerId="ADAL" clId="{85638B25-DFBB-4D8B-B581-8046C837F546}" dt="2020-06-29T08:52:27.189" v="27" actId="313"/>
-        <pc:sldMkLst>
-          <pc:docMk/>
-          <pc:sldMk cId="2119489521" sldId="356"/>
-        </pc:sldMkLst>
-        <pc:spChg chg="mod">
-          <ac:chgData name="Tinne Van Echelpoel" userId="46798032-b7e2-4f2e-95a1-1606ec8c5d9a" providerId="ADAL" clId="{85638B25-DFBB-4D8B-B581-8046C837F546}" dt="2020-06-29T08:52:27.189" v="27" actId="313"/>
-          <ac:spMkLst>
-            <pc:docMk/>
-            <pc:sldMk cId="2119489521" sldId="356"/>
-            <ac:spMk id="3" creationId="{539C8B79-71E8-47E6-8D58-2078DDC8C402}"/>
-          </ac:spMkLst>
-        </pc:spChg>
-      </pc:sldChg>
-      <pc:sldChg chg="modSp mod">
-        <pc:chgData name="Tinne Van Echelpoel" userId="46798032-b7e2-4f2e-95a1-1606ec8c5d9a" providerId="ADAL" clId="{85638B25-DFBB-4D8B-B581-8046C837F546}" dt="2020-06-29T08:52:46.411" v="29" actId="790"/>
-        <pc:sldMkLst>
-          <pc:docMk/>
-          <pc:sldMk cId="3214660597" sldId="357"/>
-        </pc:sldMkLst>
-        <pc:spChg chg="mod">
-          <ac:chgData name="Tinne Van Echelpoel" userId="46798032-b7e2-4f2e-95a1-1606ec8c5d9a" providerId="ADAL" clId="{85638B25-DFBB-4D8B-B581-8046C837F546}" dt="2020-06-29T08:52:40.820" v="28" actId="790"/>
-          <ac:spMkLst>
-            <pc:docMk/>
-            <pc:sldMk cId="3214660597" sldId="357"/>
-            <ac:spMk id="2" creationId="{8EF09593-93BF-4530-AA96-4310B2A275BE}"/>
-          </ac:spMkLst>
-        </pc:spChg>
-        <pc:spChg chg="mod">
-          <ac:chgData name="Tinne Van Echelpoel" userId="46798032-b7e2-4f2e-95a1-1606ec8c5d9a" providerId="ADAL" clId="{85638B25-DFBB-4D8B-B581-8046C837F546}" dt="2020-06-29T08:52:46.411" v="29" actId="790"/>
-          <ac:spMkLst>
-            <pc:docMk/>
-            <pc:sldMk cId="3214660597" sldId="357"/>
-            <ac:spMk id="3" creationId="{45438ECC-9FA8-4971-A93B-E3C32B977389}"/>
-          </ac:spMkLst>
-        </pc:spChg>
-      </pc:sldChg>
-      <pc:sldChg chg="modSp mod">
-        <pc:chgData name="Tinne Van Echelpoel" userId="46798032-b7e2-4f2e-95a1-1606ec8c5d9a" providerId="ADAL" clId="{85638B25-DFBB-4D8B-B581-8046C837F546}" dt="2020-06-29T09:00:06.822" v="32" actId="790"/>
-        <pc:sldMkLst>
-          <pc:docMk/>
-          <pc:sldMk cId="1758195666" sldId="359"/>
-        </pc:sldMkLst>
-        <pc:spChg chg="mod">
-          <ac:chgData name="Tinne Van Echelpoel" userId="46798032-b7e2-4f2e-95a1-1606ec8c5d9a" providerId="ADAL" clId="{85638B25-DFBB-4D8B-B581-8046C837F546}" dt="2020-06-29T08:59:45.247" v="30" actId="790"/>
-          <ac:spMkLst>
-            <pc:docMk/>
-            <pc:sldMk cId="1758195666" sldId="359"/>
-            <ac:spMk id="2" creationId="{85DFD45C-3204-4261-B26D-ED93B0B17218}"/>
-          </ac:spMkLst>
-        </pc:spChg>
-        <pc:spChg chg="mod">
-          <ac:chgData name="Tinne Van Echelpoel" userId="46798032-b7e2-4f2e-95a1-1606ec8c5d9a" providerId="ADAL" clId="{85638B25-DFBB-4D8B-B581-8046C837F546}" dt="2020-06-29T08:59:56.161" v="31" actId="790"/>
-          <ac:spMkLst>
-            <pc:docMk/>
-            <pc:sldMk cId="1758195666" sldId="359"/>
-            <ac:spMk id="3" creationId="{36412212-AAA0-41C4-9782-32CA6383744F}"/>
-          </ac:spMkLst>
-        </pc:spChg>
-        <pc:spChg chg="mod">
-          <ac:chgData name="Tinne Van Echelpoel" userId="46798032-b7e2-4f2e-95a1-1606ec8c5d9a" providerId="ADAL" clId="{85638B25-DFBB-4D8B-B581-8046C837F546}" dt="2020-06-29T09:00:06.822" v="32" actId="790"/>
-          <ac:spMkLst>
-            <pc:docMk/>
-            <pc:sldMk cId="1758195666" sldId="359"/>
-            <ac:spMk id="11" creationId="{B6178E6C-68B1-476D-A7ED-3936C31333C0}"/>
-          </ac:spMkLst>
-        </pc:spChg>
-      </pc:sldChg>
-      <pc:sldChg chg="delSp mod delAnim">
-        <pc:chgData name="Tinne Van Echelpoel" userId="46798032-b7e2-4f2e-95a1-1606ec8c5d9a" providerId="ADAL" clId="{85638B25-DFBB-4D8B-B581-8046C837F546}" dt="2020-06-29T09:05:47.372" v="40" actId="478"/>
-        <pc:sldMkLst>
-          <pc:docMk/>
-          <pc:sldMk cId="2869836509" sldId="361"/>
-        </pc:sldMkLst>
-        <pc:spChg chg="del">
-          <ac:chgData name="Tinne Van Echelpoel" userId="46798032-b7e2-4f2e-95a1-1606ec8c5d9a" providerId="ADAL" clId="{85638B25-DFBB-4D8B-B581-8046C837F546}" dt="2020-06-29T09:05:47.372" v="40" actId="478"/>
-          <ac:spMkLst>
-            <pc:docMk/>
-            <pc:sldMk cId="2869836509" sldId="361"/>
-            <ac:spMk id="13" creationId="{2BAC04CE-33DC-45A0-B0CE-2DEC0932C55D}"/>
-          </ac:spMkLst>
-        </pc:spChg>
-      </pc:sldChg>
-      <pc:sldChg chg="modSp mod">
-        <pc:chgData name="Tinne Van Echelpoel" userId="46798032-b7e2-4f2e-95a1-1606ec8c5d9a" providerId="ADAL" clId="{85638B25-DFBB-4D8B-B581-8046C837F546}" dt="2020-06-29T09:06:20.410" v="42" actId="6549"/>
-        <pc:sldMkLst>
-          <pc:docMk/>
-          <pc:sldMk cId="3147974396" sldId="363"/>
-        </pc:sldMkLst>
-        <pc:spChg chg="mod">
-          <ac:chgData name="Tinne Van Echelpoel" userId="46798032-b7e2-4f2e-95a1-1606ec8c5d9a" providerId="ADAL" clId="{85638B25-DFBB-4D8B-B581-8046C837F546}" dt="2020-06-29T09:06:20.410" v="42" actId="6549"/>
-          <ac:spMkLst>
-            <pc:docMk/>
-            <pc:sldMk cId="3147974396" sldId="363"/>
-            <ac:spMk id="3" creationId="{A334AD86-E6A1-4533-BE34-97BF04024E7C}"/>
-          </ac:spMkLst>
-        </pc:spChg>
-      </pc:sldChg>
-      <pc:sldChg chg="modSp mod">
-        <pc:chgData name="Tinne Van Echelpoel" userId="46798032-b7e2-4f2e-95a1-1606ec8c5d9a" providerId="ADAL" clId="{85638B25-DFBB-4D8B-B581-8046C837F546}" dt="2020-06-29T09:07:41.848" v="46" actId="313"/>
-        <pc:sldMkLst>
-          <pc:docMk/>
-          <pc:sldMk cId="856782047" sldId="366"/>
-        </pc:sldMkLst>
-        <pc:spChg chg="mod">
-          <ac:chgData name="Tinne Van Echelpoel" userId="46798032-b7e2-4f2e-95a1-1606ec8c5d9a" providerId="ADAL" clId="{85638B25-DFBB-4D8B-B581-8046C837F546}" dt="2020-06-29T09:07:41.848" v="46" actId="313"/>
-          <ac:spMkLst>
-            <pc:docMk/>
-            <pc:sldMk cId="856782047" sldId="366"/>
-            <ac:spMk id="11" creationId="{7FD46D23-C663-40A1-93D4-6807B16A3FB2}"/>
-          </ac:spMkLst>
-        </pc:spChg>
-      </pc:sldChg>
-      <pc:sldChg chg="modSp mod">
-        <pc:chgData name="Tinne Van Echelpoel" userId="46798032-b7e2-4f2e-95a1-1606ec8c5d9a" providerId="ADAL" clId="{85638B25-DFBB-4D8B-B581-8046C837F546}" dt="2020-06-29T09:02:24.322" v="37" actId="790"/>
-        <pc:sldMkLst>
-          <pc:docMk/>
-          <pc:sldMk cId="1354684527" sldId="375"/>
-        </pc:sldMkLst>
-        <pc:spChg chg="mod">
-          <ac:chgData name="Tinne Van Echelpoel" userId="46798032-b7e2-4f2e-95a1-1606ec8c5d9a" providerId="ADAL" clId="{85638B25-DFBB-4D8B-B581-8046C837F546}" dt="2020-06-29T09:02:18.647" v="36" actId="790"/>
-          <ac:spMkLst>
-            <pc:docMk/>
-            <pc:sldMk cId="1354684527" sldId="375"/>
-            <ac:spMk id="2" creationId="{85DFD45C-3204-4261-B26D-ED93B0B17218}"/>
-          </ac:spMkLst>
-        </pc:spChg>
-        <pc:spChg chg="mod">
-          <ac:chgData name="Tinne Van Echelpoel" userId="46798032-b7e2-4f2e-95a1-1606ec8c5d9a" providerId="ADAL" clId="{85638B25-DFBB-4D8B-B581-8046C837F546}" dt="2020-06-29T09:02:24.322" v="37" actId="790"/>
-          <ac:spMkLst>
-            <pc:docMk/>
-            <pc:sldMk cId="1354684527" sldId="375"/>
-            <ac:spMk id="3" creationId="{36412212-AAA0-41C4-9782-32CA6383744F}"/>
-          </ac:spMkLst>
-        </pc:spChg>
-      </pc:sldChg>
-      <pc:sldChg chg="modSp mod">
-        <pc:chgData name="Tinne Van Echelpoel" userId="46798032-b7e2-4f2e-95a1-1606ec8c5d9a" providerId="ADAL" clId="{85638B25-DFBB-4D8B-B581-8046C837F546}" dt="2020-06-29T09:04:34.679" v="39"/>
-        <pc:sldMkLst>
-          <pc:docMk/>
-          <pc:sldMk cId="340781194" sldId="376"/>
-        </pc:sldMkLst>
-        <pc:spChg chg="mod">
-          <ac:chgData name="Tinne Van Echelpoel" userId="46798032-b7e2-4f2e-95a1-1606ec8c5d9a" providerId="ADAL" clId="{85638B25-DFBB-4D8B-B581-8046C837F546}" dt="2020-06-29T09:04:34.679" v="39"/>
-          <ac:spMkLst>
-            <pc:docMk/>
-            <pc:sldMk cId="340781194" sldId="376"/>
-            <ac:spMk id="3" creationId="{839BF41D-2073-4B47-B4C0-F16E68CB62D3}"/>
-          </ac:spMkLst>
-        </pc:spChg>
-      </pc:sldChg>
-      <pc:sldChg chg="modSp mod">
-        <pc:chgData name="Tinne Van Echelpoel" userId="46798032-b7e2-4f2e-95a1-1606ec8c5d9a" providerId="ADAL" clId="{85638B25-DFBB-4D8B-B581-8046C837F546}" dt="2020-06-29T09:01:25.560" v="35" actId="2"/>
-        <pc:sldMkLst>
-          <pc:docMk/>
-          <pc:sldMk cId="804300739" sldId="378"/>
-        </pc:sldMkLst>
-        <pc:spChg chg="mod">
-          <ac:chgData name="Tinne Van Echelpoel" userId="46798032-b7e2-4f2e-95a1-1606ec8c5d9a" providerId="ADAL" clId="{85638B25-DFBB-4D8B-B581-8046C837F546}" dt="2020-06-29T09:01:08.778" v="33" actId="790"/>
-          <ac:spMkLst>
-            <pc:docMk/>
-            <pc:sldMk cId="804300739" sldId="378"/>
-            <ac:spMk id="2" creationId="{85DFD45C-3204-4261-B26D-ED93B0B17218}"/>
-          </ac:spMkLst>
-        </pc:spChg>
-        <pc:spChg chg="mod">
-          <ac:chgData name="Tinne Van Echelpoel" userId="46798032-b7e2-4f2e-95a1-1606ec8c5d9a" providerId="ADAL" clId="{85638B25-DFBB-4D8B-B581-8046C837F546}" dt="2020-06-29T09:01:14.964" v="34" actId="790"/>
-          <ac:spMkLst>
-            <pc:docMk/>
-            <pc:sldMk cId="804300739" sldId="378"/>
-            <ac:spMk id="3" creationId="{36412212-AAA0-41C4-9782-32CA6383744F}"/>
-          </ac:spMkLst>
-        </pc:spChg>
-        <pc:spChg chg="mod">
-          <ac:chgData name="Tinne Van Echelpoel" userId="46798032-b7e2-4f2e-95a1-1606ec8c5d9a" providerId="ADAL" clId="{85638B25-DFBB-4D8B-B581-8046C837F546}" dt="2020-06-29T09:01:25.560" v="35" actId="2"/>
-          <ac:spMkLst>
-            <pc:docMk/>
-            <pc:sldMk cId="804300739" sldId="378"/>
-            <ac:spMk id="6" creationId="{0BA62AE8-3198-4627-BFA8-61D210562A65}"/>
-          </ac:spMkLst>
-        </pc:spChg>
-      </pc:sldChg>
-    </pc:docChg>
-  </pc:docChgLst>
-  <pc:docChgLst>
-    <pc:chgData name="Dirk Mervis" userId="197c8981-22eb-4dca-b603-0aa0f7d3451e" providerId="ADAL" clId="{B7D45EDD-5A4F-49E4-AC96-3D6355630763}"/>
-    <pc:docChg chg="undo custSel modSld">
-      <pc:chgData name="Dirk Mervis" userId="197c8981-22eb-4dca-b603-0aa0f7d3451e" providerId="ADAL" clId="{B7D45EDD-5A4F-49E4-AC96-3D6355630763}" dt="2020-12-18T10:11:19.888" v="20" actId="20577"/>
-      <pc:docMkLst>
-        <pc:docMk/>
-      </pc:docMkLst>
-      <pc:sldChg chg="modSp">
-        <pc:chgData name="Dirk Mervis" userId="197c8981-22eb-4dca-b603-0aa0f7d3451e" providerId="ADAL" clId="{B7D45EDD-5A4F-49E4-AC96-3D6355630763}" dt="2020-12-18T09:44:30.427" v="1" actId="1076"/>
-        <pc:sldMkLst>
-          <pc:docMk/>
-          <pc:sldMk cId="1341913783" sldId="350"/>
-        </pc:sldMkLst>
-        <pc:spChg chg="mod">
-          <ac:chgData name="Dirk Mervis" userId="197c8981-22eb-4dca-b603-0aa0f7d3451e" providerId="ADAL" clId="{B7D45EDD-5A4F-49E4-AC96-3D6355630763}" dt="2020-12-18T09:44:30.427" v="1" actId="1076"/>
-          <ac:spMkLst>
-            <pc:docMk/>
-            <pc:sldMk cId="1341913783" sldId="350"/>
-            <ac:spMk id="8" creationId="{BF570EBB-A13C-4264-810D-CAAF9AACAF2D}"/>
-          </ac:spMkLst>
-        </pc:spChg>
-      </pc:sldChg>
-      <pc:sldChg chg="modSp">
-        <pc:chgData name="Dirk Mervis" userId="197c8981-22eb-4dca-b603-0aa0f7d3451e" providerId="ADAL" clId="{B7D45EDD-5A4F-49E4-AC96-3D6355630763}" dt="2020-12-18T09:45:04.021" v="3" actId="1076"/>
-        <pc:sldMkLst>
-          <pc:docMk/>
-          <pc:sldMk cId="3214660597" sldId="357"/>
-        </pc:sldMkLst>
-        <pc:spChg chg="mod">
-          <ac:chgData name="Dirk Mervis" userId="197c8981-22eb-4dca-b603-0aa0f7d3451e" providerId="ADAL" clId="{B7D45EDD-5A4F-49E4-AC96-3D6355630763}" dt="2020-12-18T09:45:04.021" v="3" actId="1076"/>
-          <ac:spMkLst>
-            <pc:docMk/>
-            <pc:sldMk cId="3214660597" sldId="357"/>
-            <ac:spMk id="5" creationId="{62BD315B-1427-487A-9FBA-F0219E634FBB}"/>
-          </ac:spMkLst>
-        </pc:spChg>
-      </pc:sldChg>
-      <pc:sldChg chg="modSp mod">
-        <pc:chgData name="Dirk Mervis" userId="197c8981-22eb-4dca-b603-0aa0f7d3451e" providerId="ADAL" clId="{B7D45EDD-5A4F-49E4-AC96-3D6355630763}" dt="2020-12-18T09:50:18.352" v="5" actId="6549"/>
-        <pc:sldMkLst>
-          <pc:docMk/>
-          <pc:sldMk cId="1758195666" sldId="359"/>
-        </pc:sldMkLst>
-        <pc:spChg chg="mod">
-          <ac:chgData name="Dirk Mervis" userId="197c8981-22eb-4dca-b603-0aa0f7d3451e" providerId="ADAL" clId="{B7D45EDD-5A4F-49E4-AC96-3D6355630763}" dt="2020-12-18T09:50:18.352" v="5" actId="6549"/>
-          <ac:spMkLst>
-            <pc:docMk/>
-            <pc:sldMk cId="1758195666" sldId="359"/>
-            <ac:spMk id="11" creationId="{B6178E6C-68B1-476D-A7ED-3936C31333C0}"/>
-          </ac:spMkLst>
-        </pc:spChg>
-      </pc:sldChg>
-      <pc:sldChg chg="modSp mod">
-        <pc:chgData name="Dirk Mervis" userId="197c8981-22eb-4dca-b603-0aa0f7d3451e" providerId="ADAL" clId="{B7D45EDD-5A4F-49E4-AC96-3D6355630763}" dt="2020-12-18T10:11:19.888" v="20" actId="20577"/>
-        <pc:sldMkLst>
-          <pc:docMk/>
-          <pc:sldMk cId="340781194" sldId="376"/>
-        </pc:sldMkLst>
-        <pc:spChg chg="mod">
-          <ac:chgData name="Dirk Mervis" userId="197c8981-22eb-4dca-b603-0aa0f7d3451e" providerId="ADAL" clId="{B7D45EDD-5A4F-49E4-AC96-3D6355630763}" dt="2020-12-18T10:11:19.888" v="20" actId="20577"/>
-          <ac:spMkLst>
-            <pc:docMk/>
-            <pc:sldMk cId="340781194" sldId="376"/>
-            <ac:spMk id="3" creationId="{839BF41D-2073-4B47-B4C0-F16E68CB62D3}"/>
-          </ac:spMkLst>
-        </pc:spChg>
-      </pc:sldChg>
-    </pc:docChg>
-  </pc:docChgLst>
-  <pc:docChgLst>
-    <pc:chgData name="Kristine Mangelschots" userId="f3152f8f-1017-4733-9e76-33dd9c43a1dc" providerId="ADAL" clId="{C8D10A7B-B5FF-4C4B-BD1B-55D1DCE33860}"/>
-    <pc:docChg chg="custSel modSld">
-      <pc:chgData name="Kristine Mangelschots" userId="f3152f8f-1017-4733-9e76-33dd9c43a1dc" providerId="ADAL" clId="{C8D10A7B-B5FF-4C4B-BD1B-55D1DCE33860}" dt="2021-11-09T12:04:23.263" v="123" actId="20577"/>
-      <pc:docMkLst>
-        <pc:docMk/>
-      </pc:docMkLst>
-      <pc:sldChg chg="addSp delSp modSp mod">
-        <pc:chgData name="Kristine Mangelschots" userId="f3152f8f-1017-4733-9e76-33dd9c43a1dc" providerId="ADAL" clId="{C8D10A7B-B5FF-4C4B-BD1B-55D1DCE33860}" dt="2021-11-09T12:04:23.263" v="123" actId="20577"/>
-        <pc:sldMkLst>
-          <pc:docMk/>
-          <pc:sldMk cId="4087172891" sldId="364"/>
-        </pc:sldMkLst>
-        <pc:spChg chg="mod">
-          <ac:chgData name="Kristine Mangelschots" userId="f3152f8f-1017-4733-9e76-33dd9c43a1dc" providerId="ADAL" clId="{C8D10A7B-B5FF-4C4B-BD1B-55D1DCE33860}" dt="2021-11-09T12:04:23.263" v="123" actId="20577"/>
-          <ac:spMkLst>
-            <pc:docMk/>
-            <pc:sldMk cId="4087172891" sldId="364"/>
-            <ac:spMk id="6" creationId="{8E539330-C71C-4116-8991-347BD28F9011}"/>
-          </ac:spMkLst>
-        </pc:spChg>
-        <pc:spChg chg="mod">
-          <ac:chgData name="Kristine Mangelschots" userId="f3152f8f-1017-4733-9e76-33dd9c43a1dc" providerId="ADAL" clId="{C8D10A7B-B5FF-4C4B-BD1B-55D1DCE33860}" dt="2021-11-09T11:56:42.404" v="1"/>
-          <ac:spMkLst>
-            <pc:docMk/>
-            <pc:sldMk cId="4087172891" sldId="364"/>
-            <ac:spMk id="8" creationId="{D7AE89B1-03DE-4C67-9369-1D57C1B47962}"/>
-          </ac:spMkLst>
-        </pc:spChg>
-        <pc:picChg chg="add mod">
-          <ac:chgData name="Kristine Mangelschots" userId="f3152f8f-1017-4733-9e76-33dd9c43a1dc" providerId="ADAL" clId="{C8D10A7B-B5FF-4C4B-BD1B-55D1DCE33860}" dt="2021-11-09T12:04:13.828" v="121"/>
-          <ac:picMkLst>
-            <pc:docMk/>
-            <pc:sldMk cId="4087172891" sldId="364"/>
-            <ac:picMk id="7" creationId="{8C65DCED-8D04-459F-8295-F5D61A9AABFD}"/>
-          </ac:picMkLst>
-        </pc:picChg>
-        <pc:picChg chg="del">
-          <ac:chgData name="Kristine Mangelschots" userId="f3152f8f-1017-4733-9e76-33dd9c43a1dc" providerId="ADAL" clId="{C8D10A7B-B5FF-4C4B-BD1B-55D1DCE33860}" dt="2021-11-09T10:32:33.892" v="0" actId="478"/>
-          <ac:picMkLst>
-            <pc:docMk/>
-            <pc:sldMk cId="4087172891" sldId="364"/>
-            <ac:picMk id="9" creationId="{F7F756E9-C44A-4559-B829-274F1FCCCE31}"/>
-          </ac:picMkLst>
-        </pc:picChg>
-      </pc:sldChg>
-      <pc:sldChg chg="modSp mod">
-        <pc:chgData name="Kristine Mangelschots" userId="f3152f8f-1017-4733-9e76-33dd9c43a1dc" providerId="ADAL" clId="{C8D10A7B-B5FF-4C4B-BD1B-55D1DCE33860}" dt="2021-11-09T11:57:19.397" v="21" actId="20577"/>
-        <pc:sldMkLst>
-          <pc:docMk/>
-          <pc:sldMk cId="659764143" sldId="368"/>
-        </pc:sldMkLst>
-        <pc:spChg chg="mod">
-          <ac:chgData name="Kristine Mangelschots" userId="f3152f8f-1017-4733-9e76-33dd9c43a1dc" providerId="ADAL" clId="{C8D10A7B-B5FF-4C4B-BD1B-55D1DCE33860}" dt="2021-11-09T11:57:19.397" v="21" actId="20577"/>
-          <ac:spMkLst>
-            <pc:docMk/>
-            <pc:sldMk cId="659764143" sldId="368"/>
-            <ac:spMk id="9" creationId="{D1C65548-A048-48B4-91C5-0A3E532BB5B6}"/>
-          </ac:spMkLst>
-        </pc:spChg>
-      </pc:sldChg>
-      <pc:sldChg chg="modSp mod">
-        <pc:chgData name="Kristine Mangelschots" userId="f3152f8f-1017-4733-9e76-33dd9c43a1dc" providerId="ADAL" clId="{C8D10A7B-B5FF-4C4B-BD1B-55D1DCE33860}" dt="2021-11-09T11:58:08.613" v="53"/>
-        <pc:sldMkLst>
-          <pc:docMk/>
-          <pc:sldMk cId="436424704" sldId="369"/>
-        </pc:sldMkLst>
-        <pc:spChg chg="mod">
-          <ac:chgData name="Kristine Mangelschots" userId="f3152f8f-1017-4733-9e76-33dd9c43a1dc" providerId="ADAL" clId="{C8D10A7B-B5FF-4C4B-BD1B-55D1DCE33860}" dt="2021-11-09T11:58:08.613" v="53"/>
-          <ac:spMkLst>
-            <pc:docMk/>
-            <pc:sldMk cId="436424704" sldId="369"/>
-            <ac:spMk id="8" creationId="{2A434023-F9D8-4F5D-9ACA-ACCC81DF4564}"/>
-          </ac:spMkLst>
-        </pc:spChg>
-      </pc:sldChg>
-      <pc:sldChg chg="modSp mod">
-        <pc:chgData name="Kristine Mangelschots" userId="f3152f8f-1017-4733-9e76-33dd9c43a1dc" providerId="ADAL" clId="{C8D10A7B-B5FF-4C4B-BD1B-55D1DCE33860}" dt="2021-11-09T11:58:24.022" v="71"/>
-        <pc:sldMkLst>
-          <pc:docMk/>
-          <pc:sldMk cId="552227640" sldId="370"/>
-        </pc:sldMkLst>
-        <pc:spChg chg="mod">
-          <ac:chgData name="Kristine Mangelschots" userId="f3152f8f-1017-4733-9e76-33dd9c43a1dc" providerId="ADAL" clId="{C8D10A7B-B5FF-4C4B-BD1B-55D1DCE33860}" dt="2021-11-09T11:58:24.022" v="71"/>
-          <ac:spMkLst>
-            <pc:docMk/>
-            <pc:sldMk cId="552227640" sldId="370"/>
-            <ac:spMk id="7" creationId="{F8598C5D-4E15-41DD-BC10-B7D0C5C4D2FA}"/>
-          </ac:spMkLst>
-        </pc:spChg>
-      </pc:sldChg>
-      <pc:sldChg chg="modSp mod">
-        <pc:chgData name="Kristine Mangelschots" userId="f3152f8f-1017-4733-9e76-33dd9c43a1dc" providerId="ADAL" clId="{C8D10A7B-B5FF-4C4B-BD1B-55D1DCE33860}" dt="2021-11-09T12:01:01.041" v="120" actId="20577"/>
-        <pc:sldMkLst>
-          <pc:docMk/>
-          <pc:sldMk cId="815731102" sldId="373"/>
-        </pc:sldMkLst>
-        <pc:spChg chg="mod">
-          <ac:chgData name="Kristine Mangelschots" userId="f3152f8f-1017-4733-9e76-33dd9c43a1dc" providerId="ADAL" clId="{C8D10A7B-B5FF-4C4B-BD1B-55D1DCE33860}" dt="2021-11-09T11:59:07.330" v="106"/>
-          <ac:spMkLst>
-            <pc:docMk/>
-            <pc:sldMk cId="815731102" sldId="373"/>
-            <ac:spMk id="3" creationId="{DB55AEE4-D171-4D15-8F3A-5B25D83ED117}"/>
-          </ac:spMkLst>
-        </pc:spChg>
-        <pc:spChg chg="mod">
-          <ac:chgData name="Kristine Mangelschots" userId="f3152f8f-1017-4733-9e76-33dd9c43a1dc" providerId="ADAL" clId="{C8D10A7B-B5FF-4C4B-BD1B-55D1DCE33860}" dt="2021-11-09T12:01:01.041" v="120" actId="20577"/>
-          <ac:spMkLst>
-            <pc:docMk/>
-            <pc:sldMk cId="815731102" sldId="373"/>
-            <ac:spMk id="6" creationId="{B41F18BB-74B1-43D5-BAFD-4E8225C301FF}"/>
-          </ac:spMkLst>
-        </pc:spChg>
-      </pc:sldChg>
-      <pc:sldChg chg="modSp mod">
-        <pc:chgData name="Kristine Mangelschots" userId="f3152f8f-1017-4733-9e76-33dd9c43a1dc" providerId="ADAL" clId="{C8D10A7B-B5FF-4C4B-BD1B-55D1DCE33860}" dt="2021-11-09T11:58:45.840" v="103"/>
-        <pc:sldMkLst>
-          <pc:docMk/>
-          <pc:sldMk cId="2024552683" sldId="374"/>
-        </pc:sldMkLst>
-        <pc:spChg chg="mod">
-          <ac:chgData name="Kristine Mangelschots" userId="f3152f8f-1017-4733-9e76-33dd9c43a1dc" providerId="ADAL" clId="{C8D10A7B-B5FF-4C4B-BD1B-55D1DCE33860}" dt="2021-11-09T11:58:45.840" v="103"/>
-          <ac:spMkLst>
-            <pc:docMk/>
-            <pc:sldMk cId="2024552683" sldId="374"/>
-            <ac:spMk id="3" creationId="{E80EF7A4-B871-4F43-B867-59A23FE00999}"/>
-          </ac:spMkLst>
-        </pc:spChg>
-      </pc:sldChg>
-      <pc:sldChg chg="modSp mod">
-        <pc:chgData name="Kristine Mangelschots" userId="f3152f8f-1017-4733-9e76-33dd9c43a1dc" providerId="ADAL" clId="{C8D10A7B-B5FF-4C4B-BD1B-55D1DCE33860}" dt="2021-11-09T11:57:50.939" v="41"/>
-        <pc:sldMkLst>
-          <pc:docMk/>
-          <pc:sldMk cId="2150926861" sldId="377"/>
-        </pc:sldMkLst>
-        <pc:spChg chg="mod">
-          <ac:chgData name="Kristine Mangelschots" userId="f3152f8f-1017-4733-9e76-33dd9c43a1dc" providerId="ADAL" clId="{C8D10A7B-B5FF-4C4B-BD1B-55D1DCE33860}" dt="2021-11-09T11:57:50.939" v="41"/>
-          <ac:spMkLst>
-            <pc:docMk/>
-            <pc:sldMk cId="2150926861" sldId="377"/>
-            <ac:spMk id="6" creationId="{4A6AEF0A-6D86-4F62-8F9F-75AEB4FD6FA8}"/>
-          </ac:spMkLst>
-        </pc:spChg>
-      </pc:sldChg>
-    </pc:docChg>
-  </pc:docChgLst>
-  <pc:docChgLst>
-    <pc:chgData name="Tinne Van Echelpoel" userId="46798032-b7e2-4f2e-95a1-1606ec8c5d9a" providerId="ADAL" clId="{7B898532-1660-49C3-AF51-B963163B0C77}"/>
-    <pc:docChg chg="modNotesMaster">
-      <pc:chgData name="Tinne Van Echelpoel" userId="46798032-b7e2-4f2e-95a1-1606ec8c5d9a" providerId="ADAL" clId="{7B898532-1660-49C3-AF51-B963163B0C77}" dt="2020-10-21T08:47:58.730" v="0"/>
-      <pc:docMkLst>
-        <pc:docMk/>
-      </pc:docMkLst>
-    </pc:docChg>
-  </pc:docChgLst>
 </pc:chgInfo>
 </file>
 
@@ -3007,7 +3008,7 @@
           <a:p>
             <a:fld id="{4D53584B-980D-4F7D-BA36-682FCDF648BB}" type="datetimeFigureOut">
               <a:rPr lang="nl-BE" smtClean="0"/>
-              <a:t>8/06/2022</a:t>
+              <a:t>12/10/2022</a:t>
             </a:fld>
             <a:endParaRPr lang="nl-BE"/>
           </a:p>
@@ -3340,7 +3341,7 @@
           <a:p>
             <a:fld id="{2F1A7F70-BA74-4B93-A504-6802F0D0CD34}" type="slidenum">
               <a:rPr lang="nl-BE" smtClean="0"/>
-              <a:t>16</a:t>
+              <a:t>17</a:t>
             </a:fld>
             <a:endParaRPr lang="nl-BE"/>
           </a:p>
@@ -3462,7 +3463,7 @@
           <a:p>
             <a:fld id="{2F1A7F70-BA74-4B93-A504-6802F0D0CD34}" type="slidenum">
               <a:rPr lang="nl-BE" smtClean="0"/>
-              <a:t>18</a:t>
+              <a:t>19</a:t>
             </a:fld>
             <a:endParaRPr lang="nl-BE"/>
           </a:p>
@@ -3630,7 +3631,7 @@
           <a:p>
             <a:fld id="{9DBA54DB-1B16-4AD1-A9F9-560BFE3100B9}" type="datetime1">
               <a:rPr lang="nl-BE" smtClean="0"/>
-              <a:t>8/06/2022</a:t>
+              <a:t>12/10/2022</a:t>
             </a:fld>
             <a:endParaRPr lang="nl-BE"/>
           </a:p>
@@ -3882,7 +3883,7 @@
           <a:p>
             <a:fld id="{7BE4DD14-A5A2-4EBE-8108-B4151B97AFA3}" type="datetime1">
               <a:rPr lang="nl-BE" smtClean="0"/>
-              <a:t>8/06/2022</a:t>
+              <a:t>12/10/2022</a:t>
             </a:fld>
             <a:endParaRPr lang="nl-BE"/>
           </a:p>
@@ -4062,7 +4063,7 @@
           <a:p>
             <a:fld id="{3FD6D2C0-23FD-48D4-8694-5C8CCB26DE5B}" type="datetime1">
               <a:rPr lang="nl-BE" smtClean="0"/>
-              <a:t>8/06/2022</a:t>
+              <a:t>12/10/2022</a:t>
             </a:fld>
             <a:endParaRPr lang="nl-BE"/>
           </a:p>
@@ -4261,7 +4262,7 @@
           <a:p>
             <a:fld id="{7F502A1D-A910-4100-B61A-B3604D95ED9D}" type="datetime1">
               <a:rPr lang="nl-BE" smtClean="0"/>
-              <a:t>8/06/2022</a:t>
+              <a:t>12/10/2022</a:t>
             </a:fld>
             <a:endParaRPr lang="nl-BE"/>
           </a:p>
@@ -4512,7 +4513,7 @@
           <a:p>
             <a:fld id="{FC274EC3-A4C1-4AD9-8B7B-E6619E9154A0}" type="datetime1">
               <a:rPr lang="nl-BE" smtClean="0"/>
-              <a:t>8/06/2022</a:t>
+              <a:t>12/10/2022</a:t>
             </a:fld>
             <a:endParaRPr lang="nl-BE"/>
           </a:p>
@@ -4744,7 +4745,7 @@
           <a:p>
             <a:fld id="{19D8E8DE-ADBC-4B34-812D-AE94AC273780}" type="datetime1">
               <a:rPr lang="nl-BE" smtClean="0"/>
-              <a:t>8/06/2022</a:t>
+              <a:t>12/10/2022</a:t>
             </a:fld>
             <a:endParaRPr lang="nl-BE"/>
           </a:p>
@@ -5111,7 +5112,7 @@
           <a:p>
             <a:fld id="{31505BAB-8768-4F28-94D4-0FB2B7E5CAF3}" type="datetime1">
               <a:rPr lang="nl-BE" smtClean="0"/>
-              <a:t>8/06/2022</a:t>
+              <a:t>12/10/2022</a:t>
             </a:fld>
             <a:endParaRPr lang="nl-BE"/>
           </a:p>
@@ -5229,7 +5230,7 @@
           <a:p>
             <a:fld id="{0E166F45-FB20-41E3-B1E4-21B171F68161}" type="datetime1">
               <a:rPr lang="nl-BE" smtClean="0"/>
-              <a:t>8/06/2022</a:t>
+              <a:t>12/10/2022</a:t>
             </a:fld>
             <a:endParaRPr lang="nl-BE"/>
           </a:p>
@@ -5324,7 +5325,7 @@
           <a:p>
             <a:fld id="{0FF58E41-313F-407F-8EC3-61136F94D127}" type="datetime1">
               <a:rPr lang="nl-BE" smtClean="0"/>
-              <a:t>8/06/2022</a:t>
+              <a:t>12/10/2022</a:t>
             </a:fld>
             <a:endParaRPr lang="nl-BE"/>
           </a:p>
@@ -5601,7 +5602,7 @@
           <a:p>
             <a:fld id="{B85B5F37-38DA-4EAB-81BB-622D74C0BD14}" type="datetime1">
               <a:rPr lang="nl-BE" smtClean="0"/>
-              <a:t>8/06/2022</a:t>
+              <a:t>12/10/2022</a:t>
             </a:fld>
             <a:endParaRPr lang="nl-BE"/>
           </a:p>
@@ -5854,7 +5855,7 @@
           <a:p>
             <a:fld id="{AD728687-702D-4DA9-A09E-7D549958D675}" type="datetime1">
               <a:rPr lang="nl-BE" smtClean="0"/>
-              <a:t>8/06/2022</a:t>
+              <a:t>12/10/2022</a:t>
             </a:fld>
             <a:endParaRPr lang="nl-BE"/>
           </a:p>
@@ -6067,7 +6068,7 @@
           <a:p>
             <a:fld id="{99CD3CD4-31DA-4C13-BE74-A8E9DA10F56B}" type="datetime1">
               <a:rPr lang="nl-BE" smtClean="0"/>
-              <a:t>8/06/2022</a:t>
+              <a:t>12/10/2022</a:t>
             </a:fld>
             <a:endParaRPr lang="nl-BE"/>
           </a:p>
@@ -6786,6 +6787,237 @@
           <p:cNvPr id="2" name="Titel 1">
             <a:extLst>
               <a:ext uri="{FF2B5EF4-FFF2-40B4-BE49-F238E27FC236}">
+                <a16:creationId xmlns:a16="http://schemas.microsoft.com/office/drawing/2014/main" id="{1BE23161-B269-48C0-A7A4-6FBF20B252AB}"/>
+              </a:ext>
+            </a:extLst>
+          </p:cNvPr>
+          <p:cNvSpPr>
+            <a:spLocks noGrp="1"/>
+          </p:cNvSpPr>
+          <p:nvPr>
+            <p:ph type="title"/>
+          </p:nvPr>
+        </p:nvSpPr>
+        <p:spPr/>
+        <p:txBody>
+          <a:bodyPr/>
+          <a:lstStyle/>
+          <a:p>
+            <a:r>
+              <a:rPr lang="en-GB"/>
+              <a:t>Example 1: read the file</a:t>
+            </a:r>
+          </a:p>
+        </p:txBody>
+      </p:sp>
+      <p:sp>
+        <p:nvSpPr>
+          <p:cNvPr id="3" name="Tijdelijke aanduiding voor inhoud 2">
+            <a:extLst>
+              <a:ext uri="{FF2B5EF4-FFF2-40B4-BE49-F238E27FC236}">
+                <a16:creationId xmlns:a16="http://schemas.microsoft.com/office/drawing/2014/main" id="{DA1A3571-81DB-4ABF-AB51-1046AD15B7E0}"/>
+              </a:ext>
+            </a:extLst>
+          </p:cNvPr>
+          <p:cNvSpPr>
+            <a:spLocks noGrp="1"/>
+          </p:cNvSpPr>
+          <p:nvPr>
+            <p:ph idx="1"/>
+          </p:nvPr>
+        </p:nvSpPr>
+        <p:spPr/>
+        <p:txBody>
+          <a:bodyPr>
+            <a:normAutofit fontScale="92500"/>
+          </a:bodyPr>
+          <a:lstStyle/>
+          <a:p>
+            <a:r>
+              <a:rPr lang="en-GB"/>
+              <a:t>The read() method of the handle produces a string containing the full content of the file.</a:t>
+            </a:r>
+          </a:p>
+          <a:p>
+            <a:endParaRPr lang="en-GB"/>
+          </a:p>
+          <a:p>
+            <a:endParaRPr lang="en-GB"/>
+          </a:p>
+          <a:p>
+            <a:endParaRPr lang="en-GB"/>
+          </a:p>
+          <a:p>
+            <a:r>
+              <a:rPr lang="en-GB"/>
+              <a:t>The handle has a pointer that indicates a specific place in the file. If you open the file to read, the pointer is at the front of the file. </a:t>
+            </a:r>
+          </a:p>
+          <a:p>
+            <a:r>
+              <a:rPr lang="en-GB"/>
+              <a:t>Reading the file moves the pointer to the character after the last read character. </a:t>
+            </a:r>
+          </a:p>
+          <a:p>
+            <a:r>
+              <a:rPr lang="en-GB"/>
+              <a:t>After the above instruction, the pointer is at the end of the file.</a:t>
+            </a:r>
+          </a:p>
+          <a:p>
+            <a:r>
+              <a:rPr lang="en-GB"/>
+              <a:t>When you call the read method again, it returns an empty string.</a:t>
+            </a:r>
+          </a:p>
+        </p:txBody>
+      </p:sp>
+      <p:sp>
+        <p:nvSpPr>
+          <p:cNvPr id="4" name="Tijdelijke aanduiding voor dianummer 3">
+            <a:extLst>
+              <a:ext uri="{FF2B5EF4-FFF2-40B4-BE49-F238E27FC236}">
+                <a16:creationId xmlns:a16="http://schemas.microsoft.com/office/drawing/2014/main" id="{7234641F-E95E-4CEE-BA24-0AC7DE92B79D}"/>
+              </a:ext>
+            </a:extLst>
+          </p:cNvPr>
+          <p:cNvSpPr>
+            <a:spLocks noGrp="1"/>
+          </p:cNvSpPr>
+          <p:nvPr>
+            <p:ph type="sldNum" sz="quarter" idx="12"/>
+          </p:nvPr>
+        </p:nvSpPr>
+        <p:spPr/>
+        <p:txBody>
+          <a:bodyPr/>
+          <a:lstStyle/>
+          <a:p>
+            <a:fld id="{FE1B3154-47D9-4402-8EDB-E791933DC0B9}" type="slidenum">
+              <a:rPr lang="nl-BE" smtClean="0"/>
+              <a:pPr/>
+              <a:t>10</a:t>
+            </a:fld>
+            <a:endParaRPr lang="nl-BE"/>
+          </a:p>
+        </p:txBody>
+      </p:sp>
+      <p:sp>
+        <p:nvSpPr>
+          <p:cNvPr id="5" name="Rechthoek 4">
+            <a:extLst>
+              <a:ext uri="{FF2B5EF4-FFF2-40B4-BE49-F238E27FC236}">
+                <a16:creationId xmlns:a16="http://schemas.microsoft.com/office/drawing/2014/main" id="{7DDEBF10-00FD-44E7-9013-A080E8C071C1}"/>
+              </a:ext>
+            </a:extLst>
+          </p:cNvPr>
+          <p:cNvSpPr/>
+          <p:nvPr/>
+        </p:nvSpPr>
+        <p:spPr>
+          <a:xfrm>
+            <a:off x="1204545" y="2309909"/>
+            <a:ext cx="7496176" cy="830997"/>
+          </a:xfrm>
+          <a:prstGeom prst="rect">
+            <a:avLst/>
+          </a:prstGeom>
+        </p:spPr>
+        <p:txBody>
+          <a:bodyPr wrap="square">
+            <a:spAutoFit/>
+          </a:bodyPr>
+          <a:lstStyle/>
+          <a:p>
+            <a:r>
+              <a:rPr lang="nl-BE" altLang="nl-BE" sz="2400" i="1" dirty="0">
+                <a:solidFill>
+                  <a:srgbClr val="808080"/>
+                </a:solidFill>
+                <a:latin typeface="Consolas" panose="020B0609020204030204" pitchFamily="49" charset="0"/>
+                <a:cs typeface="Courier New" panose="02070309020205020404" pitchFamily="49" charset="0"/>
+              </a:rPr>
+              <a:t>#2: read and display full content file</a:t>
+            </a:r>
+            <a:br>
+              <a:rPr lang="nl-BE" altLang="nl-BE" sz="2400" i="1" dirty="0">
+                <a:solidFill>
+                  <a:srgbClr val="808080"/>
+                </a:solidFill>
+                <a:latin typeface="Consolas" panose="020B0609020204030204" pitchFamily="49" charset="0"/>
+                <a:cs typeface="Courier New" panose="02070309020205020404" pitchFamily="49" charset="0"/>
+              </a:rPr>
+            </a:br>
+            <a:r>
+              <a:rPr lang="nl-BE" altLang="nl-BE" sz="2400" dirty="0">
+                <a:solidFill>
+                  <a:srgbClr val="000080"/>
+                </a:solidFill>
+                <a:latin typeface="Consolas" panose="020B0609020204030204" pitchFamily="49" charset="0"/>
+                <a:cs typeface="Courier New" panose="02070309020205020404" pitchFamily="49" charset="0"/>
+              </a:rPr>
+              <a:t>print</a:t>
+            </a:r>
+            <a:r>
+              <a:rPr lang="nl-BE" altLang="nl-BE" sz="2400" dirty="0">
+                <a:solidFill>
+                  <a:srgbClr val="000000"/>
+                </a:solidFill>
+                <a:latin typeface="Consolas" panose="020B0609020204030204" pitchFamily="49" charset="0"/>
+                <a:cs typeface="Courier New" panose="02070309020205020404" pitchFamily="49" charset="0"/>
+              </a:rPr>
+              <a:t>(file.read())</a:t>
+            </a:r>
+            <a:endParaRPr lang="nl-BE" sz="2400" dirty="0">
+              <a:latin typeface="Consolas" panose="020B0609020204030204" pitchFamily="49" charset="0"/>
+            </a:endParaRPr>
+          </a:p>
+        </p:txBody>
+      </p:sp>
+    </p:spTree>
+    <p:extLst>
+      <p:ext uri="{BB962C8B-B14F-4D97-AF65-F5344CB8AC3E}">
+        <p14:creationId xmlns:p14="http://schemas.microsoft.com/office/powerpoint/2010/main" val="654147409"/>
+      </p:ext>
+    </p:extLst>
+  </p:cSld>
+  <p:clrMapOvr>
+    <a:masterClrMapping/>
+  </p:clrMapOvr>
+  <mc:AlternateContent xmlns:mc="http://schemas.openxmlformats.org/markup-compatibility/2006" xmlns:p14="http://schemas.microsoft.com/office/powerpoint/2010/main">
+    <mc:Choice Requires="p14">
+      <p:transition spd="slow" p14:dur="2000" advTm="34399"/>
+    </mc:Choice>
+    <mc:Fallback xmlns="">
+      <p:transition spd="slow" advTm="34399"/>
+    </mc:Fallback>
+  </mc:AlternateContent>
+</p:sld>
+</file>
+
+<file path=ppt/slides/slide11.xml><?xml version="1.0" encoding="utf-8"?>
+<p:sld xmlns:a="http://schemas.openxmlformats.org/drawingml/2006/main" xmlns:r="http://schemas.openxmlformats.org/officeDocument/2006/relationships" xmlns:p="http://schemas.openxmlformats.org/presentationml/2006/main">
+  <p:cSld>
+    <p:spTree>
+      <p:nvGrpSpPr>
+        <p:cNvPr id="1" name=""/>
+        <p:cNvGrpSpPr/>
+        <p:nvPr/>
+      </p:nvGrpSpPr>
+      <p:grpSpPr>
+        <a:xfrm>
+          <a:off x="0" y="0"/>
+          <a:ext cx="0" cy="0"/>
+          <a:chOff x="0" y="0"/>
+          <a:chExt cx="0" cy="0"/>
+        </a:xfrm>
+      </p:grpSpPr>
+      <p:sp>
+        <p:nvSpPr>
+          <p:cNvPr id="2" name="Titel 1">
+            <a:extLst>
+              <a:ext uri="{FF2B5EF4-FFF2-40B4-BE49-F238E27FC236}">
                 <a16:creationId xmlns:a16="http://schemas.microsoft.com/office/drawing/2014/main" id="{4C3A31F1-4BCC-4C0E-9AF4-7881257431FD}"/>
               </a:ext>
             </a:extLst>
@@ -6885,7 +7117,7 @@
             <a:fld id="{FE1B3154-47D9-4402-8EDB-E791933DC0B9}" type="slidenum">
               <a:rPr lang="nl-BE" smtClean="0"/>
               <a:pPr/>
-              <a:t>10</a:t>
+              <a:t>11</a:t>
             </a:fld>
             <a:endParaRPr lang="nl-BE"/>
           </a:p>
@@ -6982,7 +7214,7 @@
 </p:sld>
 </file>
 
-<file path=ppt/slides/slide11.xml><?xml version="1.0" encoding="utf-8"?>
+<file path=ppt/slides/slide12.xml><?xml version="1.0" encoding="utf-8"?>
 <p:sld xmlns:a="http://schemas.openxmlformats.org/drawingml/2006/main" xmlns:r="http://schemas.openxmlformats.org/officeDocument/2006/relationships" xmlns:p="http://schemas.openxmlformats.org/presentationml/2006/main">
   <p:cSld>
     <p:spTree>
@@ -7103,7 +7335,7 @@
             <a:fld id="{FE1B3154-47D9-4402-8EDB-E791933DC0B9}" type="slidenum">
               <a:rPr lang="nl-BE" smtClean="0"/>
               <a:pPr/>
-              <a:t>11</a:t>
+              <a:t>12</a:t>
             </a:fld>
             <a:endParaRPr lang="nl-BE"/>
           </a:p>
@@ -7385,7 +7617,7 @@
 </p:sld>
 </file>
 
-<file path=ppt/slides/slide12.xml><?xml version="1.0" encoding="utf-8"?>
+<file path=ppt/slides/slide13.xml><?xml version="1.0" encoding="utf-8"?>
 <p:sld xmlns:a="http://schemas.openxmlformats.org/drawingml/2006/main" xmlns:r="http://schemas.openxmlformats.org/officeDocument/2006/relationships" xmlns:p="http://schemas.openxmlformats.org/presentationml/2006/main">
   <p:cSld>
     <p:spTree>
@@ -7517,7 +7749,7 @@
             <a:fld id="{FE1B3154-47D9-4402-8EDB-E791933DC0B9}" type="slidenum">
               <a:rPr lang="nl-BE" smtClean="0"/>
               <a:pPr/>
-              <a:t>12</a:t>
+              <a:t>13</a:t>
             </a:fld>
             <a:endParaRPr lang="nl-BE"/>
           </a:p>
@@ -8623,7 +8855,7 @@
 </p:sld>
 </file>
 
-<file path=ppt/slides/slide13.xml><?xml version="1.0" encoding="utf-8"?>
+<file path=ppt/slides/slide14.xml><?xml version="1.0" encoding="utf-8"?>
 <p:sld xmlns:a="http://schemas.openxmlformats.org/drawingml/2006/main" xmlns:r="http://schemas.openxmlformats.org/officeDocument/2006/relationships" xmlns:p="http://schemas.openxmlformats.org/presentationml/2006/main">
   <p:cSld>
     <p:spTree>
@@ -8727,7 +8959,7 @@
             <a:fld id="{FE1B3154-47D9-4402-8EDB-E791933DC0B9}" type="slidenum">
               <a:rPr lang="nl-BE" smtClean="0"/>
               <a:pPr/>
-              <a:t>13</a:t>
+              <a:t>14</a:t>
             </a:fld>
             <a:endParaRPr lang="nl-BE"/>
           </a:p>
@@ -9756,7 +9988,7 @@
 </p:sld>
 </file>
 
-<file path=ppt/slides/slide14.xml><?xml version="1.0" encoding="utf-8"?>
+<file path=ppt/slides/slide15.xml><?xml version="1.0" encoding="utf-8"?>
 <p:sld xmlns:a="http://schemas.openxmlformats.org/drawingml/2006/main" xmlns:r="http://schemas.openxmlformats.org/officeDocument/2006/relationships" xmlns:p="http://schemas.openxmlformats.org/presentationml/2006/main">
   <p:cSld>
     <p:spTree>
@@ -10143,7 +10375,7 @@
             <a:fld id="{FE1B3154-47D9-4402-8EDB-E791933DC0B9}" type="slidenum">
               <a:rPr lang="nl-BE" smtClean="0"/>
               <a:pPr/>
-              <a:t>14</a:t>
+              <a:t>15</a:t>
             </a:fld>
             <a:endParaRPr lang="nl-BE"/>
           </a:p>
@@ -10306,7 +10538,7 @@
             <a:fld id="{FE1B3154-47D9-4402-8EDB-E791933DC0B9}" type="slidenum">
               <a:rPr lang="nl-BE" smtClean="0"/>
               <a:pPr/>
-              <a:t>14</a:t>
+              <a:t>15</a:t>
             </a:fld>
             <a:endParaRPr lang="nl-BE"/>
           </a:p>
@@ -10492,7 +10724,7 @@
 </p:sld>
 </file>
 
-<file path=ppt/slides/slide15.xml><?xml version="1.0" encoding="utf-8"?>
+<file path=ppt/slides/slide16.xml><?xml version="1.0" encoding="utf-8"?>
 <p:sld xmlns:a="http://schemas.openxmlformats.org/drawingml/2006/main" xmlns:r="http://schemas.openxmlformats.org/officeDocument/2006/relationships" xmlns:p="http://schemas.openxmlformats.org/presentationml/2006/main">
   <p:cSld>
     <p:spTree>
@@ -10574,7 +10806,7 @@
             <a:fld id="{FE1B3154-47D9-4402-8EDB-E791933DC0B9}" type="slidenum">
               <a:rPr lang="nl-BE" smtClean="0"/>
               <a:pPr/>
-              <a:t>15</a:t>
+              <a:t>16</a:t>
             </a:fld>
             <a:endParaRPr lang="nl-BE"/>
           </a:p>
@@ -12123,7 +12355,7 @@
 </p:sld>
 </file>
 
-<file path=ppt/slides/slide16.xml><?xml version="1.0" encoding="utf-8"?>
+<file path=ppt/slides/slide17.xml><?xml version="1.0" encoding="utf-8"?>
 <p:sld xmlns:a="http://schemas.openxmlformats.org/drawingml/2006/main" xmlns:r="http://schemas.openxmlformats.org/officeDocument/2006/relationships" xmlns:p="http://schemas.openxmlformats.org/presentationml/2006/main">
   <p:cSld>
     <p:spTree>
@@ -12285,7 +12517,7 @@
             <a:fld id="{FE1B3154-47D9-4402-8EDB-E791933DC0B9}" type="slidenum">
               <a:rPr lang="nl-BE" smtClean="0"/>
               <a:pPr/>
-              <a:t>16</a:t>
+              <a:t>17</a:t>
             </a:fld>
             <a:endParaRPr lang="nl-BE"/>
           </a:p>
@@ -13029,7 +13261,7 @@
 </p:sld>
 </file>
 
-<file path=ppt/slides/slide17.xml><?xml version="1.0" encoding="utf-8"?>
+<file path=ppt/slides/slide18.xml><?xml version="1.0" encoding="utf-8"?>
 <p:sld xmlns:a="http://schemas.openxmlformats.org/drawingml/2006/main" xmlns:r="http://schemas.openxmlformats.org/officeDocument/2006/relationships" xmlns:p="http://schemas.openxmlformats.org/presentationml/2006/main">
   <p:cSld>
     <p:spTree>
@@ -13178,7 +13410,7 @@
             <a:fld id="{FE1B3154-47D9-4402-8EDB-E791933DC0B9}" type="slidenum">
               <a:rPr lang="nl-BE" smtClean="0"/>
               <a:pPr/>
-              <a:t>17</a:t>
+              <a:t>18</a:t>
             </a:fld>
             <a:endParaRPr lang="nl-BE"/>
           </a:p>
@@ -13603,7 +13835,7 @@
 </p:sld>
 </file>
 
-<file path=ppt/slides/slide18.xml><?xml version="1.0" encoding="utf-8"?>
+<file path=ppt/slides/slide19.xml><?xml version="1.0" encoding="utf-8"?>
 <p:sld xmlns:a="http://schemas.openxmlformats.org/drawingml/2006/main" xmlns:r="http://schemas.openxmlformats.org/officeDocument/2006/relationships" xmlns:p="http://schemas.openxmlformats.org/presentationml/2006/main">
   <p:cSld>
     <p:spTree>
@@ -13680,7 +13912,7 @@
             <a:fld id="{FE1B3154-47D9-4402-8EDB-E791933DC0B9}" type="slidenum">
               <a:rPr lang="nl-BE" smtClean="0"/>
               <a:pPr/>
-              <a:t>18</a:t>
+              <a:t>19</a:t>
             </a:fld>
             <a:endParaRPr lang="nl-BE"/>
           </a:p>
@@ -14838,234 +15070,6 @@
 </p:sld>
 </file>
 
-<file path=ppt/slides/slide19.xml><?xml version="1.0" encoding="utf-8"?>
-<p:sld xmlns:a="http://schemas.openxmlformats.org/drawingml/2006/main" xmlns:r="http://schemas.openxmlformats.org/officeDocument/2006/relationships" xmlns:p="http://schemas.openxmlformats.org/presentationml/2006/main">
-  <p:cSld>
-    <p:spTree>
-      <p:nvGrpSpPr>
-        <p:cNvPr id="1" name=""/>
-        <p:cNvGrpSpPr/>
-        <p:nvPr/>
-      </p:nvGrpSpPr>
-      <p:grpSpPr>
-        <a:xfrm>
-          <a:off x="0" y="0"/>
-          <a:ext cx="0" cy="0"/>
-          <a:chOff x="0" y="0"/>
-          <a:chExt cx="0" cy="0"/>
-        </a:xfrm>
-      </p:grpSpPr>
-      <p:sp>
-        <p:nvSpPr>
-          <p:cNvPr id="2" name="Titel 1">
-            <a:extLst>
-              <a:ext uri="{FF2B5EF4-FFF2-40B4-BE49-F238E27FC236}">
-                <a16:creationId xmlns:a16="http://schemas.microsoft.com/office/drawing/2014/main" id="{6280FA34-5F3E-4982-9470-522A7D0F308F}"/>
-              </a:ext>
-            </a:extLst>
-          </p:cNvPr>
-          <p:cNvSpPr>
-            <a:spLocks noGrp="1"/>
-          </p:cNvSpPr>
-          <p:nvPr>
-            <p:ph type="title"/>
-          </p:nvPr>
-        </p:nvSpPr>
-        <p:spPr>
-          <a:noFill/>
-        </p:spPr>
-        <p:txBody>
-          <a:bodyPr/>
-          <a:lstStyle/>
-          <a:p>
-            <a:r>
-              <a:rPr lang="nl-BE"/>
-              <a:t>Part 2: Writing to a text file</a:t>
-            </a:r>
-          </a:p>
-        </p:txBody>
-      </p:sp>
-      <p:sp>
-        <p:nvSpPr>
-          <p:cNvPr id="3" name="Tijdelijke aanduiding voor inhoud 2">
-            <a:extLst>
-              <a:ext uri="{FF2B5EF4-FFF2-40B4-BE49-F238E27FC236}">
-                <a16:creationId xmlns:a16="http://schemas.microsoft.com/office/drawing/2014/main" id="{A334AD86-E6A1-4533-BE34-97BF04024E7C}"/>
-              </a:ext>
-            </a:extLst>
-          </p:cNvPr>
-          <p:cNvSpPr>
-            <a:spLocks noGrp="1"/>
-          </p:cNvSpPr>
-          <p:nvPr>
-            <p:ph idx="1"/>
-          </p:nvPr>
-        </p:nvSpPr>
-        <p:spPr/>
-        <p:txBody>
-          <a:bodyPr>
-            <a:normAutofit/>
-          </a:bodyPr>
-          <a:lstStyle/>
-          <a:p>
-            <a:r>
-              <a:rPr lang="nl-BE"/>
-              <a:t>Procedure (</a:t>
-            </a:r>
-            <a:r>
-              <a:rPr lang="nl-BE" err="1"/>
-              <a:t>same</a:t>
-            </a:r>
-            <a:r>
-              <a:rPr lang="nl-BE"/>
-              <a:t> as reading):</a:t>
-            </a:r>
-          </a:p>
-          <a:p>
-            <a:pPr lvl="1"/>
-            <a:r>
-              <a:rPr lang="nl-BE" sz="2800"/>
-              <a:t>You open the file</a:t>
-            </a:r>
-          </a:p>
-          <a:p>
-            <a:pPr lvl="1"/>
-            <a:r>
-              <a:rPr lang="nl-BE" sz="2800"/>
-              <a:t>You write data to the file</a:t>
-            </a:r>
-          </a:p>
-          <a:p>
-            <a:pPr lvl="1"/>
-            <a:r>
-              <a:rPr lang="nl-BE" sz="2800"/>
-              <a:t>You close the file</a:t>
-            </a:r>
-          </a:p>
-          <a:p>
-            <a:pPr lvl="1"/>
-            <a:endParaRPr lang="nl-BE" sz="2800"/>
-          </a:p>
-          <a:p>
-            <a:r>
-              <a:rPr lang="nl-BE"/>
-              <a:t>Attention! </a:t>
-            </a:r>
-          </a:p>
-          <a:p>
-            <a:r>
-              <a:rPr lang="nl-BE"/>
-              <a:t>When you open a file to </a:t>
-            </a:r>
-            <a:r>
-              <a:rPr lang="nl-BE" err="1"/>
-              <a:t>write</a:t>
-            </a:r>
-            <a:r>
-              <a:rPr lang="nl-BE"/>
-              <a:t> </a:t>
-            </a:r>
-            <a:r>
-              <a:rPr lang="nl-BE" err="1"/>
-              <a:t>to</a:t>
-            </a:r>
-            <a:r>
-              <a:rPr lang="nl-BE"/>
-              <a:t>, then</a:t>
-            </a:r>
-          </a:p>
-          <a:p>
-            <a:pPr lvl="1"/>
-            <a:r>
-              <a:rPr lang="nl-BE" sz="2800"/>
-              <a:t>the file is </a:t>
-            </a:r>
-            <a:r>
-              <a:rPr lang="nl-BE" sz="2800" b="1"/>
-              <a:t>created</a:t>
-            </a:r>
-            <a:r>
-              <a:rPr lang="nl-BE" sz="2800"/>
-              <a:t> if it does </a:t>
-            </a:r>
-            <a:r>
-              <a:rPr lang="nl-BE" sz="2800" err="1"/>
-              <a:t>not</a:t>
-            </a:r>
-            <a:r>
-              <a:rPr lang="nl-BE" sz="2800"/>
-              <a:t> </a:t>
-            </a:r>
-            <a:r>
-              <a:rPr lang="nl-BE" sz="2800" err="1"/>
-              <a:t>exist</a:t>
-            </a:r>
-            <a:endParaRPr lang="nl-BE" sz="2800"/>
-          </a:p>
-          <a:p>
-            <a:pPr lvl="1"/>
-            <a:r>
-              <a:rPr lang="nl-BE" sz="2800" b="1"/>
-              <a:t>empties</a:t>
-            </a:r>
-            <a:r>
-              <a:rPr lang="nl-BE" sz="2800"/>
-              <a:t> the file if it already exists</a:t>
-            </a:r>
-          </a:p>
-        </p:txBody>
-      </p:sp>
-      <p:sp>
-        <p:nvSpPr>
-          <p:cNvPr id="4" name="Tijdelijke aanduiding voor dianummer 3">
-            <a:extLst>
-              <a:ext uri="{FF2B5EF4-FFF2-40B4-BE49-F238E27FC236}">
-                <a16:creationId xmlns:a16="http://schemas.microsoft.com/office/drawing/2014/main" id="{2049E24E-AA29-4C7F-8855-955E8DA3F79E}"/>
-              </a:ext>
-            </a:extLst>
-          </p:cNvPr>
-          <p:cNvSpPr>
-            <a:spLocks noGrp="1"/>
-          </p:cNvSpPr>
-          <p:nvPr>
-            <p:ph type="sldNum" sz="quarter" idx="12"/>
-          </p:nvPr>
-        </p:nvSpPr>
-        <p:spPr/>
-        <p:txBody>
-          <a:bodyPr/>
-          <a:lstStyle/>
-          <a:p>
-            <a:fld id="{FE1B3154-47D9-4402-8EDB-E791933DC0B9}" type="slidenum">
-              <a:rPr lang="nl-BE" smtClean="0"/>
-              <a:pPr/>
-              <a:t>19</a:t>
-            </a:fld>
-            <a:endParaRPr lang="nl-BE"/>
-          </a:p>
-        </p:txBody>
-      </p:sp>
-    </p:spTree>
-    <p:extLst>
-      <p:ext uri="{BB962C8B-B14F-4D97-AF65-F5344CB8AC3E}">
-        <p14:creationId xmlns:p14="http://schemas.microsoft.com/office/powerpoint/2010/main" val="3147974396"/>
-      </p:ext>
-    </p:extLst>
-  </p:cSld>
-  <p:clrMapOvr>
-    <a:masterClrMapping/>
-  </p:clrMapOvr>
-  <mc:AlternateContent xmlns:mc="http://schemas.openxmlformats.org/markup-compatibility/2006" xmlns:p14="http://schemas.microsoft.com/office/powerpoint/2010/main">
-    <mc:Choice Requires="p14">
-      <p:transition spd="slow" p14:dur="2000" advTm="54107"/>
-    </mc:Choice>
-    <mc:Fallback xmlns="">
-      <p:transition spd="slow" advTm="54107"/>
-    </mc:Fallback>
-  </mc:AlternateContent>
-</p:sld>
-</file>
-
 <file path=ppt/slides/slide2.xml><?xml version="1.0" encoding="utf-8"?>
 <p:sld xmlns:a="http://schemas.openxmlformats.org/drawingml/2006/main" xmlns:r="http://schemas.openxmlformats.org/officeDocument/2006/relationships" xmlns:p="http://schemas.openxmlformats.org/presentationml/2006/main">
   <p:cSld>
@@ -15271,6 +15275,234 @@
           <p:cNvPr id="2" name="Titel 1">
             <a:extLst>
               <a:ext uri="{FF2B5EF4-FFF2-40B4-BE49-F238E27FC236}">
+                <a16:creationId xmlns:a16="http://schemas.microsoft.com/office/drawing/2014/main" id="{6280FA34-5F3E-4982-9470-522A7D0F308F}"/>
+              </a:ext>
+            </a:extLst>
+          </p:cNvPr>
+          <p:cNvSpPr>
+            <a:spLocks noGrp="1"/>
+          </p:cNvSpPr>
+          <p:nvPr>
+            <p:ph type="title"/>
+          </p:nvPr>
+        </p:nvSpPr>
+        <p:spPr>
+          <a:noFill/>
+        </p:spPr>
+        <p:txBody>
+          <a:bodyPr/>
+          <a:lstStyle/>
+          <a:p>
+            <a:r>
+              <a:rPr lang="nl-BE"/>
+              <a:t>Part 2: Writing to a text file</a:t>
+            </a:r>
+          </a:p>
+        </p:txBody>
+      </p:sp>
+      <p:sp>
+        <p:nvSpPr>
+          <p:cNvPr id="3" name="Tijdelijke aanduiding voor inhoud 2">
+            <a:extLst>
+              <a:ext uri="{FF2B5EF4-FFF2-40B4-BE49-F238E27FC236}">
+                <a16:creationId xmlns:a16="http://schemas.microsoft.com/office/drawing/2014/main" id="{A334AD86-E6A1-4533-BE34-97BF04024E7C}"/>
+              </a:ext>
+            </a:extLst>
+          </p:cNvPr>
+          <p:cNvSpPr>
+            <a:spLocks noGrp="1"/>
+          </p:cNvSpPr>
+          <p:nvPr>
+            <p:ph idx="1"/>
+          </p:nvPr>
+        </p:nvSpPr>
+        <p:spPr/>
+        <p:txBody>
+          <a:bodyPr>
+            <a:normAutofit/>
+          </a:bodyPr>
+          <a:lstStyle/>
+          <a:p>
+            <a:r>
+              <a:rPr lang="nl-BE"/>
+              <a:t>Procedure (</a:t>
+            </a:r>
+            <a:r>
+              <a:rPr lang="nl-BE" err="1"/>
+              <a:t>same</a:t>
+            </a:r>
+            <a:r>
+              <a:rPr lang="nl-BE"/>
+              <a:t> as reading):</a:t>
+            </a:r>
+          </a:p>
+          <a:p>
+            <a:pPr lvl="1"/>
+            <a:r>
+              <a:rPr lang="nl-BE" sz="2800"/>
+              <a:t>You open the file</a:t>
+            </a:r>
+          </a:p>
+          <a:p>
+            <a:pPr lvl="1"/>
+            <a:r>
+              <a:rPr lang="nl-BE" sz="2800"/>
+              <a:t>You write data to the file</a:t>
+            </a:r>
+          </a:p>
+          <a:p>
+            <a:pPr lvl="1"/>
+            <a:r>
+              <a:rPr lang="nl-BE" sz="2800"/>
+              <a:t>You close the file</a:t>
+            </a:r>
+          </a:p>
+          <a:p>
+            <a:pPr lvl="1"/>
+            <a:endParaRPr lang="nl-BE" sz="2800"/>
+          </a:p>
+          <a:p>
+            <a:r>
+              <a:rPr lang="nl-BE"/>
+              <a:t>Attention! </a:t>
+            </a:r>
+          </a:p>
+          <a:p>
+            <a:r>
+              <a:rPr lang="nl-BE"/>
+              <a:t>When you open a file to </a:t>
+            </a:r>
+            <a:r>
+              <a:rPr lang="nl-BE" err="1"/>
+              <a:t>write</a:t>
+            </a:r>
+            <a:r>
+              <a:rPr lang="nl-BE"/>
+              <a:t> </a:t>
+            </a:r>
+            <a:r>
+              <a:rPr lang="nl-BE" err="1"/>
+              <a:t>to</a:t>
+            </a:r>
+            <a:r>
+              <a:rPr lang="nl-BE"/>
+              <a:t>, then</a:t>
+            </a:r>
+          </a:p>
+          <a:p>
+            <a:pPr lvl="1"/>
+            <a:r>
+              <a:rPr lang="nl-BE" sz="2800"/>
+              <a:t>the file is </a:t>
+            </a:r>
+            <a:r>
+              <a:rPr lang="nl-BE" sz="2800" b="1"/>
+              <a:t>created</a:t>
+            </a:r>
+            <a:r>
+              <a:rPr lang="nl-BE" sz="2800"/>
+              <a:t> if it does </a:t>
+            </a:r>
+            <a:r>
+              <a:rPr lang="nl-BE" sz="2800" err="1"/>
+              <a:t>not</a:t>
+            </a:r>
+            <a:r>
+              <a:rPr lang="nl-BE" sz="2800"/>
+              <a:t> </a:t>
+            </a:r>
+            <a:r>
+              <a:rPr lang="nl-BE" sz="2800" err="1"/>
+              <a:t>exist</a:t>
+            </a:r>
+            <a:endParaRPr lang="nl-BE" sz="2800"/>
+          </a:p>
+          <a:p>
+            <a:pPr lvl="1"/>
+            <a:r>
+              <a:rPr lang="nl-BE" sz="2800" b="1"/>
+              <a:t>empties</a:t>
+            </a:r>
+            <a:r>
+              <a:rPr lang="nl-BE" sz="2800"/>
+              <a:t> the file if it already exists</a:t>
+            </a:r>
+          </a:p>
+        </p:txBody>
+      </p:sp>
+      <p:sp>
+        <p:nvSpPr>
+          <p:cNvPr id="4" name="Tijdelijke aanduiding voor dianummer 3">
+            <a:extLst>
+              <a:ext uri="{FF2B5EF4-FFF2-40B4-BE49-F238E27FC236}">
+                <a16:creationId xmlns:a16="http://schemas.microsoft.com/office/drawing/2014/main" id="{2049E24E-AA29-4C7F-8855-955E8DA3F79E}"/>
+              </a:ext>
+            </a:extLst>
+          </p:cNvPr>
+          <p:cNvSpPr>
+            <a:spLocks noGrp="1"/>
+          </p:cNvSpPr>
+          <p:nvPr>
+            <p:ph type="sldNum" sz="quarter" idx="12"/>
+          </p:nvPr>
+        </p:nvSpPr>
+        <p:spPr/>
+        <p:txBody>
+          <a:bodyPr/>
+          <a:lstStyle/>
+          <a:p>
+            <a:fld id="{FE1B3154-47D9-4402-8EDB-E791933DC0B9}" type="slidenum">
+              <a:rPr lang="nl-BE" smtClean="0"/>
+              <a:pPr/>
+              <a:t>20</a:t>
+            </a:fld>
+            <a:endParaRPr lang="nl-BE"/>
+          </a:p>
+        </p:txBody>
+      </p:sp>
+    </p:spTree>
+    <p:extLst>
+      <p:ext uri="{BB962C8B-B14F-4D97-AF65-F5344CB8AC3E}">
+        <p14:creationId xmlns:p14="http://schemas.microsoft.com/office/powerpoint/2010/main" val="3147974396"/>
+      </p:ext>
+    </p:extLst>
+  </p:cSld>
+  <p:clrMapOvr>
+    <a:masterClrMapping/>
+  </p:clrMapOvr>
+  <mc:AlternateContent xmlns:mc="http://schemas.openxmlformats.org/markup-compatibility/2006" xmlns:p14="http://schemas.microsoft.com/office/powerpoint/2010/main">
+    <mc:Choice Requires="p14">
+      <p:transition spd="slow" p14:dur="2000" advTm="54107"/>
+    </mc:Choice>
+    <mc:Fallback xmlns="">
+      <p:transition spd="slow" advTm="54107"/>
+    </mc:Fallback>
+  </mc:AlternateContent>
+</p:sld>
+</file>
+
+<file path=ppt/slides/slide21.xml><?xml version="1.0" encoding="utf-8"?>
+<p:sld xmlns:a="http://schemas.openxmlformats.org/drawingml/2006/main" xmlns:r="http://schemas.openxmlformats.org/officeDocument/2006/relationships" xmlns:p="http://schemas.openxmlformats.org/presentationml/2006/main">
+  <p:cSld>
+    <p:spTree>
+      <p:nvGrpSpPr>
+        <p:cNvPr id="1" name=""/>
+        <p:cNvGrpSpPr/>
+        <p:nvPr/>
+      </p:nvGrpSpPr>
+      <p:grpSpPr>
+        <a:xfrm>
+          <a:off x="0" y="0"/>
+          <a:ext cx="0" cy="0"/>
+          <a:chOff x="0" y="0"/>
+          <a:chExt cx="0" cy="0"/>
+        </a:xfrm>
+      </p:grpSpPr>
+      <p:sp>
+        <p:nvSpPr>
+          <p:cNvPr id="2" name="Titel 1">
+            <a:extLst>
+              <a:ext uri="{FF2B5EF4-FFF2-40B4-BE49-F238E27FC236}">
                 <a16:creationId xmlns:a16="http://schemas.microsoft.com/office/drawing/2014/main" id="{69F498BC-F766-4673-9CC1-4F438C2DC621}"/>
               </a:ext>
             </a:extLst>
@@ -15328,7 +15560,7 @@
             <a:fld id="{FE1B3154-47D9-4402-8EDB-E791933DC0B9}" type="slidenum">
               <a:rPr lang="nl-BE" smtClean="0"/>
               <a:pPr/>
-              <a:t>20</a:t>
+              <a:t>21</a:t>
             </a:fld>
             <a:endParaRPr lang="nl-BE"/>
           </a:p>
@@ -16423,7 +16655,7 @@
 </p:sld>
 </file>
 
-<file path=ppt/slides/slide21.xml><?xml version="1.0" encoding="utf-8"?>
+<file path=ppt/slides/slide22.xml><?xml version="1.0" encoding="utf-8"?>
 <p:sld xmlns:a="http://schemas.openxmlformats.org/drawingml/2006/main" xmlns:r="http://schemas.openxmlformats.org/officeDocument/2006/relationships" xmlns:p="http://schemas.openxmlformats.org/presentationml/2006/main">
   <p:cSld>
     <p:spTree>
@@ -16769,7 +17001,7 @@
             <a:fld id="{FE1B3154-47D9-4402-8EDB-E791933DC0B9}" type="slidenum">
               <a:rPr lang="nl-BE" smtClean="0"/>
               <a:pPr/>
-              <a:t>21</a:t>
+              <a:t>22</a:t>
             </a:fld>
             <a:endParaRPr lang="nl-BE"/>
           </a:p>
@@ -17158,7 +17390,7 @@
 </p:sld>
 </file>
 
-<file path=ppt/slides/slide22.xml><?xml version="1.0" encoding="utf-8"?>
+<file path=ppt/slides/slide23.xml><?xml version="1.0" encoding="utf-8"?>
 <p:sld xmlns:a="http://schemas.openxmlformats.org/drawingml/2006/main" xmlns:r="http://schemas.openxmlformats.org/officeDocument/2006/relationships" xmlns:p="http://schemas.openxmlformats.org/presentationml/2006/main">
   <p:cSld>
     <p:spTree>
@@ -17331,7 +17563,7 @@
             <a:fld id="{FE1B3154-47D9-4402-8EDB-E791933DC0B9}" type="slidenum">
               <a:rPr lang="nl-BE" smtClean="0"/>
               <a:pPr/>
-              <a:t>22</a:t>
+              <a:t>23</a:t>
             </a:fld>
             <a:endParaRPr lang="nl-BE"/>
           </a:p>
@@ -18251,7 +18483,7 @@
 </p:sld>
 </file>
 
-<file path=ppt/slides/slide23.xml><?xml version="1.0" encoding="utf-8"?>
+<file path=ppt/slides/slide24.xml><?xml version="1.0" encoding="utf-8"?>
 <p:sld xmlns:a="http://schemas.openxmlformats.org/drawingml/2006/main" xmlns:r="http://schemas.openxmlformats.org/officeDocument/2006/relationships" xmlns:p="http://schemas.openxmlformats.org/presentationml/2006/main">
   <p:cSld>
     <p:spTree>
@@ -18390,7 +18622,7 @@
             <a:fld id="{FE1B3154-47D9-4402-8EDB-E791933DC0B9}" type="slidenum">
               <a:rPr lang="nl-BE" smtClean="0"/>
               <a:pPr/>
-              <a:t>23</a:t>
+              <a:t>24</a:t>
             </a:fld>
             <a:endParaRPr lang="nl-BE"/>
           </a:p>
@@ -19165,7 +19397,7 @@
 </p:sld>
 </file>
 
-<file path=ppt/slides/slide24.xml><?xml version="1.0" encoding="utf-8"?>
+<file path=ppt/slides/slide25.xml><?xml version="1.0" encoding="utf-8"?>
 <p:sld xmlns:a="http://schemas.openxmlformats.org/drawingml/2006/main" xmlns:r="http://schemas.openxmlformats.org/officeDocument/2006/relationships" xmlns:p="http://schemas.openxmlformats.org/presentationml/2006/main">
   <p:cSld>
     <p:spTree>
@@ -19292,7 +19524,7 @@
             <a:fld id="{FE1B3154-47D9-4402-8EDB-E791933DC0B9}" type="slidenum">
               <a:rPr lang="nl-BE" smtClean="0"/>
               <a:pPr/>
-              <a:t>24</a:t>
+              <a:t>25</a:t>
             </a:fld>
             <a:endParaRPr lang="nl-BE"/>
           </a:p>
@@ -20059,7 +20291,7 @@
 </p:sld>
 </file>
 
-<file path=ppt/slides/slide25.xml><?xml version="1.0" encoding="utf-8"?>
+<file path=ppt/slides/slide26.xml><?xml version="1.0" encoding="utf-8"?>
 <p:sld xmlns:a="http://schemas.openxmlformats.org/drawingml/2006/main" xmlns:r="http://schemas.openxmlformats.org/officeDocument/2006/relationships" xmlns:p="http://schemas.openxmlformats.org/presentationml/2006/main">
   <p:cSld>
     <p:spTree>
@@ -20197,7 +20429,7 @@
             <a:fld id="{FE1B3154-47D9-4402-8EDB-E791933DC0B9}" type="slidenum">
               <a:rPr lang="nl-BE" smtClean="0"/>
               <a:pPr/>
-              <a:t>25</a:t>
+              <a:t>26</a:t>
             </a:fld>
             <a:endParaRPr lang="nl-BE"/>
           </a:p>
@@ -20839,7 +21071,7 @@
 </p:sld>
 </file>
 
-<file path=ppt/slides/slide26.xml><?xml version="1.0" encoding="utf-8"?>
+<file path=ppt/slides/slide27.xml><?xml version="1.0" encoding="utf-8"?>
 <p:sld xmlns:a="http://schemas.openxmlformats.org/drawingml/2006/main" xmlns:r="http://schemas.openxmlformats.org/officeDocument/2006/relationships" xmlns:p="http://schemas.openxmlformats.org/presentationml/2006/main">
   <p:cSld>
     <p:spTree>
@@ -20916,7 +21148,7 @@
             <a:fld id="{FE1B3154-47D9-4402-8EDB-E791933DC0B9}" type="slidenum">
               <a:rPr lang="nl-BE" smtClean="0"/>
               <a:pPr/>
-              <a:t>26</a:t>
+              <a:t>27</a:t>
             </a:fld>
             <a:endParaRPr lang="nl-BE"/>
           </a:p>
@@ -22335,7 +22567,7 @@
 </p:sld>
 </file>
 
-<file path=ppt/slides/slide27.xml><?xml version="1.0" encoding="utf-8"?>
+<file path=ppt/slides/slide28.xml><?xml version="1.0" encoding="utf-8"?>
 <p:sld xmlns:a="http://schemas.openxmlformats.org/drawingml/2006/main" xmlns:r="http://schemas.openxmlformats.org/officeDocument/2006/relationships" xmlns:p="http://schemas.openxmlformats.org/presentationml/2006/main">
   <p:cSld>
     <p:spTree>
@@ -22644,7 +22876,7 @@
             <a:fld id="{FE1B3154-47D9-4402-8EDB-E791933DC0B9}" type="slidenum">
               <a:rPr lang="nl-BE" smtClean="0"/>
               <a:pPr/>
-              <a:t>27</a:t>
+              <a:t>28</a:t>
             </a:fld>
             <a:endParaRPr lang="nl-BE"/>
           </a:p>
@@ -23464,7 +23696,7 @@
 </p:sld>
 </file>
 
-<file path=ppt/slides/slide28.xml><?xml version="1.0" encoding="utf-8"?>
+<file path=ppt/slides/slide29.xml><?xml version="1.0" encoding="utf-8"?>
 <p:sld xmlns:a="http://schemas.openxmlformats.org/drawingml/2006/main" xmlns:r="http://schemas.openxmlformats.org/officeDocument/2006/relationships" xmlns:p="http://schemas.openxmlformats.org/presentationml/2006/main">
   <p:cSld>
     <p:spTree>
@@ -23982,7 +24214,7 @@
             <a:fld id="{FE1B3154-47D9-4402-8EDB-E791933DC0B9}" type="slidenum">
               <a:rPr lang="nl-BE" smtClean="0"/>
               <a:pPr/>
-              <a:t>28</a:t>
+              <a:t>29</a:t>
             </a:fld>
             <a:endParaRPr lang="nl-BE"/>
           </a:p>
@@ -24006,1421 +24238,6 @@
       <p:transition spd="slow" advTm="48973"/>
     </mc:Fallback>
   </mc:AlternateContent>
-</p:sld>
-</file>
-
-<file path=ppt/slides/slide29.xml><?xml version="1.0" encoding="utf-8"?>
-<p:sld xmlns:a="http://schemas.openxmlformats.org/drawingml/2006/main" xmlns:r="http://schemas.openxmlformats.org/officeDocument/2006/relationships" xmlns:p="http://schemas.openxmlformats.org/presentationml/2006/main">
-  <p:cSld>
-    <p:spTree>
-      <p:nvGrpSpPr>
-        <p:cNvPr id="1" name=""/>
-        <p:cNvGrpSpPr/>
-        <p:nvPr/>
-      </p:nvGrpSpPr>
-      <p:grpSpPr>
-        <a:xfrm>
-          <a:off x="0" y="0"/>
-          <a:ext cx="0" cy="0"/>
-          <a:chOff x="0" y="0"/>
-          <a:chExt cx="0" cy="0"/>
-        </a:xfrm>
-      </p:grpSpPr>
-      <p:sp>
-        <p:nvSpPr>
-          <p:cNvPr id="2" name="Titel 1">
-            <a:extLst>
-              <a:ext uri="{FF2B5EF4-FFF2-40B4-BE49-F238E27FC236}">
-                <a16:creationId xmlns:a16="http://schemas.microsoft.com/office/drawing/2014/main" id="{177D3999-8CAF-4D22-90D8-54FB6245077C}"/>
-              </a:ext>
-            </a:extLst>
-          </p:cNvPr>
-          <p:cNvSpPr>
-            <a:spLocks noGrp="1"/>
-          </p:cNvSpPr>
-          <p:nvPr>
-            <p:ph type="title"/>
-          </p:nvPr>
-        </p:nvSpPr>
-        <p:spPr/>
-        <p:txBody>
-          <a:bodyPr/>
-          <a:lstStyle/>
-          <a:p>
-            <a:r>
-              <a:rPr lang="nl-BE"/>
-              <a:t>Function </a:t>
-            </a:r>
-            <a:r>
-              <a:rPr lang="nl-BE" err="1"/>
-              <a:t>exists</a:t>
-            </a:r>
-            <a:r>
-              <a:rPr lang="nl-BE"/>
-              <a:t>(): </a:t>
-            </a:r>
-            <a:r>
-              <a:rPr lang="nl-BE" err="1"/>
-              <a:t>example</a:t>
-            </a:r>
-            <a:r>
-              <a:rPr lang="nl-BE"/>
-              <a:t> 1</a:t>
-            </a:r>
-          </a:p>
-        </p:txBody>
-      </p:sp>
-      <p:sp>
-        <p:nvSpPr>
-          <p:cNvPr id="4" name="Tijdelijke aanduiding voor dianummer 3">
-            <a:extLst>
-              <a:ext uri="{FF2B5EF4-FFF2-40B4-BE49-F238E27FC236}">
-                <a16:creationId xmlns:a16="http://schemas.microsoft.com/office/drawing/2014/main" id="{3A60DAC9-1241-4B8F-860A-FB957B2B8EC2}"/>
-              </a:ext>
-            </a:extLst>
-          </p:cNvPr>
-          <p:cNvSpPr>
-            <a:spLocks noGrp="1"/>
-          </p:cNvSpPr>
-          <p:nvPr>
-            <p:ph type="sldNum" sz="quarter" idx="12"/>
-          </p:nvPr>
-        </p:nvSpPr>
-        <p:spPr/>
-        <p:txBody>
-          <a:bodyPr/>
-          <a:lstStyle/>
-          <a:p>
-            <a:fld id="{FE1B3154-47D9-4402-8EDB-E791933DC0B9}" type="slidenum">
-              <a:rPr lang="nl-BE" smtClean="0"/>
-              <a:pPr/>
-              <a:t>29</a:t>
-            </a:fld>
-            <a:endParaRPr lang="nl-BE"/>
-          </a:p>
-        </p:txBody>
-      </p:sp>
-      <p:sp>
-        <p:nvSpPr>
-          <p:cNvPr id="6" name="Rechthoek: afgeronde hoeken 5">
-            <a:extLst>
-              <a:ext uri="{FF2B5EF4-FFF2-40B4-BE49-F238E27FC236}">
-                <a16:creationId xmlns:a16="http://schemas.microsoft.com/office/drawing/2014/main" id="{C7C9D5C4-D93A-4A37-BF71-FE4C2DD2CA7A}"/>
-              </a:ext>
-            </a:extLst>
-          </p:cNvPr>
-          <p:cNvSpPr/>
-          <p:nvPr/>
-        </p:nvSpPr>
-        <p:spPr>
-          <a:xfrm>
-            <a:off x="1194474" y="4797531"/>
-            <a:ext cx="7936079" cy="1001307"/>
-          </a:xfrm>
-          <a:prstGeom prst="roundRect">
-            <a:avLst/>
-          </a:prstGeom>
-          <a:solidFill>
-            <a:schemeClr val="bg1"/>
-          </a:solidFill>
-          <a:ln w="28575">
-            <a:solidFill>
-              <a:srgbClr val="D5AD42"/>
-            </a:solidFill>
-          </a:ln>
-        </p:spPr>
-        <p:style>
-          <a:lnRef idx="2">
-            <a:schemeClr val="accent1">
-              <a:shade val="50000"/>
-            </a:schemeClr>
-          </a:lnRef>
-          <a:fillRef idx="1">
-            <a:schemeClr val="accent1"/>
-          </a:fillRef>
-          <a:effectRef idx="0">
-            <a:schemeClr val="accent1"/>
-          </a:effectRef>
-          <a:fontRef idx="minor">
-            <a:schemeClr val="lt1"/>
-          </a:fontRef>
-        </p:style>
-        <p:txBody>
-          <a:bodyPr rtlCol="0" anchor="ctr"/>
-          <a:lstStyle/>
-          <a:p>
-            <a:pPr marL="342900" lvl="0" indent="-342900" eaLnBrk="0" fontAlgn="base" hangingPunct="0">
-              <a:spcBef>
-                <a:spcPct val="0"/>
-              </a:spcBef>
-              <a:spcAft>
-                <a:spcPct val="0"/>
-              </a:spcAft>
-              <a:buFont typeface="Arial" panose="020B0604020202020204" pitchFamily="34" charset="0"/>
-              <a:buChar char="•"/>
-            </a:pPr>
-            <a:r>
-              <a:rPr lang="nl-BE" sz="2000">
-                <a:solidFill>
-                  <a:schemeClr val="tx1"/>
-                </a:solidFill>
-                <a:latin typeface="Calibri" panose="020F0502020204030204" pitchFamily="34" charset="0"/>
-                <a:cs typeface="Calibri" panose="020F0502020204030204" pitchFamily="34" charset="0"/>
-              </a:rPr>
-              <a:t>When you run the program for the first time, schedule.txt is created</a:t>
-            </a:r>
-          </a:p>
-          <a:p>
-            <a:pPr marL="342900" lvl="0" indent="-342900" eaLnBrk="0" fontAlgn="base" hangingPunct="0">
-              <a:spcBef>
-                <a:spcPct val="0"/>
-              </a:spcBef>
-              <a:spcAft>
-                <a:spcPct val="0"/>
-              </a:spcAft>
-              <a:buFont typeface="Arial" panose="020B0604020202020204" pitchFamily="34" charset="0"/>
-              <a:buChar char="•"/>
-            </a:pPr>
-            <a:r>
-              <a:rPr lang="nl-BE" sz="2000">
-                <a:solidFill>
-                  <a:schemeClr val="tx1"/>
-                </a:solidFill>
-                <a:latin typeface="Calibri" panose="020F0502020204030204" pitchFamily="34" charset="0"/>
-                <a:cs typeface="Calibri" panose="020F0502020204030204" pitchFamily="34" charset="0"/>
-              </a:rPr>
-              <a:t>After that, the file can no longer be emptied and overwritten</a:t>
-            </a:r>
-          </a:p>
-        </p:txBody>
-      </p:sp>
-      <p:sp>
-        <p:nvSpPr>
-          <p:cNvPr id="3" name="Rectangle 1">
-            <a:extLst>
-              <a:ext uri="{FF2B5EF4-FFF2-40B4-BE49-F238E27FC236}">
-                <a16:creationId xmlns:a16="http://schemas.microsoft.com/office/drawing/2014/main" id="{E80EF7A4-B871-4F43-B867-59A23FE00999}"/>
-              </a:ext>
-            </a:extLst>
-          </p:cNvPr>
-          <p:cNvSpPr>
-            <a:spLocks noChangeArrowheads="1"/>
-          </p:cNvSpPr>
-          <p:nvPr/>
-        </p:nvSpPr>
-        <p:spPr bwMode="auto">
-          <a:xfrm>
-            <a:off x="651849" y="1685475"/>
-            <a:ext cx="8930650" cy="2554545"/>
-          </a:xfrm>
-          <a:prstGeom prst="rect">
-            <a:avLst/>
-          </a:prstGeom>
-          <a:solidFill>
-            <a:srgbClr val="FFFFFF"/>
-          </a:solidFill>
-          <a:ln>
-            <a:noFill/>
-          </a:ln>
-          <a:effectLst/>
-          <a:extLst>
-            <a:ext uri="{91240B29-F687-4F45-9708-019B960494DF}">
-              <a14:hiddenLine xmlns:a14="http://schemas.microsoft.com/office/drawing/2010/main" w="9525">
-                <a:solidFill>
-                  <a:schemeClr val="tx1"/>
-                </a:solidFill>
-                <a:miter lim="800000"/>
-                <a:headEnd/>
-                <a:tailEnd/>
-              </a14:hiddenLine>
-            </a:ext>
-            <a:ext uri="{AF507438-7753-43E0-B8FC-AC1667EBCBE1}">
-              <a14:hiddenEffects xmlns:a14="http://schemas.microsoft.com/office/drawing/2010/main">
-                <a:effectLst>
-                  <a:outerShdw dist="35921" dir="2700000" algn="ctr" rotWithShape="0">
-                    <a:schemeClr val="bg2"/>
-                  </a:outerShdw>
-                </a:effectLst>
-              </a14:hiddenEffects>
-            </a:ext>
-          </a:extLst>
-        </p:spPr>
-        <p:txBody>
-          <a:bodyPr vert="horz" wrap="none" lIns="91440" tIns="45720" rIns="91440" bIns="45720" numCol="1" anchor="ctr" anchorCtr="0" compatLnSpc="1">
-            <a:prstTxWarp prst="textNoShape">
-              <a:avLst/>
-            </a:prstTxWarp>
-            <a:spAutoFit/>
-          </a:bodyPr>
-          <a:lstStyle/>
-          <a:p>
-            <a:pPr lvl="0" eaLnBrk="0" fontAlgn="base" hangingPunct="0">
-              <a:spcBef>
-                <a:spcPct val="0"/>
-              </a:spcBef>
-              <a:spcAft>
-                <a:spcPct val="0"/>
-              </a:spcAft>
-            </a:pPr>
-            <a:r>
-              <a:rPr kumimoji="0" lang="nl-BE" altLang="nl-BE" sz="2000" b="1" i="0" u="none" strike="noStrike" cap="none" normalizeH="0" baseline="0" dirty="0" err="1">
-                <a:ln>
-                  <a:noFill/>
-                </a:ln>
-                <a:solidFill>
-                  <a:srgbClr val="000080"/>
-                </a:solidFill>
-                <a:effectLst/>
-                <a:latin typeface="Consolas" panose="020B0609020204030204" pitchFamily="49" charset="0"/>
-              </a:rPr>
-              <a:t>from</a:t>
-            </a:r>
-            <a:r>
-              <a:rPr kumimoji="0" lang="nl-BE" altLang="nl-BE" sz="2000" b="1" i="0" u="none" strike="noStrike" cap="none" normalizeH="0" baseline="0" dirty="0">
-                <a:ln>
-                  <a:noFill/>
-                </a:ln>
-                <a:solidFill>
-                  <a:srgbClr val="000080"/>
-                </a:solidFill>
-                <a:effectLst/>
-                <a:latin typeface="Consolas" panose="020B0609020204030204" pitchFamily="49" charset="0"/>
-              </a:rPr>
-              <a:t> </a:t>
-            </a:r>
-            <a:r>
-              <a:rPr kumimoji="0" lang="nl-BE" altLang="nl-BE" sz="2000" b="0" i="0" u="none" strike="noStrike" cap="none" normalizeH="0" baseline="0" dirty="0" err="1">
-                <a:ln>
-                  <a:noFill/>
-                </a:ln>
-                <a:solidFill>
-                  <a:srgbClr val="000000"/>
-                </a:solidFill>
-                <a:effectLst/>
-                <a:latin typeface="Consolas" panose="020B0609020204030204" pitchFamily="49" charset="0"/>
-              </a:rPr>
-              <a:t>os.path</a:t>
-            </a:r>
-            <a:r>
-              <a:rPr kumimoji="0" lang="nl-BE" altLang="nl-BE" sz="2000" b="0" i="0" u="none" strike="noStrike" cap="none" normalizeH="0" baseline="0" dirty="0">
-                <a:ln>
-                  <a:noFill/>
-                </a:ln>
-                <a:solidFill>
-                  <a:srgbClr val="000000"/>
-                </a:solidFill>
-                <a:effectLst/>
-                <a:latin typeface="Consolas" panose="020B0609020204030204" pitchFamily="49" charset="0"/>
-              </a:rPr>
-              <a:t> </a:t>
-            </a:r>
-            <a:r>
-              <a:rPr kumimoji="0" lang="nl-BE" altLang="nl-BE" sz="2000" b="1" i="0" u="none" strike="noStrike" cap="none" normalizeH="0" baseline="0" dirty="0">
-                <a:ln>
-                  <a:noFill/>
-                </a:ln>
-                <a:solidFill>
-                  <a:srgbClr val="000080"/>
-                </a:solidFill>
-                <a:effectLst/>
-                <a:latin typeface="Consolas" panose="020B0609020204030204" pitchFamily="49" charset="0"/>
-              </a:rPr>
-              <a:t>import </a:t>
-            </a:r>
-            <a:r>
-              <a:rPr kumimoji="0" lang="nl-BE" altLang="nl-BE" sz="2000" b="0" i="0" u="none" strike="noStrike" cap="none" normalizeH="0" baseline="0" dirty="0" err="1">
-                <a:ln>
-                  <a:noFill/>
-                </a:ln>
-                <a:solidFill>
-                  <a:srgbClr val="000000"/>
-                </a:solidFill>
-                <a:effectLst/>
-                <a:latin typeface="Consolas" panose="020B0609020204030204" pitchFamily="49" charset="0"/>
-              </a:rPr>
-              <a:t>exists</a:t>
-            </a:r>
-            <a:br>
-              <a:rPr kumimoji="0" lang="nl-BE" altLang="nl-BE" sz="2000" b="0" i="0" u="none" strike="noStrike" cap="none" normalizeH="0" baseline="0" dirty="0">
-                <a:ln>
-                  <a:noFill/>
-                </a:ln>
-                <a:solidFill>
-                  <a:srgbClr val="000000"/>
-                </a:solidFill>
-                <a:effectLst/>
-                <a:latin typeface="Consolas" panose="020B0609020204030204" pitchFamily="49" charset="0"/>
-              </a:rPr>
-            </a:br>
-            <a:r>
-              <a:rPr kumimoji="0" lang="nl-BE" altLang="nl-BE" sz="2000" b="0" i="1" u="none" strike="noStrike" cap="none" normalizeH="0" baseline="0" dirty="0">
-                <a:ln>
-                  <a:noFill/>
-                </a:ln>
-                <a:solidFill>
-                  <a:srgbClr val="808080"/>
-                </a:solidFill>
-                <a:effectLst/>
-                <a:latin typeface="Consolas" panose="020B0609020204030204" pitchFamily="49" charset="0"/>
-              </a:rPr>
-              <a:t># check </a:t>
-            </a:r>
-            <a:r>
-              <a:rPr kumimoji="0" lang="nl-BE" altLang="nl-BE" sz="2000" b="0" i="1" u="none" strike="noStrike" cap="none" normalizeH="0" baseline="0" dirty="0" err="1">
-                <a:ln>
-                  <a:noFill/>
-                </a:ln>
-                <a:solidFill>
-                  <a:srgbClr val="808080"/>
-                </a:solidFill>
-                <a:effectLst/>
-                <a:latin typeface="Consolas" panose="020B0609020204030204" pitchFamily="49" charset="0"/>
-              </a:rPr>
-              <a:t>if</a:t>
-            </a:r>
-            <a:r>
-              <a:rPr kumimoji="0" lang="nl-BE" altLang="nl-BE" sz="2000" b="0" i="1" u="none" strike="noStrike" cap="none" normalizeH="0" baseline="0" dirty="0">
-                <a:ln>
-                  <a:noFill/>
-                </a:ln>
-                <a:solidFill>
-                  <a:srgbClr val="808080"/>
-                </a:solidFill>
-                <a:effectLst/>
-                <a:latin typeface="Consolas" panose="020B0609020204030204" pitchFamily="49" charset="0"/>
-              </a:rPr>
-              <a:t> file </a:t>
-            </a:r>
-            <a:r>
-              <a:rPr kumimoji="0" lang="nl-BE" altLang="nl-BE" sz="2000" b="0" i="1" u="none" strike="noStrike" cap="none" normalizeH="0" baseline="0" dirty="0" err="1">
-                <a:ln>
-                  <a:noFill/>
-                </a:ln>
-                <a:solidFill>
-                  <a:srgbClr val="808080"/>
-                </a:solidFill>
-                <a:effectLst/>
-                <a:latin typeface="Consolas" panose="020B0609020204030204" pitchFamily="49" charset="0"/>
-              </a:rPr>
-              <a:t>exists</a:t>
-            </a:r>
-            <a:r>
-              <a:rPr kumimoji="0" lang="nl-BE" altLang="nl-BE" sz="2000" b="0" i="1" u="none" strike="noStrike" cap="none" normalizeH="0" baseline="0" dirty="0">
-                <a:ln>
-                  <a:noFill/>
-                </a:ln>
-                <a:solidFill>
-                  <a:srgbClr val="808080"/>
-                </a:solidFill>
-                <a:effectLst/>
-                <a:latin typeface="Consolas" panose="020B0609020204030204" pitchFamily="49" charset="0"/>
-              </a:rPr>
-              <a:t> </a:t>
-            </a:r>
-            <a:r>
-              <a:rPr kumimoji="0" lang="nl-BE" altLang="nl-BE" sz="2000" b="0" i="1" u="none" strike="noStrike" cap="none" normalizeH="0" baseline="0" dirty="0" err="1">
-                <a:ln>
-                  <a:noFill/>
-                </a:ln>
-                <a:solidFill>
-                  <a:srgbClr val="808080"/>
-                </a:solidFill>
-                <a:effectLst/>
-                <a:latin typeface="Consolas" panose="020B0609020204030204" pitchFamily="49" charset="0"/>
-              </a:rPr>
-              <a:t>and</a:t>
-            </a:r>
-            <a:r>
-              <a:rPr kumimoji="0" lang="nl-BE" altLang="nl-BE" sz="2000" b="0" i="1" u="none" strike="noStrike" cap="none" normalizeH="0" baseline="0" dirty="0">
-                <a:ln>
-                  <a:noFill/>
-                </a:ln>
-                <a:solidFill>
-                  <a:srgbClr val="808080"/>
-                </a:solidFill>
-                <a:effectLst/>
-                <a:latin typeface="Consolas" panose="020B0609020204030204" pitchFamily="49" charset="0"/>
-              </a:rPr>
-              <a:t> </a:t>
-            </a:r>
-            <a:r>
-              <a:rPr kumimoji="0" lang="nl-BE" altLang="nl-BE" sz="2000" b="0" i="1" u="none" strike="noStrike" cap="none" normalizeH="0" baseline="0" dirty="0" err="1">
-                <a:ln>
-                  <a:noFill/>
-                </a:ln>
-                <a:solidFill>
-                  <a:srgbClr val="808080"/>
-                </a:solidFill>
-                <a:effectLst/>
-                <a:latin typeface="Consolas" panose="020B0609020204030204" pitchFamily="49" charset="0"/>
-              </a:rPr>
-              <a:t>if</a:t>
-            </a:r>
-            <a:r>
-              <a:rPr kumimoji="0" lang="nl-BE" altLang="nl-BE" sz="2000" b="0" i="1" u="none" strike="noStrike" cap="none" normalizeH="0" baseline="0" dirty="0">
-                <a:ln>
-                  <a:noFill/>
-                </a:ln>
-                <a:solidFill>
-                  <a:srgbClr val="808080"/>
-                </a:solidFill>
-                <a:effectLst/>
-                <a:latin typeface="Consolas" panose="020B0609020204030204" pitchFamily="49" charset="0"/>
-              </a:rPr>
-              <a:t> </a:t>
-            </a:r>
-            <a:r>
-              <a:rPr kumimoji="0" lang="nl-BE" altLang="nl-BE" sz="2000" b="0" i="1" u="none" strike="noStrike" cap="none" normalizeH="0" baseline="0" dirty="0" err="1">
-                <a:ln>
-                  <a:noFill/>
-                </a:ln>
-                <a:solidFill>
-                  <a:srgbClr val="808080"/>
-                </a:solidFill>
-                <a:effectLst/>
-                <a:latin typeface="Consolas" panose="020B0609020204030204" pitchFamily="49" charset="0"/>
-              </a:rPr>
-              <a:t>not</a:t>
-            </a:r>
-            <a:r>
-              <a:rPr kumimoji="0" lang="nl-BE" altLang="nl-BE" sz="2000" b="0" i="1" u="none" strike="noStrike" cap="none" normalizeH="0" baseline="0" dirty="0">
-                <a:ln>
-                  <a:noFill/>
-                </a:ln>
-                <a:solidFill>
-                  <a:srgbClr val="808080"/>
-                </a:solidFill>
-                <a:effectLst/>
-                <a:latin typeface="Consolas" panose="020B0609020204030204" pitchFamily="49" charset="0"/>
-              </a:rPr>
-              <a:t> </a:t>
-            </a:r>
-            <a:r>
-              <a:rPr kumimoji="0" lang="nl-BE" altLang="nl-BE" sz="2000" b="0" i="1" u="none" strike="noStrike" cap="none" normalizeH="0" baseline="0" dirty="0" err="1">
-                <a:ln>
-                  <a:noFill/>
-                </a:ln>
-                <a:solidFill>
-                  <a:srgbClr val="808080"/>
-                </a:solidFill>
-                <a:effectLst/>
-                <a:latin typeface="Consolas" panose="020B0609020204030204" pitchFamily="49" charset="0"/>
-              </a:rPr>
-              <a:t>create</a:t>
-            </a:r>
-            <a:r>
-              <a:rPr kumimoji="0" lang="nl-BE" altLang="nl-BE" sz="2000" b="0" i="1" u="none" strike="noStrike" cap="none" normalizeH="0" baseline="0" dirty="0">
-                <a:ln>
-                  <a:noFill/>
-                </a:ln>
-                <a:solidFill>
-                  <a:srgbClr val="808080"/>
-                </a:solidFill>
-                <a:effectLst/>
-                <a:latin typeface="Consolas" panose="020B0609020204030204" pitchFamily="49" charset="0"/>
-              </a:rPr>
-              <a:t> </a:t>
-            </a:r>
-            <a:r>
-              <a:rPr kumimoji="0" lang="nl-BE" altLang="nl-BE" sz="2000" b="0" i="1" u="none" strike="noStrike" cap="none" normalizeH="0" baseline="0" dirty="0" err="1">
-                <a:ln>
-                  <a:noFill/>
-                </a:ln>
-                <a:solidFill>
-                  <a:srgbClr val="808080"/>
-                </a:solidFill>
-                <a:effectLst/>
-                <a:latin typeface="Consolas" panose="020B0609020204030204" pitchFamily="49" charset="0"/>
-              </a:rPr>
-              <a:t>the</a:t>
-            </a:r>
-            <a:r>
-              <a:rPr kumimoji="0" lang="nl-BE" altLang="nl-BE" sz="2000" b="0" i="1" u="none" strike="noStrike" cap="none" normalizeH="0" baseline="0" dirty="0">
-                <a:ln>
-                  <a:noFill/>
-                </a:ln>
-                <a:solidFill>
-                  <a:srgbClr val="808080"/>
-                </a:solidFill>
-                <a:effectLst/>
-                <a:latin typeface="Consolas" panose="020B0609020204030204" pitchFamily="49" charset="0"/>
-              </a:rPr>
-              <a:t> file</a:t>
-            </a:r>
-            <a:br>
-              <a:rPr kumimoji="0" lang="nl-BE" altLang="nl-BE" sz="2000" b="0" i="1" u="none" strike="noStrike" cap="none" normalizeH="0" baseline="0" dirty="0">
-                <a:ln>
-                  <a:noFill/>
-                </a:ln>
-                <a:solidFill>
-                  <a:srgbClr val="808080"/>
-                </a:solidFill>
-                <a:effectLst/>
-                <a:latin typeface="Consolas" panose="020B0609020204030204" pitchFamily="49" charset="0"/>
-              </a:rPr>
-            </a:br>
-            <a:r>
-              <a:rPr kumimoji="0" lang="nl-BE" altLang="nl-BE" sz="2000" b="1" i="0" u="none" strike="noStrike" cap="none" normalizeH="0" baseline="0" dirty="0" err="1">
-                <a:ln>
-                  <a:noFill/>
-                </a:ln>
-                <a:solidFill>
-                  <a:srgbClr val="000080"/>
-                </a:solidFill>
-                <a:effectLst/>
-                <a:latin typeface="Consolas" panose="020B0609020204030204" pitchFamily="49" charset="0"/>
-              </a:rPr>
-              <a:t>if</a:t>
-            </a:r>
-            <a:r>
-              <a:rPr kumimoji="0" lang="nl-BE" altLang="nl-BE" sz="2000" b="1" i="0" u="none" strike="noStrike" cap="none" normalizeH="0" baseline="0" dirty="0">
-                <a:ln>
-                  <a:noFill/>
-                </a:ln>
-                <a:solidFill>
-                  <a:srgbClr val="000080"/>
-                </a:solidFill>
-                <a:effectLst/>
-                <a:latin typeface="Consolas" panose="020B0609020204030204" pitchFamily="49" charset="0"/>
-              </a:rPr>
-              <a:t> </a:t>
-            </a:r>
-            <a:r>
-              <a:rPr kumimoji="0" lang="nl-BE" altLang="nl-BE" sz="2000" b="0" i="0" u="none" strike="noStrike" cap="none" normalizeH="0" baseline="0" dirty="0" err="1">
-                <a:ln>
-                  <a:noFill/>
-                </a:ln>
-                <a:solidFill>
-                  <a:srgbClr val="000000"/>
-                </a:solidFill>
-                <a:effectLst/>
-                <a:latin typeface="Consolas" panose="020B0609020204030204" pitchFamily="49" charset="0"/>
-              </a:rPr>
-              <a:t>exists</a:t>
-            </a:r>
-            <a:r>
-              <a:rPr kumimoji="0" lang="nl-BE" altLang="nl-BE" sz="2000" b="0" i="0" u="none" strike="noStrike" cap="none" normalizeH="0" baseline="0" dirty="0">
-                <a:ln>
-                  <a:noFill/>
-                </a:ln>
-                <a:solidFill>
-                  <a:srgbClr val="000000"/>
-                </a:solidFill>
-                <a:effectLst/>
-                <a:latin typeface="Consolas" panose="020B0609020204030204" pitchFamily="49" charset="0"/>
-              </a:rPr>
-              <a:t>(</a:t>
-            </a:r>
-            <a:r>
-              <a:rPr lang="nl-BE" altLang="nl-BE" sz="2000" b="1" dirty="0">
-                <a:solidFill>
-                  <a:srgbClr val="008080"/>
-                </a:solidFill>
-                <a:latin typeface="Consolas" panose="020B0609020204030204" pitchFamily="49" charset="0"/>
-              </a:rPr>
-              <a:t>'schedule.txt'</a:t>
-            </a:r>
-            <a:r>
-              <a:rPr kumimoji="0" lang="nl-BE" altLang="nl-BE" sz="2000" b="0" i="0" u="none" strike="noStrike" cap="none" normalizeH="0" baseline="0" dirty="0">
-                <a:ln>
-                  <a:noFill/>
-                </a:ln>
-                <a:solidFill>
-                  <a:srgbClr val="000000"/>
-                </a:solidFill>
-                <a:effectLst/>
-                <a:latin typeface="Consolas" panose="020B0609020204030204" pitchFamily="49" charset="0"/>
-              </a:rPr>
-              <a:t>):</a:t>
-            </a:r>
-            <a:br>
-              <a:rPr kumimoji="0" lang="nl-BE" altLang="nl-BE" sz="2000" b="0" i="0" u="none" strike="noStrike" cap="none" normalizeH="0" baseline="0" dirty="0">
-                <a:ln>
-                  <a:noFill/>
-                </a:ln>
-                <a:solidFill>
-                  <a:srgbClr val="000000"/>
-                </a:solidFill>
-                <a:effectLst/>
-                <a:latin typeface="Consolas" panose="020B0609020204030204" pitchFamily="49" charset="0"/>
-              </a:rPr>
-            </a:br>
-            <a:r>
-              <a:rPr kumimoji="0" lang="nl-BE" altLang="nl-BE" sz="2000" b="0" i="0" u="none" strike="noStrike" cap="none" normalizeH="0" baseline="0" dirty="0">
-                <a:ln>
-                  <a:noFill/>
-                </a:ln>
-                <a:solidFill>
-                  <a:srgbClr val="000000"/>
-                </a:solidFill>
-                <a:effectLst/>
-                <a:latin typeface="Consolas" panose="020B0609020204030204" pitchFamily="49" charset="0"/>
-              </a:rPr>
-              <a:t>    </a:t>
-            </a:r>
-            <a:r>
-              <a:rPr kumimoji="0" lang="nl-BE" altLang="nl-BE" sz="2000" b="0" i="0" u="none" strike="noStrike" cap="none" normalizeH="0" baseline="0" dirty="0">
-                <a:ln>
-                  <a:noFill/>
-                </a:ln>
-                <a:solidFill>
-                  <a:srgbClr val="000080"/>
-                </a:solidFill>
-                <a:effectLst/>
-                <a:latin typeface="Consolas" panose="020B0609020204030204" pitchFamily="49" charset="0"/>
-              </a:rPr>
-              <a:t>print</a:t>
-            </a:r>
-            <a:r>
-              <a:rPr kumimoji="0" lang="nl-BE" altLang="nl-BE" sz="2000" b="0" i="0" u="none" strike="noStrike" cap="none" normalizeH="0" baseline="0" dirty="0">
-                <a:ln>
-                  <a:noFill/>
-                </a:ln>
-                <a:solidFill>
-                  <a:srgbClr val="000000"/>
-                </a:solidFill>
-                <a:effectLst/>
-                <a:latin typeface="Consolas" panose="020B0609020204030204" pitchFamily="49" charset="0"/>
-              </a:rPr>
-              <a:t>(</a:t>
-            </a:r>
-            <a:r>
-              <a:rPr kumimoji="0" lang="nl-BE" altLang="nl-BE" sz="2000" b="1" i="0" u="none" strike="noStrike" cap="none" normalizeH="0" baseline="0" dirty="0">
-                <a:ln>
-                  <a:noFill/>
-                </a:ln>
-                <a:solidFill>
-                  <a:srgbClr val="008080"/>
-                </a:solidFill>
-                <a:effectLst/>
-                <a:latin typeface="Consolas" panose="020B0609020204030204" pitchFamily="49" charset="0"/>
-              </a:rPr>
-              <a:t>'The file </a:t>
-            </a:r>
-            <a:r>
-              <a:rPr kumimoji="0" lang="nl-BE" altLang="nl-BE" sz="2000" b="1" i="0" u="none" strike="noStrike" cap="none" normalizeH="0" baseline="0" dirty="0" err="1">
-                <a:ln>
-                  <a:noFill/>
-                </a:ln>
-                <a:solidFill>
-                  <a:srgbClr val="008080"/>
-                </a:solidFill>
-                <a:effectLst/>
-                <a:latin typeface="Consolas" panose="020B0609020204030204" pitchFamily="49" charset="0"/>
-              </a:rPr>
-              <a:t>already</a:t>
-            </a:r>
-            <a:r>
-              <a:rPr kumimoji="0" lang="nl-BE" altLang="nl-BE" sz="2000" b="1" i="0" u="none" strike="noStrike" cap="none" normalizeH="0" baseline="0" dirty="0">
-                <a:ln>
-                  <a:noFill/>
-                </a:ln>
-                <a:solidFill>
-                  <a:srgbClr val="008080"/>
-                </a:solidFill>
-                <a:effectLst/>
-                <a:latin typeface="Consolas" panose="020B0609020204030204" pitchFamily="49" charset="0"/>
-              </a:rPr>
-              <a:t> </a:t>
-            </a:r>
-            <a:r>
-              <a:rPr kumimoji="0" lang="nl-BE" altLang="nl-BE" sz="2000" b="1" i="0" u="none" strike="noStrike" cap="none" normalizeH="0" baseline="0" dirty="0" err="1">
-                <a:ln>
-                  <a:noFill/>
-                </a:ln>
-                <a:solidFill>
-                  <a:srgbClr val="008080"/>
-                </a:solidFill>
-                <a:effectLst/>
-                <a:latin typeface="Consolas" panose="020B0609020204030204" pitchFamily="49" charset="0"/>
-              </a:rPr>
-              <a:t>exists</a:t>
-            </a:r>
-            <a:r>
-              <a:rPr kumimoji="0" lang="nl-BE" altLang="nl-BE" sz="2000" b="1" i="0" u="none" strike="noStrike" cap="none" normalizeH="0" baseline="0" dirty="0">
-                <a:ln>
-                  <a:noFill/>
-                </a:ln>
-                <a:solidFill>
-                  <a:srgbClr val="008080"/>
-                </a:solidFill>
-                <a:effectLst/>
-                <a:latin typeface="Consolas" panose="020B0609020204030204" pitchFamily="49" charset="0"/>
-              </a:rPr>
-              <a:t> </a:t>
-            </a:r>
-            <a:r>
-              <a:rPr kumimoji="0" lang="nl-BE" altLang="nl-BE" sz="2000" b="1" i="0" u="none" strike="noStrike" cap="none" normalizeH="0" baseline="0" dirty="0" err="1">
-                <a:ln>
-                  <a:noFill/>
-                </a:ln>
-                <a:solidFill>
-                  <a:srgbClr val="008080"/>
-                </a:solidFill>
-                <a:effectLst/>
-                <a:latin typeface="Consolas" panose="020B0609020204030204" pitchFamily="49" charset="0"/>
-              </a:rPr>
-              <a:t>and</a:t>
-            </a:r>
-            <a:r>
-              <a:rPr kumimoji="0" lang="nl-BE" altLang="nl-BE" sz="2000" b="1" i="0" u="none" strike="noStrike" cap="none" normalizeH="0" baseline="0" dirty="0">
-                <a:ln>
-                  <a:noFill/>
-                </a:ln>
-                <a:solidFill>
-                  <a:srgbClr val="008080"/>
-                </a:solidFill>
-                <a:effectLst/>
-                <a:latin typeface="Consolas" panose="020B0609020204030204" pitchFamily="49" charset="0"/>
-              </a:rPr>
-              <a:t> </a:t>
-            </a:r>
-            <a:r>
-              <a:rPr kumimoji="0" lang="nl-BE" altLang="nl-BE" sz="2000" b="1" i="0" u="none" strike="noStrike" cap="none" normalizeH="0" baseline="0" dirty="0" err="1">
-                <a:ln>
-                  <a:noFill/>
-                </a:ln>
-                <a:solidFill>
-                  <a:srgbClr val="008080"/>
-                </a:solidFill>
-                <a:effectLst/>
-                <a:latin typeface="Consolas" panose="020B0609020204030204" pitchFamily="49" charset="0"/>
-              </a:rPr>
-              <a:t>cannot</a:t>
-            </a:r>
-            <a:r>
-              <a:rPr kumimoji="0" lang="nl-BE" altLang="nl-BE" sz="2000" b="1" i="0" u="none" strike="noStrike" cap="none" normalizeH="0" baseline="0" dirty="0">
-                <a:ln>
-                  <a:noFill/>
-                </a:ln>
-                <a:solidFill>
-                  <a:srgbClr val="008080"/>
-                </a:solidFill>
-                <a:effectLst/>
-                <a:latin typeface="Consolas" panose="020B0609020204030204" pitchFamily="49" charset="0"/>
-              </a:rPr>
-              <a:t> </a:t>
-            </a:r>
-            <a:r>
-              <a:rPr kumimoji="0" lang="nl-BE" altLang="nl-BE" sz="2000" b="1" i="0" u="none" strike="noStrike" cap="none" normalizeH="0" baseline="0" dirty="0" err="1">
-                <a:ln>
-                  <a:noFill/>
-                </a:ln>
-                <a:solidFill>
-                  <a:srgbClr val="008080"/>
-                </a:solidFill>
-                <a:effectLst/>
-                <a:latin typeface="Consolas" panose="020B0609020204030204" pitchFamily="49" charset="0"/>
-              </a:rPr>
-              <a:t>be</a:t>
-            </a:r>
-            <a:r>
-              <a:rPr kumimoji="0" lang="nl-BE" altLang="nl-BE" sz="2000" b="1" i="0" u="none" strike="noStrike" cap="none" normalizeH="0" baseline="0" dirty="0">
-                <a:ln>
-                  <a:noFill/>
-                </a:ln>
-                <a:solidFill>
-                  <a:srgbClr val="008080"/>
-                </a:solidFill>
-                <a:effectLst/>
-                <a:latin typeface="Consolas" panose="020B0609020204030204" pitchFamily="49" charset="0"/>
-              </a:rPr>
-              <a:t> </a:t>
-            </a:r>
-            <a:r>
-              <a:rPr kumimoji="0" lang="nl-BE" altLang="nl-BE" sz="2000" b="1" i="0" u="none" strike="noStrike" cap="none" normalizeH="0" baseline="0" dirty="0" err="1">
-                <a:ln>
-                  <a:noFill/>
-                </a:ln>
-                <a:solidFill>
-                  <a:srgbClr val="008080"/>
-                </a:solidFill>
-                <a:effectLst/>
-                <a:latin typeface="Consolas" panose="020B0609020204030204" pitchFamily="49" charset="0"/>
-              </a:rPr>
-              <a:t>overwritten</a:t>
-            </a:r>
-            <a:r>
-              <a:rPr kumimoji="0" lang="nl-BE" altLang="nl-BE" sz="2000" b="1" i="0" u="none" strike="noStrike" cap="none" normalizeH="0" baseline="0" dirty="0">
-                <a:ln>
-                  <a:noFill/>
-                </a:ln>
-                <a:solidFill>
-                  <a:srgbClr val="008080"/>
-                </a:solidFill>
-                <a:effectLst/>
-                <a:latin typeface="Consolas" panose="020B0609020204030204" pitchFamily="49" charset="0"/>
-              </a:rPr>
-              <a:t>'</a:t>
-            </a:r>
-            <a:r>
-              <a:rPr kumimoji="0" lang="nl-BE" altLang="nl-BE" sz="2000" b="0" i="0" u="none" strike="noStrike" cap="none" normalizeH="0" baseline="0" dirty="0">
-                <a:ln>
-                  <a:noFill/>
-                </a:ln>
-                <a:solidFill>
-                  <a:srgbClr val="000000"/>
-                </a:solidFill>
-                <a:effectLst/>
-                <a:latin typeface="Consolas" panose="020B0609020204030204" pitchFamily="49" charset="0"/>
-              </a:rPr>
-              <a:t>)</a:t>
-            </a:r>
-            <a:br>
-              <a:rPr kumimoji="0" lang="nl-BE" altLang="nl-BE" sz="2000" b="0" i="0" u="none" strike="noStrike" cap="none" normalizeH="0" baseline="0" dirty="0">
-                <a:ln>
-                  <a:noFill/>
-                </a:ln>
-                <a:solidFill>
-                  <a:srgbClr val="000000"/>
-                </a:solidFill>
-                <a:effectLst/>
-                <a:latin typeface="Consolas" panose="020B0609020204030204" pitchFamily="49" charset="0"/>
-              </a:rPr>
-            </a:br>
-            <a:r>
-              <a:rPr kumimoji="0" lang="nl-BE" altLang="nl-BE" sz="2000" b="1" i="0" u="none" strike="noStrike" cap="none" normalizeH="0" baseline="0" dirty="0" err="1">
-                <a:ln>
-                  <a:noFill/>
-                </a:ln>
-                <a:solidFill>
-                  <a:srgbClr val="000080"/>
-                </a:solidFill>
-                <a:effectLst/>
-                <a:latin typeface="Consolas" panose="020B0609020204030204" pitchFamily="49" charset="0"/>
-              </a:rPr>
-              <a:t>else</a:t>
-            </a:r>
-            <a:r>
-              <a:rPr kumimoji="0" lang="nl-BE" altLang="nl-BE" sz="2000" b="0" i="0" u="none" strike="noStrike" cap="none" normalizeH="0" baseline="0" dirty="0">
-                <a:ln>
-                  <a:noFill/>
-                </a:ln>
-                <a:solidFill>
-                  <a:srgbClr val="000000"/>
-                </a:solidFill>
-                <a:effectLst/>
-                <a:latin typeface="Consolas" panose="020B0609020204030204" pitchFamily="49" charset="0"/>
-              </a:rPr>
-              <a:t>:</a:t>
-            </a:r>
-            <a:br>
-              <a:rPr kumimoji="0" lang="nl-BE" altLang="nl-BE" sz="2000" b="0" i="0" u="none" strike="noStrike" cap="none" normalizeH="0" baseline="0" dirty="0">
-                <a:ln>
-                  <a:noFill/>
-                </a:ln>
-                <a:solidFill>
-                  <a:srgbClr val="000000"/>
-                </a:solidFill>
-                <a:effectLst/>
-                <a:latin typeface="Consolas" panose="020B0609020204030204" pitchFamily="49" charset="0"/>
-              </a:rPr>
-            </a:br>
-            <a:r>
-              <a:rPr kumimoji="0" lang="nl-BE" altLang="nl-BE" sz="2000" b="0" i="0" u="none" strike="noStrike" cap="none" normalizeH="0" baseline="0" dirty="0">
-                <a:ln>
-                  <a:noFill/>
-                </a:ln>
-                <a:solidFill>
-                  <a:srgbClr val="000000"/>
-                </a:solidFill>
-                <a:effectLst/>
-                <a:latin typeface="Consolas" panose="020B0609020204030204" pitchFamily="49" charset="0"/>
-              </a:rPr>
-              <a:t>    </a:t>
-            </a:r>
-            <a:r>
-              <a:rPr kumimoji="0" lang="nl-BE" altLang="nl-BE" sz="2000" b="1" i="0" u="none" strike="noStrike" cap="none" normalizeH="0" baseline="0" dirty="0" err="1">
-                <a:ln>
-                  <a:noFill/>
-                </a:ln>
-                <a:solidFill>
-                  <a:srgbClr val="000080"/>
-                </a:solidFill>
-                <a:effectLst/>
-                <a:latin typeface="Consolas" panose="020B0609020204030204" pitchFamily="49" charset="0"/>
-              </a:rPr>
-              <a:t>with</a:t>
-            </a:r>
-            <a:r>
-              <a:rPr kumimoji="0" lang="nl-BE" altLang="nl-BE" sz="2000" b="1" i="0" u="none" strike="noStrike" cap="none" normalizeH="0" baseline="0" dirty="0">
-                <a:ln>
-                  <a:noFill/>
-                </a:ln>
-                <a:solidFill>
-                  <a:srgbClr val="000080"/>
-                </a:solidFill>
-                <a:effectLst/>
-                <a:latin typeface="Consolas" panose="020B0609020204030204" pitchFamily="49" charset="0"/>
-              </a:rPr>
-              <a:t> </a:t>
-            </a:r>
-            <a:r>
-              <a:rPr kumimoji="0" lang="nl-BE" altLang="nl-BE" sz="2000" b="0" i="0" u="none" strike="noStrike" cap="none" normalizeH="0" baseline="0" dirty="0">
-                <a:ln>
-                  <a:noFill/>
-                </a:ln>
-                <a:solidFill>
-                  <a:srgbClr val="000080"/>
-                </a:solidFill>
-                <a:effectLst/>
-                <a:latin typeface="Consolas" panose="020B0609020204030204" pitchFamily="49" charset="0"/>
-              </a:rPr>
-              <a:t>open</a:t>
-            </a:r>
-            <a:r>
-              <a:rPr kumimoji="0" lang="nl-BE" altLang="nl-BE" sz="2000" b="0" i="0" u="none" strike="noStrike" cap="none" normalizeH="0" baseline="0" dirty="0">
-                <a:ln>
-                  <a:noFill/>
-                </a:ln>
-                <a:solidFill>
-                  <a:srgbClr val="000000"/>
-                </a:solidFill>
-                <a:effectLst/>
-                <a:latin typeface="Consolas" panose="020B0609020204030204" pitchFamily="49" charset="0"/>
-              </a:rPr>
-              <a:t>(</a:t>
-            </a:r>
-            <a:r>
-              <a:rPr lang="nl-BE" altLang="nl-BE" sz="2000" b="1" dirty="0">
-                <a:solidFill>
-                  <a:srgbClr val="008080"/>
-                </a:solidFill>
-                <a:latin typeface="Consolas" panose="020B0609020204030204" pitchFamily="49" charset="0"/>
-              </a:rPr>
-              <a:t>'schedule.txt'</a:t>
-            </a:r>
-            <a:r>
-              <a:rPr lang="nl-BE" altLang="nl-BE" sz="2000" dirty="0">
-                <a:solidFill>
-                  <a:srgbClr val="000000"/>
-                </a:solidFill>
-                <a:latin typeface="Consolas" panose="020B0609020204030204" pitchFamily="49" charset="0"/>
-              </a:rPr>
-              <a:t>, </a:t>
-            </a:r>
-            <a:r>
-              <a:rPr kumimoji="0" lang="nl-BE" altLang="nl-BE" sz="2000" b="1" i="0" u="none" strike="noStrike" cap="none" normalizeH="0" baseline="0" dirty="0">
-                <a:ln>
-                  <a:noFill/>
-                </a:ln>
-                <a:solidFill>
-                  <a:srgbClr val="008080"/>
-                </a:solidFill>
-                <a:effectLst/>
-                <a:latin typeface="Consolas" panose="020B0609020204030204" pitchFamily="49" charset="0"/>
-              </a:rPr>
-              <a:t>'w'</a:t>
-            </a:r>
-            <a:r>
-              <a:rPr kumimoji="0" lang="nl-BE" altLang="nl-BE" sz="2000" b="0" i="0" u="none" strike="noStrike" cap="none" normalizeH="0" baseline="0" dirty="0">
-                <a:ln>
-                  <a:noFill/>
-                </a:ln>
-                <a:solidFill>
-                  <a:srgbClr val="000000"/>
-                </a:solidFill>
-                <a:effectLst/>
-                <a:latin typeface="Consolas" panose="020B0609020204030204" pitchFamily="49" charset="0"/>
-              </a:rPr>
-              <a:t>, </a:t>
-            </a:r>
-            <a:r>
-              <a:rPr kumimoji="0" lang="nl-BE" altLang="nl-BE" sz="2000" b="0" i="0" u="none" strike="noStrike" cap="none" normalizeH="0" baseline="0" dirty="0" err="1">
-                <a:ln>
-                  <a:noFill/>
-                </a:ln>
-                <a:solidFill>
-                  <a:srgbClr val="660099"/>
-                </a:solidFill>
-                <a:effectLst/>
-                <a:latin typeface="Consolas" panose="020B0609020204030204" pitchFamily="49" charset="0"/>
-              </a:rPr>
-              <a:t>encoding</a:t>
-            </a:r>
-            <a:r>
-              <a:rPr kumimoji="0" lang="nl-BE" altLang="nl-BE" sz="2000" b="0" i="0" u="none" strike="noStrike" cap="none" normalizeH="0" baseline="0" dirty="0">
-                <a:ln>
-                  <a:noFill/>
-                </a:ln>
-                <a:solidFill>
-                  <a:srgbClr val="000000"/>
-                </a:solidFill>
-                <a:effectLst/>
-                <a:latin typeface="Consolas" panose="020B0609020204030204" pitchFamily="49" charset="0"/>
-              </a:rPr>
-              <a:t>=</a:t>
-            </a:r>
-            <a:r>
-              <a:rPr kumimoji="0" lang="nl-BE" altLang="nl-BE" sz="2000" b="1" i="0" u="none" strike="noStrike" cap="none" normalizeH="0" baseline="0" dirty="0">
-                <a:ln>
-                  <a:noFill/>
-                </a:ln>
-                <a:solidFill>
-                  <a:srgbClr val="008080"/>
-                </a:solidFill>
-                <a:effectLst/>
-                <a:latin typeface="Consolas" panose="020B0609020204030204" pitchFamily="49" charset="0"/>
-              </a:rPr>
-              <a:t>'UTF-8'</a:t>
-            </a:r>
-            <a:r>
-              <a:rPr kumimoji="0" lang="nl-BE" altLang="nl-BE" sz="2000" b="0" i="0" u="none" strike="noStrike" cap="none" normalizeH="0" baseline="0" dirty="0">
-                <a:ln>
-                  <a:noFill/>
-                </a:ln>
-                <a:solidFill>
-                  <a:srgbClr val="000000"/>
-                </a:solidFill>
-                <a:effectLst/>
-                <a:latin typeface="Consolas" panose="020B0609020204030204" pitchFamily="49" charset="0"/>
-              </a:rPr>
-              <a:t>) </a:t>
-            </a:r>
-            <a:r>
-              <a:rPr kumimoji="0" lang="nl-BE" altLang="nl-BE" sz="2000" b="1" i="0" u="none" strike="noStrike" cap="none" normalizeH="0" baseline="0" dirty="0">
-                <a:ln>
-                  <a:noFill/>
-                </a:ln>
-                <a:solidFill>
-                  <a:srgbClr val="000080"/>
-                </a:solidFill>
-                <a:effectLst/>
-                <a:latin typeface="Consolas" panose="020B0609020204030204" pitchFamily="49" charset="0"/>
-              </a:rPr>
-              <a:t>as </a:t>
-            </a:r>
-            <a:r>
-              <a:rPr kumimoji="0" lang="nl-BE" altLang="nl-BE" sz="2000" b="0" i="0" u="none" strike="noStrike" cap="none" normalizeH="0" baseline="0" dirty="0">
-                <a:ln>
-                  <a:noFill/>
-                </a:ln>
-                <a:solidFill>
-                  <a:srgbClr val="000000"/>
-                </a:solidFill>
-                <a:effectLst/>
-                <a:latin typeface="Consolas" panose="020B0609020204030204" pitchFamily="49" charset="0"/>
-              </a:rPr>
-              <a:t>file:</a:t>
-            </a:r>
-            <a:br>
-              <a:rPr kumimoji="0" lang="nl-BE" altLang="nl-BE" sz="2000" b="0" i="0" u="none" strike="noStrike" cap="none" normalizeH="0" baseline="0" dirty="0">
-                <a:ln>
-                  <a:noFill/>
-                </a:ln>
-                <a:solidFill>
-                  <a:srgbClr val="000000"/>
-                </a:solidFill>
-                <a:effectLst/>
-                <a:latin typeface="Consolas" panose="020B0609020204030204" pitchFamily="49" charset="0"/>
-              </a:rPr>
-            </a:br>
-            <a:r>
-              <a:rPr kumimoji="0" lang="nl-BE" altLang="nl-BE" sz="2000" b="0" i="0" u="none" strike="noStrike" cap="none" normalizeH="0" baseline="0" dirty="0">
-                <a:ln>
-                  <a:noFill/>
-                </a:ln>
-                <a:solidFill>
-                  <a:srgbClr val="000000"/>
-                </a:solidFill>
-                <a:effectLst/>
-                <a:latin typeface="Consolas" panose="020B0609020204030204" pitchFamily="49" charset="0"/>
-              </a:rPr>
-              <a:t>        </a:t>
-            </a:r>
-            <a:r>
-              <a:rPr kumimoji="0" lang="nl-BE" altLang="nl-BE" sz="2000" b="0" i="0" u="none" strike="noStrike" cap="none" normalizeH="0" baseline="0" dirty="0" err="1">
-                <a:ln>
-                  <a:noFill/>
-                </a:ln>
-                <a:solidFill>
-                  <a:srgbClr val="000000"/>
-                </a:solidFill>
-                <a:effectLst/>
-                <a:latin typeface="Consolas" panose="020B0609020204030204" pitchFamily="49" charset="0"/>
-              </a:rPr>
-              <a:t>file.write</a:t>
-            </a:r>
-            <a:r>
-              <a:rPr kumimoji="0" lang="nl-BE" altLang="nl-BE" sz="2000" b="0" i="0" u="none" strike="noStrike" cap="none" normalizeH="0" baseline="0" dirty="0">
-                <a:ln>
-                  <a:noFill/>
-                </a:ln>
-                <a:solidFill>
-                  <a:srgbClr val="000000"/>
-                </a:solidFill>
-                <a:effectLst/>
-                <a:latin typeface="Consolas" panose="020B0609020204030204" pitchFamily="49" charset="0"/>
-              </a:rPr>
-              <a:t>(</a:t>
-            </a:r>
-            <a:r>
-              <a:rPr kumimoji="0" lang="nl-BE" altLang="nl-BE" sz="2000" b="1" i="0" u="none" strike="noStrike" cap="none" normalizeH="0" baseline="0" dirty="0">
-                <a:ln>
-                  <a:noFill/>
-                </a:ln>
-                <a:solidFill>
-                  <a:srgbClr val="008080"/>
-                </a:solidFill>
-                <a:effectLst/>
-                <a:latin typeface="Consolas" panose="020B0609020204030204" pitchFamily="49" charset="0"/>
-              </a:rPr>
-              <a:t>'14/12;Mia Thans;12:30</a:t>
-            </a:r>
-            <a:r>
-              <a:rPr kumimoji="0" lang="nl-BE" altLang="nl-BE" sz="2000" b="1" i="0" u="none" strike="noStrike" cap="none" normalizeH="0" baseline="0" dirty="0">
-                <a:ln>
-                  <a:noFill/>
-                </a:ln>
-                <a:solidFill>
-                  <a:srgbClr val="000080"/>
-                </a:solidFill>
-                <a:effectLst/>
-                <a:latin typeface="Consolas" panose="020B0609020204030204" pitchFamily="49" charset="0"/>
-              </a:rPr>
-              <a:t>\n</a:t>
-            </a:r>
-            <a:r>
-              <a:rPr kumimoji="0" lang="nl-BE" altLang="nl-BE" sz="2000" b="1" i="0" u="none" strike="noStrike" cap="none" normalizeH="0" baseline="0" dirty="0">
-                <a:ln>
-                  <a:noFill/>
-                </a:ln>
-                <a:solidFill>
-                  <a:srgbClr val="008080"/>
-                </a:solidFill>
-                <a:effectLst/>
-                <a:latin typeface="Consolas" panose="020B0609020204030204" pitchFamily="49" charset="0"/>
-              </a:rPr>
-              <a:t>'</a:t>
-            </a:r>
-            <a:r>
-              <a:rPr kumimoji="0" lang="nl-BE" altLang="nl-BE" sz="2000" b="0" i="0" u="none" strike="noStrike" cap="none" normalizeH="0" baseline="0" dirty="0">
-                <a:ln>
-                  <a:noFill/>
-                </a:ln>
-                <a:solidFill>
-                  <a:srgbClr val="000000"/>
-                </a:solidFill>
-                <a:effectLst/>
-                <a:latin typeface="Consolas" panose="020B0609020204030204" pitchFamily="49" charset="0"/>
-              </a:rPr>
-              <a:t>)</a:t>
-            </a:r>
-            <a:br>
-              <a:rPr kumimoji="0" lang="nl-BE" altLang="nl-BE" sz="2000" b="0" i="0" u="none" strike="noStrike" cap="none" normalizeH="0" baseline="0" dirty="0">
-                <a:ln>
-                  <a:noFill/>
-                </a:ln>
-                <a:solidFill>
-                  <a:srgbClr val="000000"/>
-                </a:solidFill>
-                <a:effectLst/>
-                <a:latin typeface="Consolas" panose="020B0609020204030204" pitchFamily="49" charset="0"/>
-              </a:rPr>
-            </a:br>
-            <a:r>
-              <a:rPr kumimoji="0" lang="nl-BE" altLang="nl-BE" sz="2000" b="0" i="0" u="none" strike="noStrike" cap="none" normalizeH="0" baseline="0" dirty="0">
-                <a:ln>
-                  <a:noFill/>
-                </a:ln>
-                <a:solidFill>
-                  <a:srgbClr val="000000"/>
-                </a:solidFill>
-                <a:effectLst/>
-                <a:latin typeface="Consolas" panose="020B0609020204030204" pitchFamily="49" charset="0"/>
-              </a:rPr>
-              <a:t>        </a:t>
-            </a:r>
-            <a:r>
-              <a:rPr kumimoji="0" lang="nl-BE" altLang="nl-BE" sz="2000" b="0" i="0" u="none" strike="noStrike" cap="none" normalizeH="0" baseline="0" dirty="0" err="1">
-                <a:ln>
-                  <a:noFill/>
-                </a:ln>
-                <a:solidFill>
-                  <a:srgbClr val="000000"/>
-                </a:solidFill>
-                <a:effectLst/>
-                <a:latin typeface="Consolas" panose="020B0609020204030204" pitchFamily="49" charset="0"/>
-              </a:rPr>
-              <a:t>file.write</a:t>
-            </a:r>
-            <a:r>
-              <a:rPr kumimoji="0" lang="nl-BE" altLang="nl-BE" sz="2000" b="0" i="0" u="none" strike="noStrike" cap="none" normalizeH="0" baseline="0" dirty="0">
-                <a:ln>
-                  <a:noFill/>
-                </a:ln>
-                <a:solidFill>
-                  <a:srgbClr val="000000"/>
-                </a:solidFill>
-                <a:effectLst/>
-                <a:latin typeface="Consolas" panose="020B0609020204030204" pitchFamily="49" charset="0"/>
-              </a:rPr>
-              <a:t>(</a:t>
-            </a:r>
-            <a:r>
-              <a:rPr kumimoji="0" lang="nl-BE" altLang="nl-BE" sz="2000" b="1" i="0" u="none" strike="noStrike" cap="none" normalizeH="0" baseline="0" dirty="0">
-                <a:ln>
-                  <a:noFill/>
-                </a:ln>
-                <a:solidFill>
-                  <a:srgbClr val="008080"/>
-                </a:solidFill>
-                <a:effectLst/>
-                <a:latin typeface="Consolas" panose="020B0609020204030204" pitchFamily="49" charset="0"/>
-              </a:rPr>
-              <a:t>'15/12;Lian Sanchez;10:00</a:t>
-            </a:r>
-            <a:r>
-              <a:rPr kumimoji="0" lang="nl-BE" altLang="nl-BE" sz="2000" b="1" i="0" u="none" strike="noStrike" cap="none" normalizeH="0" baseline="0" dirty="0">
-                <a:ln>
-                  <a:noFill/>
-                </a:ln>
-                <a:solidFill>
-                  <a:srgbClr val="000080"/>
-                </a:solidFill>
-                <a:effectLst/>
-                <a:latin typeface="Consolas" panose="020B0609020204030204" pitchFamily="49" charset="0"/>
-              </a:rPr>
-              <a:t>\n</a:t>
-            </a:r>
-            <a:r>
-              <a:rPr kumimoji="0" lang="nl-BE" altLang="nl-BE" sz="2000" b="1" i="0" u="none" strike="noStrike" cap="none" normalizeH="0" baseline="0" dirty="0">
-                <a:ln>
-                  <a:noFill/>
-                </a:ln>
-                <a:solidFill>
-                  <a:srgbClr val="008080"/>
-                </a:solidFill>
-                <a:effectLst/>
-                <a:latin typeface="Consolas" panose="020B0609020204030204" pitchFamily="49" charset="0"/>
-              </a:rPr>
-              <a:t>'</a:t>
-            </a:r>
-            <a:r>
-              <a:rPr kumimoji="0" lang="nl-BE" altLang="nl-BE" sz="2000" b="0" i="0" u="none" strike="noStrike" cap="none" normalizeH="0" baseline="0" dirty="0">
-                <a:ln>
-                  <a:noFill/>
-                </a:ln>
-                <a:solidFill>
-                  <a:srgbClr val="000000"/>
-                </a:solidFill>
-                <a:effectLst/>
-                <a:latin typeface="Consolas" panose="020B0609020204030204" pitchFamily="49" charset="0"/>
-              </a:rPr>
-              <a:t>)</a:t>
-            </a:r>
-            <a:endParaRPr kumimoji="0" lang="nl-BE" altLang="nl-BE" sz="2000" b="0" i="0" u="none" strike="noStrike" cap="none" normalizeH="0" baseline="0" dirty="0">
-              <a:ln>
-                <a:noFill/>
-              </a:ln>
-              <a:solidFill>
-                <a:schemeClr val="tx1"/>
-              </a:solidFill>
-              <a:effectLst/>
-              <a:latin typeface="Arial" panose="020B0604020202020204" pitchFamily="34" charset="0"/>
-            </a:endParaRPr>
-          </a:p>
-        </p:txBody>
-      </p:sp>
-    </p:spTree>
-    <p:custDataLst>
-      <p:tags r:id="rId1"/>
-    </p:custDataLst>
-    <p:extLst>
-      <p:ext uri="{BB962C8B-B14F-4D97-AF65-F5344CB8AC3E}">
-        <p14:creationId xmlns:p14="http://schemas.microsoft.com/office/powerpoint/2010/main" val="2024552683"/>
-      </p:ext>
-    </p:extLst>
-  </p:cSld>
-  <p:clrMapOvr>
-    <a:masterClrMapping/>
-  </p:clrMapOvr>
-  <mc:AlternateContent xmlns:mc="http://schemas.openxmlformats.org/markup-compatibility/2006" xmlns:p14="http://schemas.microsoft.com/office/powerpoint/2010/main">
-    <mc:Choice Requires="p14">
-      <p:transition spd="slow" p14:dur="2000" advTm="74776"/>
-    </mc:Choice>
-    <mc:Fallback xmlns="">
-      <p:transition spd="slow" advTm="74776"/>
-    </mc:Fallback>
-  </mc:AlternateContent>
-  <p:timing>
-    <p:tnLst>
-      <p:par>
-        <p:cTn id="1" dur="indefinite" restart="never" nodeType="tmRoot">
-          <p:childTnLst>
-            <p:seq concurrent="1" nextAc="seek">
-              <p:cTn id="2" dur="indefinite" nodeType="mainSeq">
-                <p:childTnLst>
-                  <p:par>
-                    <p:cTn id="3" fill="hold">
-                      <p:stCondLst>
-                        <p:cond delay="indefinite"/>
-                      </p:stCondLst>
-                      <p:childTnLst>
-                        <p:par>
-                          <p:cTn id="4" fill="hold">
-                            <p:stCondLst>
-                              <p:cond delay="0"/>
-                            </p:stCondLst>
-                            <p:childTnLst>
-                              <p:par>
-                                <p:cTn id="5" presetID="1" presetClass="entr" presetSubtype="0" fill="hold" grpId="0" nodeType="clickEffect">
-                                  <p:stCondLst>
-                                    <p:cond delay="0"/>
-                                  </p:stCondLst>
-                                  <p:childTnLst>
-                                    <p:set>
-                                      <p:cBhvr>
-                                        <p:cTn id="6" dur="1" fill="hold">
-                                          <p:stCondLst>
-                                            <p:cond delay="0"/>
-                                          </p:stCondLst>
-                                        </p:cTn>
-                                        <p:tgtEl>
-                                          <p:spTgt spid="6"/>
-                                        </p:tgtEl>
-                                        <p:attrNameLst>
-                                          <p:attrName>style.visibility</p:attrName>
-                                        </p:attrNameLst>
-                                      </p:cBhvr>
-                                      <p:to>
-                                        <p:strVal val="visible"/>
-                                      </p:to>
-                                    </p:set>
-                                  </p:childTnLst>
-                                </p:cTn>
-                              </p:par>
-                            </p:childTnLst>
-                          </p:cTn>
-                        </p:par>
-                      </p:childTnLst>
-                    </p:cTn>
-                  </p:par>
-                </p:childTnLst>
-              </p:cTn>
-              <p:prevCondLst>
-                <p:cond evt="onPrev" delay="0">
-                  <p:tgtEl>
-                    <p:sldTgt/>
-                  </p:tgtEl>
-                </p:cond>
-              </p:prevCondLst>
-              <p:nextCondLst>
-                <p:cond evt="onNext" delay="0">
-                  <p:tgtEl>
-                    <p:sldTgt/>
-                  </p:tgtEl>
-                </p:cond>
-              </p:nextCondLst>
-            </p:seq>
-          </p:childTnLst>
-        </p:cTn>
-      </p:par>
-    </p:tnLst>
-    <p:bldLst>
-      <p:bldP spid="6" grpId="0" animBg="1"/>
-    </p:bldLst>
-  </p:timing>
 </p:sld>
 </file>
 
@@ -25926,6 +24743,1421 @@
           <p:cNvPr id="2" name="Titel 1">
             <a:extLst>
               <a:ext uri="{FF2B5EF4-FFF2-40B4-BE49-F238E27FC236}">
+                <a16:creationId xmlns:a16="http://schemas.microsoft.com/office/drawing/2014/main" id="{177D3999-8CAF-4D22-90D8-54FB6245077C}"/>
+              </a:ext>
+            </a:extLst>
+          </p:cNvPr>
+          <p:cNvSpPr>
+            <a:spLocks noGrp="1"/>
+          </p:cNvSpPr>
+          <p:nvPr>
+            <p:ph type="title"/>
+          </p:nvPr>
+        </p:nvSpPr>
+        <p:spPr/>
+        <p:txBody>
+          <a:bodyPr/>
+          <a:lstStyle/>
+          <a:p>
+            <a:r>
+              <a:rPr lang="nl-BE"/>
+              <a:t>Function </a:t>
+            </a:r>
+            <a:r>
+              <a:rPr lang="nl-BE" err="1"/>
+              <a:t>exists</a:t>
+            </a:r>
+            <a:r>
+              <a:rPr lang="nl-BE"/>
+              <a:t>(): </a:t>
+            </a:r>
+            <a:r>
+              <a:rPr lang="nl-BE" err="1"/>
+              <a:t>example</a:t>
+            </a:r>
+            <a:r>
+              <a:rPr lang="nl-BE"/>
+              <a:t> 1</a:t>
+            </a:r>
+          </a:p>
+        </p:txBody>
+      </p:sp>
+      <p:sp>
+        <p:nvSpPr>
+          <p:cNvPr id="4" name="Tijdelijke aanduiding voor dianummer 3">
+            <a:extLst>
+              <a:ext uri="{FF2B5EF4-FFF2-40B4-BE49-F238E27FC236}">
+                <a16:creationId xmlns:a16="http://schemas.microsoft.com/office/drawing/2014/main" id="{3A60DAC9-1241-4B8F-860A-FB957B2B8EC2}"/>
+              </a:ext>
+            </a:extLst>
+          </p:cNvPr>
+          <p:cNvSpPr>
+            <a:spLocks noGrp="1"/>
+          </p:cNvSpPr>
+          <p:nvPr>
+            <p:ph type="sldNum" sz="quarter" idx="12"/>
+          </p:nvPr>
+        </p:nvSpPr>
+        <p:spPr/>
+        <p:txBody>
+          <a:bodyPr/>
+          <a:lstStyle/>
+          <a:p>
+            <a:fld id="{FE1B3154-47D9-4402-8EDB-E791933DC0B9}" type="slidenum">
+              <a:rPr lang="nl-BE" smtClean="0"/>
+              <a:pPr/>
+              <a:t>30</a:t>
+            </a:fld>
+            <a:endParaRPr lang="nl-BE"/>
+          </a:p>
+        </p:txBody>
+      </p:sp>
+      <p:sp>
+        <p:nvSpPr>
+          <p:cNvPr id="6" name="Rechthoek: afgeronde hoeken 5">
+            <a:extLst>
+              <a:ext uri="{FF2B5EF4-FFF2-40B4-BE49-F238E27FC236}">
+                <a16:creationId xmlns:a16="http://schemas.microsoft.com/office/drawing/2014/main" id="{C7C9D5C4-D93A-4A37-BF71-FE4C2DD2CA7A}"/>
+              </a:ext>
+            </a:extLst>
+          </p:cNvPr>
+          <p:cNvSpPr/>
+          <p:nvPr/>
+        </p:nvSpPr>
+        <p:spPr>
+          <a:xfrm>
+            <a:off x="1194474" y="4797531"/>
+            <a:ext cx="7936079" cy="1001307"/>
+          </a:xfrm>
+          <a:prstGeom prst="roundRect">
+            <a:avLst/>
+          </a:prstGeom>
+          <a:solidFill>
+            <a:schemeClr val="bg1"/>
+          </a:solidFill>
+          <a:ln w="28575">
+            <a:solidFill>
+              <a:srgbClr val="D5AD42"/>
+            </a:solidFill>
+          </a:ln>
+        </p:spPr>
+        <p:style>
+          <a:lnRef idx="2">
+            <a:schemeClr val="accent1">
+              <a:shade val="50000"/>
+            </a:schemeClr>
+          </a:lnRef>
+          <a:fillRef idx="1">
+            <a:schemeClr val="accent1"/>
+          </a:fillRef>
+          <a:effectRef idx="0">
+            <a:schemeClr val="accent1"/>
+          </a:effectRef>
+          <a:fontRef idx="minor">
+            <a:schemeClr val="lt1"/>
+          </a:fontRef>
+        </p:style>
+        <p:txBody>
+          <a:bodyPr rtlCol="0" anchor="ctr"/>
+          <a:lstStyle/>
+          <a:p>
+            <a:pPr marL="342900" lvl="0" indent="-342900" eaLnBrk="0" fontAlgn="base" hangingPunct="0">
+              <a:spcBef>
+                <a:spcPct val="0"/>
+              </a:spcBef>
+              <a:spcAft>
+                <a:spcPct val="0"/>
+              </a:spcAft>
+              <a:buFont typeface="Arial" panose="020B0604020202020204" pitchFamily="34" charset="0"/>
+              <a:buChar char="•"/>
+            </a:pPr>
+            <a:r>
+              <a:rPr lang="nl-BE" sz="2000">
+                <a:solidFill>
+                  <a:schemeClr val="tx1"/>
+                </a:solidFill>
+                <a:latin typeface="Calibri" panose="020F0502020204030204" pitchFamily="34" charset="0"/>
+                <a:cs typeface="Calibri" panose="020F0502020204030204" pitchFamily="34" charset="0"/>
+              </a:rPr>
+              <a:t>When you run the program for the first time, schedule.txt is created</a:t>
+            </a:r>
+          </a:p>
+          <a:p>
+            <a:pPr marL="342900" lvl="0" indent="-342900" eaLnBrk="0" fontAlgn="base" hangingPunct="0">
+              <a:spcBef>
+                <a:spcPct val="0"/>
+              </a:spcBef>
+              <a:spcAft>
+                <a:spcPct val="0"/>
+              </a:spcAft>
+              <a:buFont typeface="Arial" panose="020B0604020202020204" pitchFamily="34" charset="0"/>
+              <a:buChar char="•"/>
+            </a:pPr>
+            <a:r>
+              <a:rPr lang="nl-BE" sz="2000">
+                <a:solidFill>
+                  <a:schemeClr val="tx1"/>
+                </a:solidFill>
+                <a:latin typeface="Calibri" panose="020F0502020204030204" pitchFamily="34" charset="0"/>
+                <a:cs typeface="Calibri" panose="020F0502020204030204" pitchFamily="34" charset="0"/>
+              </a:rPr>
+              <a:t>After that, the file can no longer be emptied and overwritten</a:t>
+            </a:r>
+          </a:p>
+        </p:txBody>
+      </p:sp>
+      <p:sp>
+        <p:nvSpPr>
+          <p:cNvPr id="3" name="Rectangle 1">
+            <a:extLst>
+              <a:ext uri="{FF2B5EF4-FFF2-40B4-BE49-F238E27FC236}">
+                <a16:creationId xmlns:a16="http://schemas.microsoft.com/office/drawing/2014/main" id="{E80EF7A4-B871-4F43-B867-59A23FE00999}"/>
+              </a:ext>
+            </a:extLst>
+          </p:cNvPr>
+          <p:cNvSpPr>
+            <a:spLocks noChangeArrowheads="1"/>
+          </p:cNvSpPr>
+          <p:nvPr/>
+        </p:nvSpPr>
+        <p:spPr bwMode="auto">
+          <a:xfrm>
+            <a:off x="651849" y="1685475"/>
+            <a:ext cx="8930650" cy="2554545"/>
+          </a:xfrm>
+          <a:prstGeom prst="rect">
+            <a:avLst/>
+          </a:prstGeom>
+          <a:solidFill>
+            <a:srgbClr val="FFFFFF"/>
+          </a:solidFill>
+          <a:ln>
+            <a:noFill/>
+          </a:ln>
+          <a:effectLst/>
+          <a:extLst>
+            <a:ext uri="{91240B29-F687-4F45-9708-019B960494DF}">
+              <a14:hiddenLine xmlns:a14="http://schemas.microsoft.com/office/drawing/2010/main" w="9525">
+                <a:solidFill>
+                  <a:schemeClr val="tx1"/>
+                </a:solidFill>
+                <a:miter lim="800000"/>
+                <a:headEnd/>
+                <a:tailEnd/>
+              </a14:hiddenLine>
+            </a:ext>
+            <a:ext uri="{AF507438-7753-43E0-B8FC-AC1667EBCBE1}">
+              <a14:hiddenEffects xmlns:a14="http://schemas.microsoft.com/office/drawing/2010/main">
+                <a:effectLst>
+                  <a:outerShdw dist="35921" dir="2700000" algn="ctr" rotWithShape="0">
+                    <a:schemeClr val="bg2"/>
+                  </a:outerShdw>
+                </a:effectLst>
+              </a14:hiddenEffects>
+            </a:ext>
+          </a:extLst>
+        </p:spPr>
+        <p:txBody>
+          <a:bodyPr vert="horz" wrap="none" lIns="91440" tIns="45720" rIns="91440" bIns="45720" numCol="1" anchor="ctr" anchorCtr="0" compatLnSpc="1">
+            <a:prstTxWarp prst="textNoShape">
+              <a:avLst/>
+            </a:prstTxWarp>
+            <a:spAutoFit/>
+          </a:bodyPr>
+          <a:lstStyle/>
+          <a:p>
+            <a:pPr lvl="0" eaLnBrk="0" fontAlgn="base" hangingPunct="0">
+              <a:spcBef>
+                <a:spcPct val="0"/>
+              </a:spcBef>
+              <a:spcAft>
+                <a:spcPct val="0"/>
+              </a:spcAft>
+            </a:pPr>
+            <a:r>
+              <a:rPr kumimoji="0" lang="nl-BE" altLang="nl-BE" sz="2000" b="1" i="0" u="none" strike="noStrike" cap="none" normalizeH="0" baseline="0" dirty="0" err="1">
+                <a:ln>
+                  <a:noFill/>
+                </a:ln>
+                <a:solidFill>
+                  <a:srgbClr val="000080"/>
+                </a:solidFill>
+                <a:effectLst/>
+                <a:latin typeface="Consolas" panose="020B0609020204030204" pitchFamily="49" charset="0"/>
+              </a:rPr>
+              <a:t>from</a:t>
+            </a:r>
+            <a:r>
+              <a:rPr kumimoji="0" lang="nl-BE" altLang="nl-BE" sz="2000" b="1" i="0" u="none" strike="noStrike" cap="none" normalizeH="0" baseline="0" dirty="0">
+                <a:ln>
+                  <a:noFill/>
+                </a:ln>
+                <a:solidFill>
+                  <a:srgbClr val="000080"/>
+                </a:solidFill>
+                <a:effectLst/>
+                <a:latin typeface="Consolas" panose="020B0609020204030204" pitchFamily="49" charset="0"/>
+              </a:rPr>
+              <a:t> </a:t>
+            </a:r>
+            <a:r>
+              <a:rPr kumimoji="0" lang="nl-BE" altLang="nl-BE" sz="2000" b="0" i="0" u="none" strike="noStrike" cap="none" normalizeH="0" baseline="0" dirty="0" err="1">
+                <a:ln>
+                  <a:noFill/>
+                </a:ln>
+                <a:solidFill>
+                  <a:srgbClr val="000000"/>
+                </a:solidFill>
+                <a:effectLst/>
+                <a:latin typeface="Consolas" panose="020B0609020204030204" pitchFamily="49" charset="0"/>
+              </a:rPr>
+              <a:t>os.path</a:t>
+            </a:r>
+            <a:r>
+              <a:rPr kumimoji="0" lang="nl-BE" altLang="nl-BE" sz="2000" b="0" i="0" u="none" strike="noStrike" cap="none" normalizeH="0" baseline="0" dirty="0">
+                <a:ln>
+                  <a:noFill/>
+                </a:ln>
+                <a:solidFill>
+                  <a:srgbClr val="000000"/>
+                </a:solidFill>
+                <a:effectLst/>
+                <a:latin typeface="Consolas" panose="020B0609020204030204" pitchFamily="49" charset="0"/>
+              </a:rPr>
+              <a:t> </a:t>
+            </a:r>
+            <a:r>
+              <a:rPr kumimoji="0" lang="nl-BE" altLang="nl-BE" sz="2000" b="1" i="0" u="none" strike="noStrike" cap="none" normalizeH="0" baseline="0" dirty="0">
+                <a:ln>
+                  <a:noFill/>
+                </a:ln>
+                <a:solidFill>
+                  <a:srgbClr val="000080"/>
+                </a:solidFill>
+                <a:effectLst/>
+                <a:latin typeface="Consolas" panose="020B0609020204030204" pitchFamily="49" charset="0"/>
+              </a:rPr>
+              <a:t>import </a:t>
+            </a:r>
+            <a:r>
+              <a:rPr kumimoji="0" lang="nl-BE" altLang="nl-BE" sz="2000" b="0" i="0" u="none" strike="noStrike" cap="none" normalizeH="0" baseline="0" dirty="0" err="1">
+                <a:ln>
+                  <a:noFill/>
+                </a:ln>
+                <a:solidFill>
+                  <a:srgbClr val="000000"/>
+                </a:solidFill>
+                <a:effectLst/>
+                <a:latin typeface="Consolas" panose="020B0609020204030204" pitchFamily="49" charset="0"/>
+              </a:rPr>
+              <a:t>exists</a:t>
+            </a:r>
+            <a:br>
+              <a:rPr kumimoji="0" lang="nl-BE" altLang="nl-BE" sz="2000" b="0" i="0" u="none" strike="noStrike" cap="none" normalizeH="0" baseline="0" dirty="0">
+                <a:ln>
+                  <a:noFill/>
+                </a:ln>
+                <a:solidFill>
+                  <a:srgbClr val="000000"/>
+                </a:solidFill>
+                <a:effectLst/>
+                <a:latin typeface="Consolas" panose="020B0609020204030204" pitchFamily="49" charset="0"/>
+              </a:rPr>
+            </a:br>
+            <a:r>
+              <a:rPr kumimoji="0" lang="nl-BE" altLang="nl-BE" sz="2000" b="0" i="1" u="none" strike="noStrike" cap="none" normalizeH="0" baseline="0" dirty="0">
+                <a:ln>
+                  <a:noFill/>
+                </a:ln>
+                <a:solidFill>
+                  <a:srgbClr val="808080"/>
+                </a:solidFill>
+                <a:effectLst/>
+                <a:latin typeface="Consolas" panose="020B0609020204030204" pitchFamily="49" charset="0"/>
+              </a:rPr>
+              <a:t># check </a:t>
+            </a:r>
+            <a:r>
+              <a:rPr kumimoji="0" lang="nl-BE" altLang="nl-BE" sz="2000" b="0" i="1" u="none" strike="noStrike" cap="none" normalizeH="0" baseline="0" dirty="0" err="1">
+                <a:ln>
+                  <a:noFill/>
+                </a:ln>
+                <a:solidFill>
+                  <a:srgbClr val="808080"/>
+                </a:solidFill>
+                <a:effectLst/>
+                <a:latin typeface="Consolas" panose="020B0609020204030204" pitchFamily="49" charset="0"/>
+              </a:rPr>
+              <a:t>if</a:t>
+            </a:r>
+            <a:r>
+              <a:rPr kumimoji="0" lang="nl-BE" altLang="nl-BE" sz="2000" b="0" i="1" u="none" strike="noStrike" cap="none" normalizeH="0" baseline="0" dirty="0">
+                <a:ln>
+                  <a:noFill/>
+                </a:ln>
+                <a:solidFill>
+                  <a:srgbClr val="808080"/>
+                </a:solidFill>
+                <a:effectLst/>
+                <a:latin typeface="Consolas" panose="020B0609020204030204" pitchFamily="49" charset="0"/>
+              </a:rPr>
+              <a:t> file </a:t>
+            </a:r>
+            <a:r>
+              <a:rPr kumimoji="0" lang="nl-BE" altLang="nl-BE" sz="2000" b="0" i="1" u="none" strike="noStrike" cap="none" normalizeH="0" baseline="0" dirty="0" err="1">
+                <a:ln>
+                  <a:noFill/>
+                </a:ln>
+                <a:solidFill>
+                  <a:srgbClr val="808080"/>
+                </a:solidFill>
+                <a:effectLst/>
+                <a:latin typeface="Consolas" panose="020B0609020204030204" pitchFamily="49" charset="0"/>
+              </a:rPr>
+              <a:t>exists</a:t>
+            </a:r>
+            <a:r>
+              <a:rPr kumimoji="0" lang="nl-BE" altLang="nl-BE" sz="2000" b="0" i="1" u="none" strike="noStrike" cap="none" normalizeH="0" baseline="0" dirty="0">
+                <a:ln>
+                  <a:noFill/>
+                </a:ln>
+                <a:solidFill>
+                  <a:srgbClr val="808080"/>
+                </a:solidFill>
+                <a:effectLst/>
+                <a:latin typeface="Consolas" panose="020B0609020204030204" pitchFamily="49" charset="0"/>
+              </a:rPr>
+              <a:t> </a:t>
+            </a:r>
+            <a:r>
+              <a:rPr kumimoji="0" lang="nl-BE" altLang="nl-BE" sz="2000" b="0" i="1" u="none" strike="noStrike" cap="none" normalizeH="0" baseline="0" dirty="0" err="1">
+                <a:ln>
+                  <a:noFill/>
+                </a:ln>
+                <a:solidFill>
+                  <a:srgbClr val="808080"/>
+                </a:solidFill>
+                <a:effectLst/>
+                <a:latin typeface="Consolas" panose="020B0609020204030204" pitchFamily="49" charset="0"/>
+              </a:rPr>
+              <a:t>and</a:t>
+            </a:r>
+            <a:r>
+              <a:rPr kumimoji="0" lang="nl-BE" altLang="nl-BE" sz="2000" b="0" i="1" u="none" strike="noStrike" cap="none" normalizeH="0" baseline="0" dirty="0">
+                <a:ln>
+                  <a:noFill/>
+                </a:ln>
+                <a:solidFill>
+                  <a:srgbClr val="808080"/>
+                </a:solidFill>
+                <a:effectLst/>
+                <a:latin typeface="Consolas" panose="020B0609020204030204" pitchFamily="49" charset="0"/>
+              </a:rPr>
+              <a:t> </a:t>
+            </a:r>
+            <a:r>
+              <a:rPr kumimoji="0" lang="nl-BE" altLang="nl-BE" sz="2000" b="0" i="1" u="none" strike="noStrike" cap="none" normalizeH="0" baseline="0" dirty="0" err="1">
+                <a:ln>
+                  <a:noFill/>
+                </a:ln>
+                <a:solidFill>
+                  <a:srgbClr val="808080"/>
+                </a:solidFill>
+                <a:effectLst/>
+                <a:latin typeface="Consolas" panose="020B0609020204030204" pitchFamily="49" charset="0"/>
+              </a:rPr>
+              <a:t>if</a:t>
+            </a:r>
+            <a:r>
+              <a:rPr kumimoji="0" lang="nl-BE" altLang="nl-BE" sz="2000" b="0" i="1" u="none" strike="noStrike" cap="none" normalizeH="0" baseline="0" dirty="0">
+                <a:ln>
+                  <a:noFill/>
+                </a:ln>
+                <a:solidFill>
+                  <a:srgbClr val="808080"/>
+                </a:solidFill>
+                <a:effectLst/>
+                <a:latin typeface="Consolas" panose="020B0609020204030204" pitchFamily="49" charset="0"/>
+              </a:rPr>
+              <a:t> </a:t>
+            </a:r>
+            <a:r>
+              <a:rPr kumimoji="0" lang="nl-BE" altLang="nl-BE" sz="2000" b="0" i="1" u="none" strike="noStrike" cap="none" normalizeH="0" baseline="0" dirty="0" err="1">
+                <a:ln>
+                  <a:noFill/>
+                </a:ln>
+                <a:solidFill>
+                  <a:srgbClr val="808080"/>
+                </a:solidFill>
+                <a:effectLst/>
+                <a:latin typeface="Consolas" panose="020B0609020204030204" pitchFamily="49" charset="0"/>
+              </a:rPr>
+              <a:t>not</a:t>
+            </a:r>
+            <a:r>
+              <a:rPr kumimoji="0" lang="nl-BE" altLang="nl-BE" sz="2000" b="0" i="1" u="none" strike="noStrike" cap="none" normalizeH="0" baseline="0" dirty="0">
+                <a:ln>
+                  <a:noFill/>
+                </a:ln>
+                <a:solidFill>
+                  <a:srgbClr val="808080"/>
+                </a:solidFill>
+                <a:effectLst/>
+                <a:latin typeface="Consolas" panose="020B0609020204030204" pitchFamily="49" charset="0"/>
+              </a:rPr>
+              <a:t> </a:t>
+            </a:r>
+            <a:r>
+              <a:rPr kumimoji="0" lang="nl-BE" altLang="nl-BE" sz="2000" b="0" i="1" u="none" strike="noStrike" cap="none" normalizeH="0" baseline="0" dirty="0" err="1">
+                <a:ln>
+                  <a:noFill/>
+                </a:ln>
+                <a:solidFill>
+                  <a:srgbClr val="808080"/>
+                </a:solidFill>
+                <a:effectLst/>
+                <a:latin typeface="Consolas" panose="020B0609020204030204" pitchFamily="49" charset="0"/>
+              </a:rPr>
+              <a:t>create</a:t>
+            </a:r>
+            <a:r>
+              <a:rPr kumimoji="0" lang="nl-BE" altLang="nl-BE" sz="2000" b="0" i="1" u="none" strike="noStrike" cap="none" normalizeH="0" baseline="0" dirty="0">
+                <a:ln>
+                  <a:noFill/>
+                </a:ln>
+                <a:solidFill>
+                  <a:srgbClr val="808080"/>
+                </a:solidFill>
+                <a:effectLst/>
+                <a:latin typeface="Consolas" panose="020B0609020204030204" pitchFamily="49" charset="0"/>
+              </a:rPr>
+              <a:t> </a:t>
+            </a:r>
+            <a:r>
+              <a:rPr kumimoji="0" lang="nl-BE" altLang="nl-BE" sz="2000" b="0" i="1" u="none" strike="noStrike" cap="none" normalizeH="0" baseline="0" dirty="0" err="1">
+                <a:ln>
+                  <a:noFill/>
+                </a:ln>
+                <a:solidFill>
+                  <a:srgbClr val="808080"/>
+                </a:solidFill>
+                <a:effectLst/>
+                <a:latin typeface="Consolas" panose="020B0609020204030204" pitchFamily="49" charset="0"/>
+              </a:rPr>
+              <a:t>the</a:t>
+            </a:r>
+            <a:r>
+              <a:rPr kumimoji="0" lang="nl-BE" altLang="nl-BE" sz="2000" b="0" i="1" u="none" strike="noStrike" cap="none" normalizeH="0" baseline="0" dirty="0">
+                <a:ln>
+                  <a:noFill/>
+                </a:ln>
+                <a:solidFill>
+                  <a:srgbClr val="808080"/>
+                </a:solidFill>
+                <a:effectLst/>
+                <a:latin typeface="Consolas" panose="020B0609020204030204" pitchFamily="49" charset="0"/>
+              </a:rPr>
+              <a:t> file</a:t>
+            </a:r>
+            <a:br>
+              <a:rPr kumimoji="0" lang="nl-BE" altLang="nl-BE" sz="2000" b="0" i="1" u="none" strike="noStrike" cap="none" normalizeH="0" baseline="0" dirty="0">
+                <a:ln>
+                  <a:noFill/>
+                </a:ln>
+                <a:solidFill>
+                  <a:srgbClr val="808080"/>
+                </a:solidFill>
+                <a:effectLst/>
+                <a:latin typeface="Consolas" panose="020B0609020204030204" pitchFamily="49" charset="0"/>
+              </a:rPr>
+            </a:br>
+            <a:r>
+              <a:rPr kumimoji="0" lang="nl-BE" altLang="nl-BE" sz="2000" b="1" i="0" u="none" strike="noStrike" cap="none" normalizeH="0" baseline="0" dirty="0" err="1">
+                <a:ln>
+                  <a:noFill/>
+                </a:ln>
+                <a:solidFill>
+                  <a:srgbClr val="000080"/>
+                </a:solidFill>
+                <a:effectLst/>
+                <a:latin typeface="Consolas" panose="020B0609020204030204" pitchFamily="49" charset="0"/>
+              </a:rPr>
+              <a:t>if</a:t>
+            </a:r>
+            <a:r>
+              <a:rPr kumimoji="0" lang="nl-BE" altLang="nl-BE" sz="2000" b="1" i="0" u="none" strike="noStrike" cap="none" normalizeH="0" baseline="0" dirty="0">
+                <a:ln>
+                  <a:noFill/>
+                </a:ln>
+                <a:solidFill>
+                  <a:srgbClr val="000080"/>
+                </a:solidFill>
+                <a:effectLst/>
+                <a:latin typeface="Consolas" panose="020B0609020204030204" pitchFamily="49" charset="0"/>
+              </a:rPr>
+              <a:t> </a:t>
+            </a:r>
+            <a:r>
+              <a:rPr kumimoji="0" lang="nl-BE" altLang="nl-BE" sz="2000" b="0" i="0" u="none" strike="noStrike" cap="none" normalizeH="0" baseline="0" dirty="0" err="1">
+                <a:ln>
+                  <a:noFill/>
+                </a:ln>
+                <a:solidFill>
+                  <a:srgbClr val="000000"/>
+                </a:solidFill>
+                <a:effectLst/>
+                <a:latin typeface="Consolas" panose="020B0609020204030204" pitchFamily="49" charset="0"/>
+              </a:rPr>
+              <a:t>exists</a:t>
+            </a:r>
+            <a:r>
+              <a:rPr kumimoji="0" lang="nl-BE" altLang="nl-BE" sz="2000" b="0" i="0" u="none" strike="noStrike" cap="none" normalizeH="0" baseline="0" dirty="0">
+                <a:ln>
+                  <a:noFill/>
+                </a:ln>
+                <a:solidFill>
+                  <a:srgbClr val="000000"/>
+                </a:solidFill>
+                <a:effectLst/>
+                <a:latin typeface="Consolas" panose="020B0609020204030204" pitchFamily="49" charset="0"/>
+              </a:rPr>
+              <a:t>(</a:t>
+            </a:r>
+            <a:r>
+              <a:rPr lang="nl-BE" altLang="nl-BE" sz="2000" b="1" dirty="0">
+                <a:solidFill>
+                  <a:srgbClr val="008080"/>
+                </a:solidFill>
+                <a:latin typeface="Consolas" panose="020B0609020204030204" pitchFamily="49" charset="0"/>
+              </a:rPr>
+              <a:t>'schedule.txt'</a:t>
+            </a:r>
+            <a:r>
+              <a:rPr kumimoji="0" lang="nl-BE" altLang="nl-BE" sz="2000" b="0" i="0" u="none" strike="noStrike" cap="none" normalizeH="0" baseline="0" dirty="0">
+                <a:ln>
+                  <a:noFill/>
+                </a:ln>
+                <a:solidFill>
+                  <a:srgbClr val="000000"/>
+                </a:solidFill>
+                <a:effectLst/>
+                <a:latin typeface="Consolas" panose="020B0609020204030204" pitchFamily="49" charset="0"/>
+              </a:rPr>
+              <a:t>):</a:t>
+            </a:r>
+            <a:br>
+              <a:rPr kumimoji="0" lang="nl-BE" altLang="nl-BE" sz="2000" b="0" i="0" u="none" strike="noStrike" cap="none" normalizeH="0" baseline="0" dirty="0">
+                <a:ln>
+                  <a:noFill/>
+                </a:ln>
+                <a:solidFill>
+                  <a:srgbClr val="000000"/>
+                </a:solidFill>
+                <a:effectLst/>
+                <a:latin typeface="Consolas" panose="020B0609020204030204" pitchFamily="49" charset="0"/>
+              </a:rPr>
+            </a:br>
+            <a:r>
+              <a:rPr kumimoji="0" lang="nl-BE" altLang="nl-BE" sz="2000" b="0" i="0" u="none" strike="noStrike" cap="none" normalizeH="0" baseline="0" dirty="0">
+                <a:ln>
+                  <a:noFill/>
+                </a:ln>
+                <a:solidFill>
+                  <a:srgbClr val="000000"/>
+                </a:solidFill>
+                <a:effectLst/>
+                <a:latin typeface="Consolas" panose="020B0609020204030204" pitchFamily="49" charset="0"/>
+              </a:rPr>
+              <a:t>    </a:t>
+            </a:r>
+            <a:r>
+              <a:rPr kumimoji="0" lang="nl-BE" altLang="nl-BE" sz="2000" b="0" i="0" u="none" strike="noStrike" cap="none" normalizeH="0" baseline="0" dirty="0">
+                <a:ln>
+                  <a:noFill/>
+                </a:ln>
+                <a:solidFill>
+                  <a:srgbClr val="000080"/>
+                </a:solidFill>
+                <a:effectLst/>
+                <a:latin typeface="Consolas" panose="020B0609020204030204" pitchFamily="49" charset="0"/>
+              </a:rPr>
+              <a:t>print</a:t>
+            </a:r>
+            <a:r>
+              <a:rPr kumimoji="0" lang="nl-BE" altLang="nl-BE" sz="2000" b="0" i="0" u="none" strike="noStrike" cap="none" normalizeH="0" baseline="0" dirty="0">
+                <a:ln>
+                  <a:noFill/>
+                </a:ln>
+                <a:solidFill>
+                  <a:srgbClr val="000000"/>
+                </a:solidFill>
+                <a:effectLst/>
+                <a:latin typeface="Consolas" panose="020B0609020204030204" pitchFamily="49" charset="0"/>
+              </a:rPr>
+              <a:t>(</a:t>
+            </a:r>
+            <a:r>
+              <a:rPr kumimoji="0" lang="nl-BE" altLang="nl-BE" sz="2000" b="1" i="0" u="none" strike="noStrike" cap="none" normalizeH="0" baseline="0" dirty="0">
+                <a:ln>
+                  <a:noFill/>
+                </a:ln>
+                <a:solidFill>
+                  <a:srgbClr val="008080"/>
+                </a:solidFill>
+                <a:effectLst/>
+                <a:latin typeface="Consolas" panose="020B0609020204030204" pitchFamily="49" charset="0"/>
+              </a:rPr>
+              <a:t>'The file </a:t>
+            </a:r>
+            <a:r>
+              <a:rPr kumimoji="0" lang="nl-BE" altLang="nl-BE" sz="2000" b="1" i="0" u="none" strike="noStrike" cap="none" normalizeH="0" baseline="0" dirty="0" err="1">
+                <a:ln>
+                  <a:noFill/>
+                </a:ln>
+                <a:solidFill>
+                  <a:srgbClr val="008080"/>
+                </a:solidFill>
+                <a:effectLst/>
+                <a:latin typeface="Consolas" panose="020B0609020204030204" pitchFamily="49" charset="0"/>
+              </a:rPr>
+              <a:t>already</a:t>
+            </a:r>
+            <a:r>
+              <a:rPr kumimoji="0" lang="nl-BE" altLang="nl-BE" sz="2000" b="1" i="0" u="none" strike="noStrike" cap="none" normalizeH="0" baseline="0" dirty="0">
+                <a:ln>
+                  <a:noFill/>
+                </a:ln>
+                <a:solidFill>
+                  <a:srgbClr val="008080"/>
+                </a:solidFill>
+                <a:effectLst/>
+                <a:latin typeface="Consolas" panose="020B0609020204030204" pitchFamily="49" charset="0"/>
+              </a:rPr>
+              <a:t> </a:t>
+            </a:r>
+            <a:r>
+              <a:rPr kumimoji="0" lang="nl-BE" altLang="nl-BE" sz="2000" b="1" i="0" u="none" strike="noStrike" cap="none" normalizeH="0" baseline="0" dirty="0" err="1">
+                <a:ln>
+                  <a:noFill/>
+                </a:ln>
+                <a:solidFill>
+                  <a:srgbClr val="008080"/>
+                </a:solidFill>
+                <a:effectLst/>
+                <a:latin typeface="Consolas" panose="020B0609020204030204" pitchFamily="49" charset="0"/>
+              </a:rPr>
+              <a:t>exists</a:t>
+            </a:r>
+            <a:r>
+              <a:rPr kumimoji="0" lang="nl-BE" altLang="nl-BE" sz="2000" b="1" i="0" u="none" strike="noStrike" cap="none" normalizeH="0" baseline="0" dirty="0">
+                <a:ln>
+                  <a:noFill/>
+                </a:ln>
+                <a:solidFill>
+                  <a:srgbClr val="008080"/>
+                </a:solidFill>
+                <a:effectLst/>
+                <a:latin typeface="Consolas" panose="020B0609020204030204" pitchFamily="49" charset="0"/>
+              </a:rPr>
+              <a:t> </a:t>
+            </a:r>
+            <a:r>
+              <a:rPr kumimoji="0" lang="nl-BE" altLang="nl-BE" sz="2000" b="1" i="0" u="none" strike="noStrike" cap="none" normalizeH="0" baseline="0" dirty="0" err="1">
+                <a:ln>
+                  <a:noFill/>
+                </a:ln>
+                <a:solidFill>
+                  <a:srgbClr val="008080"/>
+                </a:solidFill>
+                <a:effectLst/>
+                <a:latin typeface="Consolas" panose="020B0609020204030204" pitchFamily="49" charset="0"/>
+              </a:rPr>
+              <a:t>and</a:t>
+            </a:r>
+            <a:r>
+              <a:rPr kumimoji="0" lang="nl-BE" altLang="nl-BE" sz="2000" b="1" i="0" u="none" strike="noStrike" cap="none" normalizeH="0" baseline="0" dirty="0">
+                <a:ln>
+                  <a:noFill/>
+                </a:ln>
+                <a:solidFill>
+                  <a:srgbClr val="008080"/>
+                </a:solidFill>
+                <a:effectLst/>
+                <a:latin typeface="Consolas" panose="020B0609020204030204" pitchFamily="49" charset="0"/>
+              </a:rPr>
+              <a:t> </a:t>
+            </a:r>
+            <a:r>
+              <a:rPr kumimoji="0" lang="nl-BE" altLang="nl-BE" sz="2000" b="1" i="0" u="none" strike="noStrike" cap="none" normalizeH="0" baseline="0" dirty="0" err="1">
+                <a:ln>
+                  <a:noFill/>
+                </a:ln>
+                <a:solidFill>
+                  <a:srgbClr val="008080"/>
+                </a:solidFill>
+                <a:effectLst/>
+                <a:latin typeface="Consolas" panose="020B0609020204030204" pitchFamily="49" charset="0"/>
+              </a:rPr>
+              <a:t>cannot</a:t>
+            </a:r>
+            <a:r>
+              <a:rPr kumimoji="0" lang="nl-BE" altLang="nl-BE" sz="2000" b="1" i="0" u="none" strike="noStrike" cap="none" normalizeH="0" baseline="0" dirty="0">
+                <a:ln>
+                  <a:noFill/>
+                </a:ln>
+                <a:solidFill>
+                  <a:srgbClr val="008080"/>
+                </a:solidFill>
+                <a:effectLst/>
+                <a:latin typeface="Consolas" panose="020B0609020204030204" pitchFamily="49" charset="0"/>
+              </a:rPr>
+              <a:t> </a:t>
+            </a:r>
+            <a:r>
+              <a:rPr kumimoji="0" lang="nl-BE" altLang="nl-BE" sz="2000" b="1" i="0" u="none" strike="noStrike" cap="none" normalizeH="0" baseline="0" dirty="0" err="1">
+                <a:ln>
+                  <a:noFill/>
+                </a:ln>
+                <a:solidFill>
+                  <a:srgbClr val="008080"/>
+                </a:solidFill>
+                <a:effectLst/>
+                <a:latin typeface="Consolas" panose="020B0609020204030204" pitchFamily="49" charset="0"/>
+              </a:rPr>
+              <a:t>be</a:t>
+            </a:r>
+            <a:r>
+              <a:rPr kumimoji="0" lang="nl-BE" altLang="nl-BE" sz="2000" b="1" i="0" u="none" strike="noStrike" cap="none" normalizeH="0" baseline="0" dirty="0">
+                <a:ln>
+                  <a:noFill/>
+                </a:ln>
+                <a:solidFill>
+                  <a:srgbClr val="008080"/>
+                </a:solidFill>
+                <a:effectLst/>
+                <a:latin typeface="Consolas" panose="020B0609020204030204" pitchFamily="49" charset="0"/>
+              </a:rPr>
+              <a:t> </a:t>
+            </a:r>
+            <a:r>
+              <a:rPr kumimoji="0" lang="nl-BE" altLang="nl-BE" sz="2000" b="1" i="0" u="none" strike="noStrike" cap="none" normalizeH="0" baseline="0" dirty="0" err="1">
+                <a:ln>
+                  <a:noFill/>
+                </a:ln>
+                <a:solidFill>
+                  <a:srgbClr val="008080"/>
+                </a:solidFill>
+                <a:effectLst/>
+                <a:latin typeface="Consolas" panose="020B0609020204030204" pitchFamily="49" charset="0"/>
+              </a:rPr>
+              <a:t>overwritten</a:t>
+            </a:r>
+            <a:r>
+              <a:rPr kumimoji="0" lang="nl-BE" altLang="nl-BE" sz="2000" b="1" i="0" u="none" strike="noStrike" cap="none" normalizeH="0" baseline="0" dirty="0">
+                <a:ln>
+                  <a:noFill/>
+                </a:ln>
+                <a:solidFill>
+                  <a:srgbClr val="008080"/>
+                </a:solidFill>
+                <a:effectLst/>
+                <a:latin typeface="Consolas" panose="020B0609020204030204" pitchFamily="49" charset="0"/>
+              </a:rPr>
+              <a:t>'</a:t>
+            </a:r>
+            <a:r>
+              <a:rPr kumimoji="0" lang="nl-BE" altLang="nl-BE" sz="2000" b="0" i="0" u="none" strike="noStrike" cap="none" normalizeH="0" baseline="0" dirty="0">
+                <a:ln>
+                  <a:noFill/>
+                </a:ln>
+                <a:solidFill>
+                  <a:srgbClr val="000000"/>
+                </a:solidFill>
+                <a:effectLst/>
+                <a:latin typeface="Consolas" panose="020B0609020204030204" pitchFamily="49" charset="0"/>
+              </a:rPr>
+              <a:t>)</a:t>
+            </a:r>
+            <a:br>
+              <a:rPr kumimoji="0" lang="nl-BE" altLang="nl-BE" sz="2000" b="0" i="0" u="none" strike="noStrike" cap="none" normalizeH="0" baseline="0" dirty="0">
+                <a:ln>
+                  <a:noFill/>
+                </a:ln>
+                <a:solidFill>
+                  <a:srgbClr val="000000"/>
+                </a:solidFill>
+                <a:effectLst/>
+                <a:latin typeface="Consolas" panose="020B0609020204030204" pitchFamily="49" charset="0"/>
+              </a:rPr>
+            </a:br>
+            <a:r>
+              <a:rPr kumimoji="0" lang="nl-BE" altLang="nl-BE" sz="2000" b="1" i="0" u="none" strike="noStrike" cap="none" normalizeH="0" baseline="0" dirty="0" err="1">
+                <a:ln>
+                  <a:noFill/>
+                </a:ln>
+                <a:solidFill>
+                  <a:srgbClr val="000080"/>
+                </a:solidFill>
+                <a:effectLst/>
+                <a:latin typeface="Consolas" panose="020B0609020204030204" pitchFamily="49" charset="0"/>
+              </a:rPr>
+              <a:t>else</a:t>
+            </a:r>
+            <a:r>
+              <a:rPr kumimoji="0" lang="nl-BE" altLang="nl-BE" sz="2000" b="0" i="0" u="none" strike="noStrike" cap="none" normalizeH="0" baseline="0" dirty="0">
+                <a:ln>
+                  <a:noFill/>
+                </a:ln>
+                <a:solidFill>
+                  <a:srgbClr val="000000"/>
+                </a:solidFill>
+                <a:effectLst/>
+                <a:latin typeface="Consolas" panose="020B0609020204030204" pitchFamily="49" charset="0"/>
+              </a:rPr>
+              <a:t>:</a:t>
+            </a:r>
+            <a:br>
+              <a:rPr kumimoji="0" lang="nl-BE" altLang="nl-BE" sz="2000" b="0" i="0" u="none" strike="noStrike" cap="none" normalizeH="0" baseline="0" dirty="0">
+                <a:ln>
+                  <a:noFill/>
+                </a:ln>
+                <a:solidFill>
+                  <a:srgbClr val="000000"/>
+                </a:solidFill>
+                <a:effectLst/>
+                <a:latin typeface="Consolas" panose="020B0609020204030204" pitchFamily="49" charset="0"/>
+              </a:rPr>
+            </a:br>
+            <a:r>
+              <a:rPr kumimoji="0" lang="nl-BE" altLang="nl-BE" sz="2000" b="0" i="0" u="none" strike="noStrike" cap="none" normalizeH="0" baseline="0" dirty="0">
+                <a:ln>
+                  <a:noFill/>
+                </a:ln>
+                <a:solidFill>
+                  <a:srgbClr val="000000"/>
+                </a:solidFill>
+                <a:effectLst/>
+                <a:latin typeface="Consolas" panose="020B0609020204030204" pitchFamily="49" charset="0"/>
+              </a:rPr>
+              <a:t>    </a:t>
+            </a:r>
+            <a:r>
+              <a:rPr kumimoji="0" lang="nl-BE" altLang="nl-BE" sz="2000" b="1" i="0" u="none" strike="noStrike" cap="none" normalizeH="0" baseline="0" dirty="0" err="1">
+                <a:ln>
+                  <a:noFill/>
+                </a:ln>
+                <a:solidFill>
+                  <a:srgbClr val="000080"/>
+                </a:solidFill>
+                <a:effectLst/>
+                <a:latin typeface="Consolas" panose="020B0609020204030204" pitchFamily="49" charset="0"/>
+              </a:rPr>
+              <a:t>with</a:t>
+            </a:r>
+            <a:r>
+              <a:rPr kumimoji="0" lang="nl-BE" altLang="nl-BE" sz="2000" b="1" i="0" u="none" strike="noStrike" cap="none" normalizeH="0" baseline="0" dirty="0">
+                <a:ln>
+                  <a:noFill/>
+                </a:ln>
+                <a:solidFill>
+                  <a:srgbClr val="000080"/>
+                </a:solidFill>
+                <a:effectLst/>
+                <a:latin typeface="Consolas" panose="020B0609020204030204" pitchFamily="49" charset="0"/>
+              </a:rPr>
+              <a:t> </a:t>
+            </a:r>
+            <a:r>
+              <a:rPr kumimoji="0" lang="nl-BE" altLang="nl-BE" sz="2000" b="0" i="0" u="none" strike="noStrike" cap="none" normalizeH="0" baseline="0" dirty="0">
+                <a:ln>
+                  <a:noFill/>
+                </a:ln>
+                <a:solidFill>
+                  <a:srgbClr val="000080"/>
+                </a:solidFill>
+                <a:effectLst/>
+                <a:latin typeface="Consolas" panose="020B0609020204030204" pitchFamily="49" charset="0"/>
+              </a:rPr>
+              <a:t>open</a:t>
+            </a:r>
+            <a:r>
+              <a:rPr kumimoji="0" lang="nl-BE" altLang="nl-BE" sz="2000" b="0" i="0" u="none" strike="noStrike" cap="none" normalizeH="0" baseline="0" dirty="0">
+                <a:ln>
+                  <a:noFill/>
+                </a:ln>
+                <a:solidFill>
+                  <a:srgbClr val="000000"/>
+                </a:solidFill>
+                <a:effectLst/>
+                <a:latin typeface="Consolas" panose="020B0609020204030204" pitchFamily="49" charset="0"/>
+              </a:rPr>
+              <a:t>(</a:t>
+            </a:r>
+            <a:r>
+              <a:rPr lang="nl-BE" altLang="nl-BE" sz="2000" b="1" dirty="0">
+                <a:solidFill>
+                  <a:srgbClr val="008080"/>
+                </a:solidFill>
+                <a:latin typeface="Consolas" panose="020B0609020204030204" pitchFamily="49" charset="0"/>
+              </a:rPr>
+              <a:t>'schedule.txt'</a:t>
+            </a:r>
+            <a:r>
+              <a:rPr lang="nl-BE" altLang="nl-BE" sz="2000" dirty="0">
+                <a:solidFill>
+                  <a:srgbClr val="000000"/>
+                </a:solidFill>
+                <a:latin typeface="Consolas" panose="020B0609020204030204" pitchFamily="49" charset="0"/>
+              </a:rPr>
+              <a:t>, </a:t>
+            </a:r>
+            <a:r>
+              <a:rPr kumimoji="0" lang="nl-BE" altLang="nl-BE" sz="2000" b="1" i="0" u="none" strike="noStrike" cap="none" normalizeH="0" baseline="0" dirty="0">
+                <a:ln>
+                  <a:noFill/>
+                </a:ln>
+                <a:solidFill>
+                  <a:srgbClr val="008080"/>
+                </a:solidFill>
+                <a:effectLst/>
+                <a:latin typeface="Consolas" panose="020B0609020204030204" pitchFamily="49" charset="0"/>
+              </a:rPr>
+              <a:t>'w'</a:t>
+            </a:r>
+            <a:r>
+              <a:rPr kumimoji="0" lang="nl-BE" altLang="nl-BE" sz="2000" b="0" i="0" u="none" strike="noStrike" cap="none" normalizeH="0" baseline="0" dirty="0">
+                <a:ln>
+                  <a:noFill/>
+                </a:ln>
+                <a:solidFill>
+                  <a:srgbClr val="000000"/>
+                </a:solidFill>
+                <a:effectLst/>
+                <a:latin typeface="Consolas" panose="020B0609020204030204" pitchFamily="49" charset="0"/>
+              </a:rPr>
+              <a:t>, </a:t>
+            </a:r>
+            <a:r>
+              <a:rPr kumimoji="0" lang="nl-BE" altLang="nl-BE" sz="2000" b="0" i="0" u="none" strike="noStrike" cap="none" normalizeH="0" baseline="0" dirty="0" err="1">
+                <a:ln>
+                  <a:noFill/>
+                </a:ln>
+                <a:solidFill>
+                  <a:srgbClr val="660099"/>
+                </a:solidFill>
+                <a:effectLst/>
+                <a:latin typeface="Consolas" panose="020B0609020204030204" pitchFamily="49" charset="0"/>
+              </a:rPr>
+              <a:t>encoding</a:t>
+            </a:r>
+            <a:r>
+              <a:rPr kumimoji="0" lang="nl-BE" altLang="nl-BE" sz="2000" b="0" i="0" u="none" strike="noStrike" cap="none" normalizeH="0" baseline="0" dirty="0">
+                <a:ln>
+                  <a:noFill/>
+                </a:ln>
+                <a:solidFill>
+                  <a:srgbClr val="000000"/>
+                </a:solidFill>
+                <a:effectLst/>
+                <a:latin typeface="Consolas" panose="020B0609020204030204" pitchFamily="49" charset="0"/>
+              </a:rPr>
+              <a:t>=</a:t>
+            </a:r>
+            <a:r>
+              <a:rPr kumimoji="0" lang="nl-BE" altLang="nl-BE" sz="2000" b="1" i="0" u="none" strike="noStrike" cap="none" normalizeH="0" baseline="0" dirty="0">
+                <a:ln>
+                  <a:noFill/>
+                </a:ln>
+                <a:solidFill>
+                  <a:srgbClr val="008080"/>
+                </a:solidFill>
+                <a:effectLst/>
+                <a:latin typeface="Consolas" panose="020B0609020204030204" pitchFamily="49" charset="0"/>
+              </a:rPr>
+              <a:t>'UTF-8'</a:t>
+            </a:r>
+            <a:r>
+              <a:rPr kumimoji="0" lang="nl-BE" altLang="nl-BE" sz="2000" b="0" i="0" u="none" strike="noStrike" cap="none" normalizeH="0" baseline="0" dirty="0">
+                <a:ln>
+                  <a:noFill/>
+                </a:ln>
+                <a:solidFill>
+                  <a:srgbClr val="000000"/>
+                </a:solidFill>
+                <a:effectLst/>
+                <a:latin typeface="Consolas" panose="020B0609020204030204" pitchFamily="49" charset="0"/>
+              </a:rPr>
+              <a:t>) </a:t>
+            </a:r>
+            <a:r>
+              <a:rPr kumimoji="0" lang="nl-BE" altLang="nl-BE" sz="2000" b="1" i="0" u="none" strike="noStrike" cap="none" normalizeH="0" baseline="0" dirty="0">
+                <a:ln>
+                  <a:noFill/>
+                </a:ln>
+                <a:solidFill>
+                  <a:srgbClr val="000080"/>
+                </a:solidFill>
+                <a:effectLst/>
+                <a:latin typeface="Consolas" panose="020B0609020204030204" pitchFamily="49" charset="0"/>
+              </a:rPr>
+              <a:t>as </a:t>
+            </a:r>
+            <a:r>
+              <a:rPr kumimoji="0" lang="nl-BE" altLang="nl-BE" sz="2000" b="0" i="0" u="none" strike="noStrike" cap="none" normalizeH="0" baseline="0" dirty="0">
+                <a:ln>
+                  <a:noFill/>
+                </a:ln>
+                <a:solidFill>
+                  <a:srgbClr val="000000"/>
+                </a:solidFill>
+                <a:effectLst/>
+                <a:latin typeface="Consolas" panose="020B0609020204030204" pitchFamily="49" charset="0"/>
+              </a:rPr>
+              <a:t>file:</a:t>
+            </a:r>
+            <a:br>
+              <a:rPr kumimoji="0" lang="nl-BE" altLang="nl-BE" sz="2000" b="0" i="0" u="none" strike="noStrike" cap="none" normalizeH="0" baseline="0" dirty="0">
+                <a:ln>
+                  <a:noFill/>
+                </a:ln>
+                <a:solidFill>
+                  <a:srgbClr val="000000"/>
+                </a:solidFill>
+                <a:effectLst/>
+                <a:latin typeface="Consolas" panose="020B0609020204030204" pitchFamily="49" charset="0"/>
+              </a:rPr>
+            </a:br>
+            <a:r>
+              <a:rPr kumimoji="0" lang="nl-BE" altLang="nl-BE" sz="2000" b="0" i="0" u="none" strike="noStrike" cap="none" normalizeH="0" baseline="0" dirty="0">
+                <a:ln>
+                  <a:noFill/>
+                </a:ln>
+                <a:solidFill>
+                  <a:srgbClr val="000000"/>
+                </a:solidFill>
+                <a:effectLst/>
+                <a:latin typeface="Consolas" panose="020B0609020204030204" pitchFamily="49" charset="0"/>
+              </a:rPr>
+              <a:t>        </a:t>
+            </a:r>
+            <a:r>
+              <a:rPr kumimoji="0" lang="nl-BE" altLang="nl-BE" sz="2000" b="0" i="0" u="none" strike="noStrike" cap="none" normalizeH="0" baseline="0" dirty="0" err="1">
+                <a:ln>
+                  <a:noFill/>
+                </a:ln>
+                <a:solidFill>
+                  <a:srgbClr val="000000"/>
+                </a:solidFill>
+                <a:effectLst/>
+                <a:latin typeface="Consolas" panose="020B0609020204030204" pitchFamily="49" charset="0"/>
+              </a:rPr>
+              <a:t>file.write</a:t>
+            </a:r>
+            <a:r>
+              <a:rPr kumimoji="0" lang="nl-BE" altLang="nl-BE" sz="2000" b="0" i="0" u="none" strike="noStrike" cap="none" normalizeH="0" baseline="0" dirty="0">
+                <a:ln>
+                  <a:noFill/>
+                </a:ln>
+                <a:solidFill>
+                  <a:srgbClr val="000000"/>
+                </a:solidFill>
+                <a:effectLst/>
+                <a:latin typeface="Consolas" panose="020B0609020204030204" pitchFamily="49" charset="0"/>
+              </a:rPr>
+              <a:t>(</a:t>
+            </a:r>
+            <a:r>
+              <a:rPr kumimoji="0" lang="nl-BE" altLang="nl-BE" sz="2000" b="1" i="0" u="none" strike="noStrike" cap="none" normalizeH="0" baseline="0" dirty="0">
+                <a:ln>
+                  <a:noFill/>
+                </a:ln>
+                <a:solidFill>
+                  <a:srgbClr val="008080"/>
+                </a:solidFill>
+                <a:effectLst/>
+                <a:latin typeface="Consolas" panose="020B0609020204030204" pitchFamily="49" charset="0"/>
+              </a:rPr>
+              <a:t>'14/12;Mia Thans;12:30</a:t>
+            </a:r>
+            <a:r>
+              <a:rPr kumimoji="0" lang="nl-BE" altLang="nl-BE" sz="2000" b="1" i="0" u="none" strike="noStrike" cap="none" normalizeH="0" baseline="0" dirty="0">
+                <a:ln>
+                  <a:noFill/>
+                </a:ln>
+                <a:solidFill>
+                  <a:srgbClr val="000080"/>
+                </a:solidFill>
+                <a:effectLst/>
+                <a:latin typeface="Consolas" panose="020B0609020204030204" pitchFamily="49" charset="0"/>
+              </a:rPr>
+              <a:t>\n</a:t>
+            </a:r>
+            <a:r>
+              <a:rPr kumimoji="0" lang="nl-BE" altLang="nl-BE" sz="2000" b="1" i="0" u="none" strike="noStrike" cap="none" normalizeH="0" baseline="0" dirty="0">
+                <a:ln>
+                  <a:noFill/>
+                </a:ln>
+                <a:solidFill>
+                  <a:srgbClr val="008080"/>
+                </a:solidFill>
+                <a:effectLst/>
+                <a:latin typeface="Consolas" panose="020B0609020204030204" pitchFamily="49" charset="0"/>
+              </a:rPr>
+              <a:t>'</a:t>
+            </a:r>
+            <a:r>
+              <a:rPr kumimoji="0" lang="nl-BE" altLang="nl-BE" sz="2000" b="0" i="0" u="none" strike="noStrike" cap="none" normalizeH="0" baseline="0" dirty="0">
+                <a:ln>
+                  <a:noFill/>
+                </a:ln>
+                <a:solidFill>
+                  <a:srgbClr val="000000"/>
+                </a:solidFill>
+                <a:effectLst/>
+                <a:latin typeface="Consolas" panose="020B0609020204030204" pitchFamily="49" charset="0"/>
+              </a:rPr>
+              <a:t>)</a:t>
+            </a:r>
+            <a:br>
+              <a:rPr kumimoji="0" lang="nl-BE" altLang="nl-BE" sz="2000" b="0" i="0" u="none" strike="noStrike" cap="none" normalizeH="0" baseline="0" dirty="0">
+                <a:ln>
+                  <a:noFill/>
+                </a:ln>
+                <a:solidFill>
+                  <a:srgbClr val="000000"/>
+                </a:solidFill>
+                <a:effectLst/>
+                <a:latin typeface="Consolas" panose="020B0609020204030204" pitchFamily="49" charset="0"/>
+              </a:rPr>
+            </a:br>
+            <a:r>
+              <a:rPr kumimoji="0" lang="nl-BE" altLang="nl-BE" sz="2000" b="0" i="0" u="none" strike="noStrike" cap="none" normalizeH="0" baseline="0" dirty="0">
+                <a:ln>
+                  <a:noFill/>
+                </a:ln>
+                <a:solidFill>
+                  <a:srgbClr val="000000"/>
+                </a:solidFill>
+                <a:effectLst/>
+                <a:latin typeface="Consolas" panose="020B0609020204030204" pitchFamily="49" charset="0"/>
+              </a:rPr>
+              <a:t>        </a:t>
+            </a:r>
+            <a:r>
+              <a:rPr kumimoji="0" lang="nl-BE" altLang="nl-BE" sz="2000" b="0" i="0" u="none" strike="noStrike" cap="none" normalizeH="0" baseline="0" dirty="0" err="1">
+                <a:ln>
+                  <a:noFill/>
+                </a:ln>
+                <a:solidFill>
+                  <a:srgbClr val="000000"/>
+                </a:solidFill>
+                <a:effectLst/>
+                <a:latin typeface="Consolas" panose="020B0609020204030204" pitchFamily="49" charset="0"/>
+              </a:rPr>
+              <a:t>file.write</a:t>
+            </a:r>
+            <a:r>
+              <a:rPr kumimoji="0" lang="nl-BE" altLang="nl-BE" sz="2000" b="0" i="0" u="none" strike="noStrike" cap="none" normalizeH="0" baseline="0" dirty="0">
+                <a:ln>
+                  <a:noFill/>
+                </a:ln>
+                <a:solidFill>
+                  <a:srgbClr val="000000"/>
+                </a:solidFill>
+                <a:effectLst/>
+                <a:latin typeface="Consolas" panose="020B0609020204030204" pitchFamily="49" charset="0"/>
+              </a:rPr>
+              <a:t>(</a:t>
+            </a:r>
+            <a:r>
+              <a:rPr kumimoji="0" lang="nl-BE" altLang="nl-BE" sz="2000" b="1" i="0" u="none" strike="noStrike" cap="none" normalizeH="0" baseline="0" dirty="0">
+                <a:ln>
+                  <a:noFill/>
+                </a:ln>
+                <a:solidFill>
+                  <a:srgbClr val="008080"/>
+                </a:solidFill>
+                <a:effectLst/>
+                <a:latin typeface="Consolas" panose="020B0609020204030204" pitchFamily="49" charset="0"/>
+              </a:rPr>
+              <a:t>'15/12;Lian Sanchez;10:00</a:t>
+            </a:r>
+            <a:r>
+              <a:rPr kumimoji="0" lang="nl-BE" altLang="nl-BE" sz="2000" b="1" i="0" u="none" strike="noStrike" cap="none" normalizeH="0" baseline="0" dirty="0">
+                <a:ln>
+                  <a:noFill/>
+                </a:ln>
+                <a:solidFill>
+                  <a:srgbClr val="000080"/>
+                </a:solidFill>
+                <a:effectLst/>
+                <a:latin typeface="Consolas" panose="020B0609020204030204" pitchFamily="49" charset="0"/>
+              </a:rPr>
+              <a:t>\n</a:t>
+            </a:r>
+            <a:r>
+              <a:rPr kumimoji="0" lang="nl-BE" altLang="nl-BE" sz="2000" b="1" i="0" u="none" strike="noStrike" cap="none" normalizeH="0" baseline="0" dirty="0">
+                <a:ln>
+                  <a:noFill/>
+                </a:ln>
+                <a:solidFill>
+                  <a:srgbClr val="008080"/>
+                </a:solidFill>
+                <a:effectLst/>
+                <a:latin typeface="Consolas" panose="020B0609020204030204" pitchFamily="49" charset="0"/>
+              </a:rPr>
+              <a:t>'</a:t>
+            </a:r>
+            <a:r>
+              <a:rPr kumimoji="0" lang="nl-BE" altLang="nl-BE" sz="2000" b="0" i="0" u="none" strike="noStrike" cap="none" normalizeH="0" baseline="0" dirty="0">
+                <a:ln>
+                  <a:noFill/>
+                </a:ln>
+                <a:solidFill>
+                  <a:srgbClr val="000000"/>
+                </a:solidFill>
+                <a:effectLst/>
+                <a:latin typeface="Consolas" panose="020B0609020204030204" pitchFamily="49" charset="0"/>
+              </a:rPr>
+              <a:t>)</a:t>
+            </a:r>
+            <a:endParaRPr kumimoji="0" lang="nl-BE" altLang="nl-BE" sz="2000" b="0" i="0" u="none" strike="noStrike" cap="none" normalizeH="0" baseline="0" dirty="0">
+              <a:ln>
+                <a:noFill/>
+              </a:ln>
+              <a:solidFill>
+                <a:schemeClr val="tx1"/>
+              </a:solidFill>
+              <a:effectLst/>
+              <a:latin typeface="Arial" panose="020B0604020202020204" pitchFamily="34" charset="0"/>
+            </a:endParaRPr>
+          </a:p>
+        </p:txBody>
+      </p:sp>
+    </p:spTree>
+    <p:custDataLst>
+      <p:tags r:id="rId1"/>
+    </p:custDataLst>
+    <p:extLst>
+      <p:ext uri="{BB962C8B-B14F-4D97-AF65-F5344CB8AC3E}">
+        <p14:creationId xmlns:p14="http://schemas.microsoft.com/office/powerpoint/2010/main" val="2024552683"/>
+      </p:ext>
+    </p:extLst>
+  </p:cSld>
+  <p:clrMapOvr>
+    <a:masterClrMapping/>
+  </p:clrMapOvr>
+  <mc:AlternateContent xmlns:mc="http://schemas.openxmlformats.org/markup-compatibility/2006" xmlns:p14="http://schemas.microsoft.com/office/powerpoint/2010/main">
+    <mc:Choice Requires="p14">
+      <p:transition spd="slow" p14:dur="2000" advTm="74776"/>
+    </mc:Choice>
+    <mc:Fallback xmlns="">
+      <p:transition spd="slow" advTm="74776"/>
+    </mc:Fallback>
+  </mc:AlternateContent>
+  <p:timing>
+    <p:tnLst>
+      <p:par>
+        <p:cTn id="1" dur="indefinite" restart="never" nodeType="tmRoot">
+          <p:childTnLst>
+            <p:seq concurrent="1" nextAc="seek">
+              <p:cTn id="2" dur="indefinite" nodeType="mainSeq">
+                <p:childTnLst>
+                  <p:par>
+                    <p:cTn id="3" fill="hold">
+                      <p:stCondLst>
+                        <p:cond delay="indefinite"/>
+                      </p:stCondLst>
+                      <p:childTnLst>
+                        <p:par>
+                          <p:cTn id="4" fill="hold">
+                            <p:stCondLst>
+                              <p:cond delay="0"/>
+                            </p:stCondLst>
+                            <p:childTnLst>
+                              <p:par>
+                                <p:cTn id="5" presetID="1" presetClass="entr" presetSubtype="0" fill="hold" grpId="0" nodeType="clickEffect">
+                                  <p:stCondLst>
+                                    <p:cond delay="0"/>
+                                  </p:stCondLst>
+                                  <p:childTnLst>
+                                    <p:set>
+                                      <p:cBhvr>
+                                        <p:cTn id="6" dur="1" fill="hold">
+                                          <p:stCondLst>
+                                            <p:cond delay="0"/>
+                                          </p:stCondLst>
+                                        </p:cTn>
+                                        <p:tgtEl>
+                                          <p:spTgt spid="6"/>
+                                        </p:tgtEl>
+                                        <p:attrNameLst>
+                                          <p:attrName>style.visibility</p:attrName>
+                                        </p:attrNameLst>
+                                      </p:cBhvr>
+                                      <p:to>
+                                        <p:strVal val="visible"/>
+                                      </p:to>
+                                    </p:set>
+                                  </p:childTnLst>
+                                </p:cTn>
+                              </p:par>
+                            </p:childTnLst>
+                          </p:cTn>
+                        </p:par>
+                      </p:childTnLst>
+                    </p:cTn>
+                  </p:par>
+                </p:childTnLst>
+              </p:cTn>
+              <p:prevCondLst>
+                <p:cond evt="onPrev" delay="0">
+                  <p:tgtEl>
+                    <p:sldTgt/>
+                  </p:tgtEl>
+                </p:cond>
+              </p:prevCondLst>
+              <p:nextCondLst>
+                <p:cond evt="onNext" delay="0">
+                  <p:tgtEl>
+                    <p:sldTgt/>
+                  </p:tgtEl>
+                </p:cond>
+              </p:nextCondLst>
+            </p:seq>
+          </p:childTnLst>
+        </p:cTn>
+      </p:par>
+    </p:tnLst>
+    <p:bldLst>
+      <p:bldP spid="6" grpId="0" animBg="1"/>
+    </p:bldLst>
+  </p:timing>
+</p:sld>
+</file>
+
+<file path=ppt/slides/slide31.xml><?xml version="1.0" encoding="utf-8"?>
+<p:sld xmlns:a="http://schemas.openxmlformats.org/drawingml/2006/main" xmlns:r="http://schemas.openxmlformats.org/officeDocument/2006/relationships" xmlns:p="http://schemas.openxmlformats.org/presentationml/2006/main">
+  <p:cSld>
+    <p:spTree>
+      <p:nvGrpSpPr>
+        <p:cNvPr id="1" name=""/>
+        <p:cNvGrpSpPr/>
+        <p:nvPr/>
+      </p:nvGrpSpPr>
+      <p:grpSpPr>
+        <a:xfrm>
+          <a:off x="0" y="0"/>
+          <a:ext cx="0" cy="0"/>
+          <a:chOff x="0" y="0"/>
+          <a:chExt cx="0" cy="0"/>
+        </a:xfrm>
+      </p:grpSpPr>
+      <p:sp>
+        <p:nvSpPr>
+          <p:cNvPr id="2" name="Titel 1">
+            <a:extLst>
+              <a:ext uri="{FF2B5EF4-FFF2-40B4-BE49-F238E27FC236}">
                 <a16:creationId xmlns:a16="http://schemas.microsoft.com/office/drawing/2014/main" id="{FA4F764A-6545-4873-8765-2B6EF15DA428}"/>
               </a:ext>
             </a:extLst>
@@ -25989,7 +26221,7 @@
             <a:fld id="{FE1B3154-47D9-4402-8EDB-E791933DC0B9}" type="slidenum">
               <a:rPr lang="nl-BE" smtClean="0"/>
               <a:pPr/>
-              <a:t>30</a:t>
+              <a:t>31</a:t>
             </a:fld>
             <a:endParaRPr lang="nl-BE"/>
           </a:p>
@@ -28457,22 +28689,53 @@
           <a:lstStyle/>
           <a:p>
             <a:r>
-              <a:rPr lang="en-GB"/>
+              <a:rPr lang="en-GB" dirty="0"/>
               <a:t>Move the file </a:t>
             </a:r>
             <a:r>
-              <a:rPr lang="en-GB" i="1"/>
+              <a:rPr lang="en-GB" i="1" dirty="0"/>
               <a:t>schedule.txt </a:t>
             </a:r>
-            <a:r>
-              <a:rPr lang="en-GB"/>
+            <a:br>
+              <a:rPr lang="en-GB" i="1" dirty="0"/>
+            </a:br>
+            <a:r>
+              <a:rPr lang="en-GB" dirty="0"/>
               <a:t>to your Python project folder </a:t>
             </a:r>
           </a:p>
           <a:p>
             <a:r>
-              <a:rPr lang="en-GB"/>
-              <a:t>In PyCharm you can do this via the option 'Show in Explorer' (right click on the name of your project).</a:t>
+              <a:rPr lang="en-GB" dirty="0"/>
+              <a:t>In Visual Studio Code you can do this </a:t>
+            </a:r>
+            <a:br>
+              <a:rPr lang="en-GB" dirty="0"/>
+            </a:br>
+            <a:r>
+              <a:rPr lang="en-GB" dirty="0"/>
+              <a:t>by right clicking on a file in your</a:t>
+            </a:r>
+            <a:br>
+              <a:rPr lang="en-GB" dirty="0"/>
+            </a:br>
+            <a:r>
+              <a:rPr lang="en-GB" dirty="0"/>
+              <a:t>Python project folder and next </a:t>
+            </a:r>
+            <a:br>
+              <a:rPr lang="en-GB" dirty="0"/>
+            </a:br>
+            <a:r>
+              <a:rPr lang="en-GB" dirty="0"/>
+              <a:t>choosing ‘Reveal in File Explorer’ </a:t>
+            </a:r>
+            <a:br>
+              <a:rPr lang="en-GB" dirty="0"/>
+            </a:br>
+            <a:r>
+              <a:rPr lang="en-GB" dirty="0"/>
+              <a:t>(Shift + Alt + R)</a:t>
             </a:r>
           </a:p>
         </p:txBody>
@@ -28502,6 +28765,176 @@
               <a:rPr lang="nl-BE" smtClean="0"/>
               <a:pPr/>
               <a:t>6</a:t>
+            </a:fld>
+            <a:endParaRPr lang="nl-BE" dirty="0"/>
+          </a:p>
+        </p:txBody>
+      </p:sp>
+      <p:pic>
+        <p:nvPicPr>
+          <p:cNvPr id="7" name="Picture 6">
+            <a:extLst>
+              <a:ext uri="{FF2B5EF4-FFF2-40B4-BE49-F238E27FC236}">
+                <a16:creationId xmlns:a16="http://schemas.microsoft.com/office/drawing/2014/main" id="{F0569DCF-03A3-33F8-E1E5-3221A9F6D1FF}"/>
+              </a:ext>
+            </a:extLst>
+          </p:cNvPr>
+          <p:cNvPicPr>
+            <a:picLocks noChangeAspect="1"/>
+          </p:cNvPicPr>
+          <p:nvPr/>
+        </p:nvPicPr>
+        <p:blipFill>
+          <a:blip r:embed="rId3"/>
+          <a:stretch>
+            <a:fillRect/>
+          </a:stretch>
+        </p:blipFill>
+        <p:spPr>
+          <a:xfrm>
+            <a:off x="6627837" y="1550894"/>
+            <a:ext cx="4830398" cy="5043504"/>
+          </a:xfrm>
+          <a:prstGeom prst="rect">
+            <a:avLst/>
+          </a:prstGeom>
+        </p:spPr>
+      </p:pic>
+    </p:spTree>
+    <p:custDataLst>
+      <p:tags r:id="rId1"/>
+    </p:custDataLst>
+    <p:extLst>
+      <p:ext uri="{BB962C8B-B14F-4D97-AF65-F5344CB8AC3E}">
+        <p14:creationId xmlns:p14="http://schemas.microsoft.com/office/powerpoint/2010/main" val="3741566498"/>
+      </p:ext>
+    </p:extLst>
+  </p:cSld>
+  <p:clrMapOvr>
+    <a:masterClrMapping/>
+  </p:clrMapOvr>
+  <mc:AlternateContent xmlns:mc="http://schemas.openxmlformats.org/markup-compatibility/2006" xmlns:p14="http://schemas.microsoft.com/office/powerpoint/2010/main">
+    <mc:Choice Requires="p14">
+      <p:transition spd="slow" p14:dur="2000" advTm="75700"/>
+    </mc:Choice>
+    <mc:Fallback xmlns="">
+      <p:transition spd="slow" advTm="75700"/>
+    </mc:Fallback>
+  </mc:AlternateContent>
+</p:sld>
+</file>
+
+<file path=ppt/slides/slide7.xml><?xml version="1.0" encoding="utf-8"?>
+<p:sld xmlns:a="http://schemas.openxmlformats.org/drawingml/2006/main" xmlns:r="http://schemas.openxmlformats.org/officeDocument/2006/relationships" xmlns:p="http://schemas.openxmlformats.org/presentationml/2006/main">
+  <p:cSld>
+    <p:spTree>
+      <p:nvGrpSpPr>
+        <p:cNvPr id="1" name=""/>
+        <p:cNvGrpSpPr/>
+        <p:nvPr/>
+      </p:nvGrpSpPr>
+      <p:grpSpPr>
+        <a:xfrm>
+          <a:off x="0" y="0"/>
+          <a:ext cx="0" cy="0"/>
+          <a:chOff x="0" y="0"/>
+          <a:chExt cx="0" cy="0"/>
+        </a:xfrm>
+      </p:grpSpPr>
+      <p:sp>
+        <p:nvSpPr>
+          <p:cNvPr id="2" name="Titel 1">
+            <a:extLst>
+              <a:ext uri="{FF2B5EF4-FFF2-40B4-BE49-F238E27FC236}">
+                <a16:creationId xmlns:a16="http://schemas.microsoft.com/office/drawing/2014/main" id="{EC736148-8963-461A-97FD-40637B9DDF19}"/>
+              </a:ext>
+            </a:extLst>
+          </p:cNvPr>
+          <p:cNvSpPr>
+            <a:spLocks noGrp="1"/>
+          </p:cNvSpPr>
+          <p:nvPr>
+            <p:ph type="title"/>
+          </p:nvPr>
+        </p:nvSpPr>
+        <p:spPr>
+          <a:noFill/>
+        </p:spPr>
+        <p:txBody>
+          <a:bodyPr/>
+          <a:lstStyle/>
+          <a:p>
+            <a:r>
+              <a:rPr lang="nl-BE"/>
+              <a:t>Part 1: Reading a text file</a:t>
+            </a:r>
+          </a:p>
+        </p:txBody>
+      </p:sp>
+      <p:sp>
+        <p:nvSpPr>
+          <p:cNvPr id="3" name="Tijdelijke aanduiding voor inhoud 2">
+            <a:extLst>
+              <a:ext uri="{FF2B5EF4-FFF2-40B4-BE49-F238E27FC236}">
+                <a16:creationId xmlns:a16="http://schemas.microsoft.com/office/drawing/2014/main" id="{FAE2592B-87C9-40A3-A119-C1E68C024237}"/>
+              </a:ext>
+            </a:extLst>
+          </p:cNvPr>
+          <p:cNvSpPr>
+            <a:spLocks noGrp="1"/>
+          </p:cNvSpPr>
+          <p:nvPr>
+            <p:ph idx="1"/>
+          </p:nvPr>
+        </p:nvSpPr>
+        <p:spPr/>
+        <p:txBody>
+          <a:bodyPr/>
+          <a:lstStyle/>
+          <a:p>
+            <a:r>
+              <a:rPr lang="en-GB" dirty="0"/>
+              <a:t>Content of the file </a:t>
+            </a:r>
+            <a:r>
+              <a:rPr lang="en-GB" i="1" dirty="0"/>
+              <a:t>schedule.txt</a:t>
+            </a:r>
+            <a:endParaRPr lang="en-GB" dirty="0"/>
+          </a:p>
+          <a:p>
+            <a:pPr marL="0" indent="0">
+              <a:buNone/>
+            </a:pPr>
+            <a:endParaRPr lang="en-GB" dirty="0"/>
+          </a:p>
+        </p:txBody>
+      </p:sp>
+      <p:sp>
+        <p:nvSpPr>
+          <p:cNvPr id="4" name="Tijdelijke aanduiding voor dianummer 3">
+            <a:extLst>
+              <a:ext uri="{FF2B5EF4-FFF2-40B4-BE49-F238E27FC236}">
+                <a16:creationId xmlns:a16="http://schemas.microsoft.com/office/drawing/2014/main" id="{2FD07839-AAC8-4DF5-8EDB-DDDC2895921D}"/>
+              </a:ext>
+            </a:extLst>
+          </p:cNvPr>
+          <p:cNvSpPr>
+            <a:spLocks noGrp="1"/>
+          </p:cNvSpPr>
+          <p:nvPr>
+            <p:ph type="sldNum" sz="quarter" idx="12"/>
+          </p:nvPr>
+        </p:nvSpPr>
+        <p:spPr/>
+        <p:txBody>
+          <a:bodyPr/>
+          <a:lstStyle/>
+          <a:p>
+            <a:fld id="{FE1B3154-47D9-4402-8EDB-E791933DC0B9}" type="slidenum">
+              <a:rPr lang="nl-BE" smtClean="0"/>
+              <a:pPr/>
+              <a:t>7</a:t>
             </a:fld>
             <a:endParaRPr lang="nl-BE"/>
           </a:p>
@@ -28739,7 +29172,7 @@
     </p:custDataLst>
     <p:extLst>
       <p:ext uri="{BB962C8B-B14F-4D97-AF65-F5344CB8AC3E}">
-        <p14:creationId xmlns:p14="http://schemas.microsoft.com/office/powerpoint/2010/main" val="3741566498"/>
+        <p14:creationId xmlns:p14="http://schemas.microsoft.com/office/powerpoint/2010/main" val="2571651860"/>
       </p:ext>
     </p:extLst>
   </p:cSld>
@@ -28835,7 +29268,7 @@
 </p:sld>
 </file>
 
-<file path=ppt/slides/slide7.xml><?xml version="1.0" encoding="utf-8"?>
+<file path=ppt/slides/slide8.xml><?xml version="1.0" encoding="utf-8"?>
 <p:sld xmlns:a="http://schemas.openxmlformats.org/drawingml/2006/main" xmlns:r="http://schemas.openxmlformats.org/officeDocument/2006/relationships" xmlns:p="http://schemas.openxmlformats.org/presentationml/2006/main">
   <p:cSld>
     <p:spTree>
@@ -28904,7 +29337,7 @@
             <a:fld id="{FE1B3154-47D9-4402-8EDB-E791933DC0B9}" type="slidenum">
               <a:rPr lang="nl-BE" smtClean="0"/>
               <a:pPr/>
-              <a:t>7</a:t>
+              <a:t>8</a:t>
             </a:fld>
             <a:endParaRPr lang="nl-BE"/>
           </a:p>
@@ -29393,7 +29826,7 @@
 </p:sld>
 </file>
 
-<file path=ppt/slides/slide8.xml><?xml version="1.0" encoding="utf-8"?>
+<file path=ppt/slides/slide9.xml><?xml version="1.0" encoding="utf-8"?>
 <p:sld xmlns:a="http://schemas.openxmlformats.org/drawingml/2006/main" xmlns:r="http://schemas.openxmlformats.org/officeDocument/2006/relationships" xmlns:p="http://schemas.openxmlformats.org/presentationml/2006/main">
   <p:cSld>
     <p:spTree>
@@ -29568,7 +30001,7 @@
             <a:fld id="{FE1B3154-47D9-4402-8EDB-E791933DC0B9}" type="slidenum">
               <a:rPr lang="nl-BE" smtClean="0"/>
               <a:pPr/>
-              <a:t>8</a:t>
+              <a:t>9</a:t>
             </a:fld>
             <a:endParaRPr lang="nl-BE"/>
           </a:p>
@@ -29715,237 +30148,6 @@
 </p:sld>
 </file>
 
-<file path=ppt/slides/slide9.xml><?xml version="1.0" encoding="utf-8"?>
-<p:sld xmlns:a="http://schemas.openxmlformats.org/drawingml/2006/main" xmlns:r="http://schemas.openxmlformats.org/officeDocument/2006/relationships" xmlns:p="http://schemas.openxmlformats.org/presentationml/2006/main">
-  <p:cSld>
-    <p:spTree>
-      <p:nvGrpSpPr>
-        <p:cNvPr id="1" name=""/>
-        <p:cNvGrpSpPr/>
-        <p:nvPr/>
-      </p:nvGrpSpPr>
-      <p:grpSpPr>
-        <a:xfrm>
-          <a:off x="0" y="0"/>
-          <a:ext cx="0" cy="0"/>
-          <a:chOff x="0" y="0"/>
-          <a:chExt cx="0" cy="0"/>
-        </a:xfrm>
-      </p:grpSpPr>
-      <p:sp>
-        <p:nvSpPr>
-          <p:cNvPr id="2" name="Titel 1">
-            <a:extLst>
-              <a:ext uri="{FF2B5EF4-FFF2-40B4-BE49-F238E27FC236}">
-                <a16:creationId xmlns:a16="http://schemas.microsoft.com/office/drawing/2014/main" id="{1BE23161-B269-48C0-A7A4-6FBF20B252AB}"/>
-              </a:ext>
-            </a:extLst>
-          </p:cNvPr>
-          <p:cNvSpPr>
-            <a:spLocks noGrp="1"/>
-          </p:cNvSpPr>
-          <p:nvPr>
-            <p:ph type="title"/>
-          </p:nvPr>
-        </p:nvSpPr>
-        <p:spPr/>
-        <p:txBody>
-          <a:bodyPr/>
-          <a:lstStyle/>
-          <a:p>
-            <a:r>
-              <a:rPr lang="en-GB"/>
-              <a:t>Example 1: read the file</a:t>
-            </a:r>
-          </a:p>
-        </p:txBody>
-      </p:sp>
-      <p:sp>
-        <p:nvSpPr>
-          <p:cNvPr id="3" name="Tijdelijke aanduiding voor inhoud 2">
-            <a:extLst>
-              <a:ext uri="{FF2B5EF4-FFF2-40B4-BE49-F238E27FC236}">
-                <a16:creationId xmlns:a16="http://schemas.microsoft.com/office/drawing/2014/main" id="{DA1A3571-81DB-4ABF-AB51-1046AD15B7E0}"/>
-              </a:ext>
-            </a:extLst>
-          </p:cNvPr>
-          <p:cNvSpPr>
-            <a:spLocks noGrp="1"/>
-          </p:cNvSpPr>
-          <p:nvPr>
-            <p:ph idx="1"/>
-          </p:nvPr>
-        </p:nvSpPr>
-        <p:spPr/>
-        <p:txBody>
-          <a:bodyPr>
-            <a:normAutofit fontScale="92500"/>
-          </a:bodyPr>
-          <a:lstStyle/>
-          <a:p>
-            <a:r>
-              <a:rPr lang="en-GB"/>
-              <a:t>The read() method of the handle produces a string containing the full content of the file.</a:t>
-            </a:r>
-          </a:p>
-          <a:p>
-            <a:endParaRPr lang="en-GB"/>
-          </a:p>
-          <a:p>
-            <a:endParaRPr lang="en-GB"/>
-          </a:p>
-          <a:p>
-            <a:endParaRPr lang="en-GB"/>
-          </a:p>
-          <a:p>
-            <a:r>
-              <a:rPr lang="en-GB"/>
-              <a:t>The handle has a pointer that indicates a specific place in the file. If you open the file to read, the pointer is at the front of the file. </a:t>
-            </a:r>
-          </a:p>
-          <a:p>
-            <a:r>
-              <a:rPr lang="en-GB"/>
-              <a:t>Reading the file moves the pointer to the character after the last read character. </a:t>
-            </a:r>
-          </a:p>
-          <a:p>
-            <a:r>
-              <a:rPr lang="en-GB"/>
-              <a:t>After the above instruction, the pointer is at the end of the file.</a:t>
-            </a:r>
-          </a:p>
-          <a:p>
-            <a:r>
-              <a:rPr lang="en-GB"/>
-              <a:t>When you call the read method again, it returns an empty string.</a:t>
-            </a:r>
-          </a:p>
-        </p:txBody>
-      </p:sp>
-      <p:sp>
-        <p:nvSpPr>
-          <p:cNvPr id="4" name="Tijdelijke aanduiding voor dianummer 3">
-            <a:extLst>
-              <a:ext uri="{FF2B5EF4-FFF2-40B4-BE49-F238E27FC236}">
-                <a16:creationId xmlns:a16="http://schemas.microsoft.com/office/drawing/2014/main" id="{7234641F-E95E-4CEE-BA24-0AC7DE92B79D}"/>
-              </a:ext>
-            </a:extLst>
-          </p:cNvPr>
-          <p:cNvSpPr>
-            <a:spLocks noGrp="1"/>
-          </p:cNvSpPr>
-          <p:nvPr>
-            <p:ph type="sldNum" sz="quarter" idx="12"/>
-          </p:nvPr>
-        </p:nvSpPr>
-        <p:spPr/>
-        <p:txBody>
-          <a:bodyPr/>
-          <a:lstStyle/>
-          <a:p>
-            <a:fld id="{FE1B3154-47D9-4402-8EDB-E791933DC0B9}" type="slidenum">
-              <a:rPr lang="nl-BE" smtClean="0"/>
-              <a:pPr/>
-              <a:t>9</a:t>
-            </a:fld>
-            <a:endParaRPr lang="nl-BE"/>
-          </a:p>
-        </p:txBody>
-      </p:sp>
-      <p:sp>
-        <p:nvSpPr>
-          <p:cNvPr id="5" name="Rechthoek 4">
-            <a:extLst>
-              <a:ext uri="{FF2B5EF4-FFF2-40B4-BE49-F238E27FC236}">
-                <a16:creationId xmlns:a16="http://schemas.microsoft.com/office/drawing/2014/main" id="{7DDEBF10-00FD-44E7-9013-A080E8C071C1}"/>
-              </a:ext>
-            </a:extLst>
-          </p:cNvPr>
-          <p:cNvSpPr/>
-          <p:nvPr/>
-        </p:nvSpPr>
-        <p:spPr>
-          <a:xfrm>
-            <a:off x="1204545" y="2309909"/>
-            <a:ext cx="7496176" cy="830997"/>
-          </a:xfrm>
-          <a:prstGeom prst="rect">
-            <a:avLst/>
-          </a:prstGeom>
-        </p:spPr>
-        <p:txBody>
-          <a:bodyPr wrap="square">
-            <a:spAutoFit/>
-          </a:bodyPr>
-          <a:lstStyle/>
-          <a:p>
-            <a:r>
-              <a:rPr lang="nl-BE" altLang="nl-BE" sz="2400" i="1" dirty="0">
-                <a:solidFill>
-                  <a:srgbClr val="808080"/>
-                </a:solidFill>
-                <a:latin typeface="Consolas" panose="020B0609020204030204" pitchFamily="49" charset="0"/>
-                <a:cs typeface="Courier New" panose="02070309020205020404" pitchFamily="49" charset="0"/>
-              </a:rPr>
-              <a:t>#2: read and display full content file</a:t>
-            </a:r>
-            <a:br>
-              <a:rPr lang="nl-BE" altLang="nl-BE" sz="2400" i="1" dirty="0">
-                <a:solidFill>
-                  <a:srgbClr val="808080"/>
-                </a:solidFill>
-                <a:latin typeface="Consolas" panose="020B0609020204030204" pitchFamily="49" charset="0"/>
-                <a:cs typeface="Courier New" panose="02070309020205020404" pitchFamily="49" charset="0"/>
-              </a:rPr>
-            </a:br>
-            <a:r>
-              <a:rPr lang="nl-BE" altLang="nl-BE" sz="2400" dirty="0">
-                <a:solidFill>
-                  <a:srgbClr val="000080"/>
-                </a:solidFill>
-                <a:latin typeface="Consolas" panose="020B0609020204030204" pitchFamily="49" charset="0"/>
-                <a:cs typeface="Courier New" panose="02070309020205020404" pitchFamily="49" charset="0"/>
-              </a:rPr>
-              <a:t>print</a:t>
-            </a:r>
-            <a:r>
-              <a:rPr lang="nl-BE" altLang="nl-BE" sz="2400" dirty="0">
-                <a:solidFill>
-                  <a:srgbClr val="000000"/>
-                </a:solidFill>
-                <a:latin typeface="Consolas" panose="020B0609020204030204" pitchFamily="49" charset="0"/>
-                <a:cs typeface="Courier New" panose="02070309020205020404" pitchFamily="49" charset="0"/>
-              </a:rPr>
-              <a:t>(file.read())</a:t>
-            </a:r>
-            <a:endParaRPr lang="nl-BE" sz="2400" dirty="0">
-              <a:latin typeface="Consolas" panose="020B0609020204030204" pitchFamily="49" charset="0"/>
-            </a:endParaRPr>
-          </a:p>
-        </p:txBody>
-      </p:sp>
-    </p:spTree>
-    <p:extLst>
-      <p:ext uri="{BB962C8B-B14F-4D97-AF65-F5344CB8AC3E}">
-        <p14:creationId xmlns:p14="http://schemas.microsoft.com/office/powerpoint/2010/main" val="654147409"/>
-      </p:ext>
-    </p:extLst>
-  </p:cSld>
-  <p:clrMapOvr>
-    <a:masterClrMapping/>
-  </p:clrMapOvr>
-  <mc:AlternateContent xmlns:mc="http://schemas.openxmlformats.org/markup-compatibility/2006" xmlns:p14="http://schemas.microsoft.com/office/powerpoint/2010/main">
-    <mc:Choice Requires="p14">
-      <p:transition spd="slow" p14:dur="2000" advTm="34399"/>
-    </mc:Choice>
-    <mc:Fallback xmlns="">
-      <p:transition spd="slow" advTm="34399"/>
-    </mc:Fallback>
-  </mc:AlternateContent>
-</p:sld>
-</file>
-
 <file path=ppt/tags/tag1.xml><?xml version="1.0" encoding="utf-8"?>
 <p:tagLst xmlns:a="http://schemas.openxmlformats.org/drawingml/2006/main" xmlns:r="http://schemas.openxmlformats.org/officeDocument/2006/relationships" xmlns:p="http://schemas.openxmlformats.org/presentationml/2006/main">
   <p:tag name="PRESGUID" val="6c940abf-ba68-45d7-ad36-602249f60e07"/>
@@ -29954,23 +30156,29 @@
 
 <file path=ppt/tags/tag10.xml><?xml version="1.0" encoding="utf-8"?>
 <p:tagLst xmlns:a="http://schemas.openxmlformats.org/drawingml/2006/main" xmlns:r="http://schemas.openxmlformats.org/officeDocument/2006/relationships" xmlns:p="http://schemas.openxmlformats.org/presentationml/2006/main">
-  <p:tag name="TIMING" val="|36.2|10.4"/>
+  <p:tag name="TIMING" val="|4.2"/>
 </p:tagLst>
 </file>
 
 <file path=ppt/tags/tag11.xml><?xml version="1.0" encoding="utf-8"?>
 <p:tagLst xmlns:a="http://schemas.openxmlformats.org/drawingml/2006/main" xmlns:r="http://schemas.openxmlformats.org/officeDocument/2006/relationships" xmlns:p="http://schemas.openxmlformats.org/presentationml/2006/main">
-  <p:tag name="TIMING" val="|37.2"/>
+  <p:tag name="TIMING" val="|36.2|10.4"/>
 </p:tagLst>
 </file>
 
 <file path=ppt/tags/tag12.xml><?xml version="1.0" encoding="utf-8"?>
 <p:tagLst xmlns:a="http://schemas.openxmlformats.org/drawingml/2006/main" xmlns:r="http://schemas.openxmlformats.org/officeDocument/2006/relationships" xmlns:p="http://schemas.openxmlformats.org/presentationml/2006/main">
+  <p:tag name="TIMING" val="|37.2"/>
+</p:tagLst>
+</file>
+
+<file path=ppt/tags/tag13.xml><?xml version="1.0" encoding="utf-8"?>
+<p:tagLst xmlns:a="http://schemas.openxmlformats.org/drawingml/2006/main" xmlns:r="http://schemas.openxmlformats.org/officeDocument/2006/relationships" xmlns:p="http://schemas.openxmlformats.org/presentationml/2006/main">
   <p:tag name="TIMING" val="|44.3"/>
 </p:tagLst>
 </file>
 
-<file path=ppt/tags/tag13.xml><?xml version="1.0" encoding="utf-8"?>
+<file path=ppt/tags/tag14.xml><?xml version="1.0" encoding="utf-8"?>
 <p:tagLst xmlns:a="http://schemas.openxmlformats.org/drawingml/2006/main" xmlns:r="http://schemas.openxmlformats.org/officeDocument/2006/relationships" xmlns:p="http://schemas.openxmlformats.org/presentationml/2006/main">
   <p:tag name="TIMING" val="|40.7"/>
 </p:tagLst>
@@ -29996,31 +30204,31 @@
 
 <file path=ppt/tags/tag5.xml><?xml version="1.0" encoding="utf-8"?>
 <p:tagLst xmlns:a="http://schemas.openxmlformats.org/drawingml/2006/main" xmlns:r="http://schemas.openxmlformats.org/officeDocument/2006/relationships" xmlns:p="http://schemas.openxmlformats.org/presentationml/2006/main">
-  <p:tag name="TIMING" val="|62.9|1.1|0.8|0.4"/>
+  <p:tag name="TIMING" val="|48.9"/>
 </p:tagLst>
 </file>
 
 <file path=ppt/tags/tag6.xml><?xml version="1.0" encoding="utf-8"?>
 <p:tagLst xmlns:a="http://schemas.openxmlformats.org/drawingml/2006/main" xmlns:r="http://schemas.openxmlformats.org/officeDocument/2006/relationships" xmlns:p="http://schemas.openxmlformats.org/presentationml/2006/main">
-  <p:tag name="TIMING" val="|8.3"/>
+  <p:tag name="TIMING" val="|62.9|1.1|0.8|0.4"/>
 </p:tagLst>
 </file>
 
 <file path=ppt/tags/tag7.xml><?xml version="1.0" encoding="utf-8"?>
 <p:tagLst xmlns:a="http://schemas.openxmlformats.org/drawingml/2006/main" xmlns:r="http://schemas.openxmlformats.org/officeDocument/2006/relationships" xmlns:p="http://schemas.openxmlformats.org/presentationml/2006/main">
-  <p:tag name="TIMING" val="|8.3|15.2|27"/>
+  <p:tag name="TIMING" val="|8.3"/>
 </p:tagLst>
 </file>
 
 <file path=ppt/tags/tag8.xml><?xml version="1.0" encoding="utf-8"?>
 <p:tagLst xmlns:a="http://schemas.openxmlformats.org/drawingml/2006/main" xmlns:r="http://schemas.openxmlformats.org/officeDocument/2006/relationships" xmlns:p="http://schemas.openxmlformats.org/presentationml/2006/main">
-  <p:tag name="TIMING" val="|17"/>
+  <p:tag name="TIMING" val="|8.3|15.2|27"/>
 </p:tagLst>
 </file>
 
 <file path=ppt/tags/tag9.xml><?xml version="1.0" encoding="utf-8"?>
 <p:tagLst xmlns:a="http://schemas.openxmlformats.org/drawingml/2006/main" xmlns:r="http://schemas.openxmlformats.org/officeDocument/2006/relationships" xmlns:p="http://schemas.openxmlformats.org/presentationml/2006/main">
-  <p:tag name="TIMING" val="|4.2"/>
+  <p:tag name="TIMING" val="|17"/>
 </p:tagLst>
 </file>
 
